--- a/GIT for beginners.pptx
+++ b/GIT for beginners.pptx
@@ -2,23 +2,29 @@
 <file path=ppt/presentation.xml><?xml version="1.0" encoding="utf-8"?>
 <p:presentation xmlns:a="http://schemas.openxmlformats.org/drawingml/2006/main" xmlns:r="http://schemas.openxmlformats.org/officeDocument/2006/relationships" xmlns:p="http://schemas.openxmlformats.org/presentationml/2006/main" saveSubsetFonts="1">
   <p:sldMasterIdLst>
-    <p:sldMasterId id="2147483648" r:id="rId1"/>
+    <p:sldMasterId id="2147483660" r:id="rId1"/>
   </p:sldMasterIdLst>
   <p:notesMasterIdLst>
-    <p:notesMasterId r:id="rId13"/>
+    <p:notesMasterId r:id="rId19"/>
   </p:notesMasterIdLst>
   <p:sldIdLst>
     <p:sldId id="256" r:id="rId2"/>
-    <p:sldId id="260" r:id="rId3"/>
-    <p:sldId id="259" r:id="rId4"/>
-    <p:sldId id="257" r:id="rId5"/>
-    <p:sldId id="258" r:id="rId6"/>
-    <p:sldId id="261" r:id="rId7"/>
-    <p:sldId id="262" r:id="rId8"/>
-    <p:sldId id="263" r:id="rId9"/>
-    <p:sldId id="264" r:id="rId10"/>
-    <p:sldId id="265" r:id="rId11"/>
-    <p:sldId id="266" r:id="rId12"/>
+    <p:sldId id="267" r:id="rId3"/>
+    <p:sldId id="260" r:id="rId4"/>
+    <p:sldId id="259" r:id="rId5"/>
+    <p:sldId id="257" r:id="rId6"/>
+    <p:sldId id="258" r:id="rId7"/>
+    <p:sldId id="261" r:id="rId8"/>
+    <p:sldId id="262" r:id="rId9"/>
+    <p:sldId id="263" r:id="rId10"/>
+    <p:sldId id="264" r:id="rId11"/>
+    <p:sldId id="265" r:id="rId12"/>
+    <p:sldId id="266" r:id="rId13"/>
+    <p:sldId id="268" r:id="rId14"/>
+    <p:sldId id="269" r:id="rId15"/>
+    <p:sldId id="271" r:id="rId16"/>
+    <p:sldId id="270" r:id="rId17"/>
+    <p:sldId id="272" r:id="rId18"/>
   </p:sldIdLst>
   <p:sldSz cx="12192000" cy="6858000"/>
   <p:notesSz cx="6858000" cy="9144000"/>
@@ -26,7 +32,7 @@
     <a:defPPr>
       <a:defRPr lang="en-US"/>
     </a:defPPr>
-    <a:lvl1pPr marL="0" algn="l" defTabSz="914400" rtl="0" eaLnBrk="1" latinLnBrk="0" hangingPunct="1">
+    <a:lvl1pPr marL="0" algn="l" defTabSz="457200" rtl="0" eaLnBrk="1" latinLnBrk="0" hangingPunct="1">
       <a:defRPr sz="1800" kern="1200">
         <a:solidFill>
           <a:schemeClr val="tx1"/>
@@ -36,7 +42,7 @@
         <a:cs typeface="+mn-cs"/>
       </a:defRPr>
     </a:lvl1pPr>
-    <a:lvl2pPr marL="457200" algn="l" defTabSz="914400" rtl="0" eaLnBrk="1" latinLnBrk="0" hangingPunct="1">
+    <a:lvl2pPr marL="457200" algn="l" defTabSz="457200" rtl="0" eaLnBrk="1" latinLnBrk="0" hangingPunct="1">
       <a:defRPr sz="1800" kern="1200">
         <a:solidFill>
           <a:schemeClr val="tx1"/>
@@ -46,7 +52,7 @@
         <a:cs typeface="+mn-cs"/>
       </a:defRPr>
     </a:lvl2pPr>
-    <a:lvl3pPr marL="914400" algn="l" defTabSz="914400" rtl="0" eaLnBrk="1" latinLnBrk="0" hangingPunct="1">
+    <a:lvl3pPr marL="914400" algn="l" defTabSz="457200" rtl="0" eaLnBrk="1" latinLnBrk="0" hangingPunct="1">
       <a:defRPr sz="1800" kern="1200">
         <a:solidFill>
           <a:schemeClr val="tx1"/>
@@ -56,7 +62,7 @@
         <a:cs typeface="+mn-cs"/>
       </a:defRPr>
     </a:lvl3pPr>
-    <a:lvl4pPr marL="1371600" algn="l" defTabSz="914400" rtl="0" eaLnBrk="1" latinLnBrk="0" hangingPunct="1">
+    <a:lvl4pPr marL="1371600" algn="l" defTabSz="457200" rtl="0" eaLnBrk="1" latinLnBrk="0" hangingPunct="1">
       <a:defRPr sz="1800" kern="1200">
         <a:solidFill>
           <a:schemeClr val="tx1"/>
@@ -66,7 +72,7 @@
         <a:cs typeface="+mn-cs"/>
       </a:defRPr>
     </a:lvl4pPr>
-    <a:lvl5pPr marL="1828800" algn="l" defTabSz="914400" rtl="0" eaLnBrk="1" latinLnBrk="0" hangingPunct="1">
+    <a:lvl5pPr marL="1828800" algn="l" defTabSz="457200" rtl="0" eaLnBrk="1" latinLnBrk="0" hangingPunct="1">
       <a:defRPr sz="1800" kern="1200">
         <a:solidFill>
           <a:schemeClr val="tx1"/>
@@ -76,7 +82,7 @@
         <a:cs typeface="+mn-cs"/>
       </a:defRPr>
     </a:lvl5pPr>
-    <a:lvl6pPr marL="2286000" algn="l" defTabSz="914400" rtl="0" eaLnBrk="1" latinLnBrk="0" hangingPunct="1">
+    <a:lvl6pPr marL="2286000" algn="l" defTabSz="457200" rtl="0" eaLnBrk="1" latinLnBrk="0" hangingPunct="1">
       <a:defRPr sz="1800" kern="1200">
         <a:solidFill>
           <a:schemeClr val="tx1"/>
@@ -86,7 +92,7 @@
         <a:cs typeface="+mn-cs"/>
       </a:defRPr>
     </a:lvl6pPr>
-    <a:lvl7pPr marL="2743200" algn="l" defTabSz="914400" rtl="0" eaLnBrk="1" latinLnBrk="0" hangingPunct="1">
+    <a:lvl7pPr marL="2743200" algn="l" defTabSz="457200" rtl="0" eaLnBrk="1" latinLnBrk="0" hangingPunct="1">
       <a:defRPr sz="1800" kern="1200">
         <a:solidFill>
           <a:schemeClr val="tx1"/>
@@ -96,7 +102,7 @@
         <a:cs typeface="+mn-cs"/>
       </a:defRPr>
     </a:lvl7pPr>
-    <a:lvl8pPr marL="3200400" algn="l" defTabSz="914400" rtl="0" eaLnBrk="1" latinLnBrk="0" hangingPunct="1">
+    <a:lvl8pPr marL="3200400" algn="l" defTabSz="457200" rtl="0" eaLnBrk="1" latinLnBrk="0" hangingPunct="1">
       <a:defRPr sz="1800" kern="1200">
         <a:solidFill>
           <a:schemeClr val="tx1"/>
@@ -106,7 +112,7 @@
         <a:cs typeface="+mn-cs"/>
       </a:defRPr>
     </a:lvl8pPr>
-    <a:lvl9pPr marL="3657600" algn="l" defTabSz="914400" rtl="0" eaLnBrk="1" latinLnBrk="0" hangingPunct="1">
+    <a:lvl9pPr marL="3657600" algn="l" defTabSz="457200" rtl="0" eaLnBrk="1" latinLnBrk="0" hangingPunct="1">
       <a:defRPr sz="1800" kern="1200">
         <a:solidFill>
           <a:schemeClr val="tx1"/>
@@ -555,7 +561,7 @@
           <a:p>
             <a:fld id="{DD0A6FC7-E5B8-43DE-9594-8E6D879752EC}" type="slidenum">
               <a:rPr lang="en-US" smtClean="0"/>
-              <a:t>6</a:t>
+              <a:t>7</a:t>
             </a:fld>
             <a:endParaRPr lang="en-US"/>
           </a:p>
@@ -574,8 +580,267 @@
 </p:notes>
 </file>
 
+<file path=ppt/notesSlides/notesSlide2.xml><?xml version="1.0" encoding="utf-8"?>
+<p:notes xmlns:a="http://schemas.openxmlformats.org/drawingml/2006/main" xmlns:r="http://schemas.openxmlformats.org/officeDocument/2006/relationships" xmlns:p="http://schemas.openxmlformats.org/presentationml/2006/main">
+  <p:cSld>
+    <p:spTree>
+      <p:nvGrpSpPr>
+        <p:cNvPr id="1" name=""/>
+        <p:cNvGrpSpPr/>
+        <p:nvPr/>
+      </p:nvGrpSpPr>
+      <p:grpSpPr>
+        <a:xfrm>
+          <a:off x="0" y="0"/>
+          <a:ext cx="0" cy="0"/>
+          <a:chOff x="0" y="0"/>
+          <a:chExt cx="0" cy="0"/>
+        </a:xfrm>
+      </p:grpSpPr>
+      <p:sp>
+        <p:nvSpPr>
+          <p:cNvPr id="2" name="Slide Image Placeholder 1"/>
+          <p:cNvSpPr>
+            <a:spLocks noGrp="1" noRot="1" noChangeAspect="1"/>
+          </p:cNvSpPr>
+          <p:nvPr>
+            <p:ph type="sldImg"/>
+          </p:nvPr>
+        </p:nvSpPr>
+        <p:spPr/>
+      </p:sp>
+      <p:sp>
+        <p:nvSpPr>
+          <p:cNvPr id="3" name="Notes Placeholder 2"/>
+          <p:cNvSpPr>
+            <a:spLocks noGrp="1"/>
+          </p:cNvSpPr>
+          <p:nvPr>
+            <p:ph type="body" idx="1"/>
+          </p:nvPr>
+        </p:nvSpPr>
+        <p:spPr/>
+        <p:txBody>
+          <a:bodyPr/>
+          <a:lstStyle/>
+          <a:p>
+            <a:endParaRPr lang="en-US" dirty="0"/>
+          </a:p>
+        </p:txBody>
+      </p:sp>
+      <p:sp>
+        <p:nvSpPr>
+          <p:cNvPr id="4" name="Slide Number Placeholder 3"/>
+          <p:cNvSpPr>
+            <a:spLocks noGrp="1"/>
+          </p:cNvSpPr>
+          <p:nvPr>
+            <p:ph type="sldNum" sz="quarter" idx="5"/>
+          </p:nvPr>
+        </p:nvSpPr>
+        <p:spPr/>
+        <p:txBody>
+          <a:bodyPr/>
+          <a:lstStyle/>
+          <a:p>
+            <a:fld id="{DD0A6FC7-E5B8-43DE-9594-8E6D879752EC}" type="slidenum">
+              <a:rPr lang="en-US" smtClean="0"/>
+              <a:t>12</a:t>
+            </a:fld>
+            <a:endParaRPr lang="en-US"/>
+          </a:p>
+        </p:txBody>
+      </p:sp>
+    </p:spTree>
+    <p:extLst>
+      <p:ext uri="{BB962C8B-B14F-4D97-AF65-F5344CB8AC3E}">
+        <p14:creationId xmlns:p14="http://schemas.microsoft.com/office/powerpoint/2010/main" val="2473520533"/>
+      </p:ext>
+    </p:extLst>
+  </p:cSld>
+  <p:clrMapOvr>
+    <a:masterClrMapping/>
+  </p:clrMapOvr>
+</p:notes>
+</file>
+
+<file path=ppt/notesSlides/notesSlide3.xml><?xml version="1.0" encoding="utf-8"?>
+<p:notes xmlns:a="http://schemas.openxmlformats.org/drawingml/2006/main" xmlns:r="http://schemas.openxmlformats.org/officeDocument/2006/relationships" xmlns:p="http://schemas.openxmlformats.org/presentationml/2006/main">
+  <p:cSld>
+    <p:spTree>
+      <p:nvGrpSpPr>
+        <p:cNvPr id="1" name=""/>
+        <p:cNvGrpSpPr/>
+        <p:nvPr/>
+      </p:nvGrpSpPr>
+      <p:grpSpPr>
+        <a:xfrm>
+          <a:off x="0" y="0"/>
+          <a:ext cx="0" cy="0"/>
+          <a:chOff x="0" y="0"/>
+          <a:chExt cx="0" cy="0"/>
+        </a:xfrm>
+      </p:grpSpPr>
+      <p:sp>
+        <p:nvSpPr>
+          <p:cNvPr id="2" name="Slide Image Placeholder 1"/>
+          <p:cNvSpPr>
+            <a:spLocks noGrp="1" noRot="1" noChangeAspect="1"/>
+          </p:cNvSpPr>
+          <p:nvPr>
+            <p:ph type="sldImg"/>
+          </p:nvPr>
+        </p:nvSpPr>
+        <p:spPr/>
+      </p:sp>
+      <p:sp>
+        <p:nvSpPr>
+          <p:cNvPr id="3" name="Notes Placeholder 2"/>
+          <p:cNvSpPr>
+            <a:spLocks noGrp="1"/>
+          </p:cNvSpPr>
+          <p:nvPr>
+            <p:ph type="body" idx="1"/>
+          </p:nvPr>
+        </p:nvSpPr>
+        <p:spPr/>
+        <p:txBody>
+          <a:bodyPr/>
+          <a:lstStyle/>
+          <a:p>
+            <a:endParaRPr lang="en-US" dirty="0"/>
+          </a:p>
+        </p:txBody>
+      </p:sp>
+      <p:sp>
+        <p:nvSpPr>
+          <p:cNvPr id="4" name="Slide Number Placeholder 3"/>
+          <p:cNvSpPr>
+            <a:spLocks noGrp="1"/>
+          </p:cNvSpPr>
+          <p:nvPr>
+            <p:ph type="sldNum" sz="quarter" idx="5"/>
+          </p:nvPr>
+        </p:nvSpPr>
+        <p:spPr/>
+        <p:txBody>
+          <a:bodyPr/>
+          <a:lstStyle/>
+          <a:p>
+            <a:fld id="{DD0A6FC7-E5B8-43DE-9594-8E6D879752EC}" type="slidenum">
+              <a:rPr lang="en-US" smtClean="0"/>
+              <a:t>14</a:t>
+            </a:fld>
+            <a:endParaRPr lang="en-US"/>
+          </a:p>
+        </p:txBody>
+      </p:sp>
+    </p:spTree>
+    <p:extLst>
+      <p:ext uri="{BB962C8B-B14F-4D97-AF65-F5344CB8AC3E}">
+        <p14:creationId xmlns:p14="http://schemas.microsoft.com/office/powerpoint/2010/main" val="2672710885"/>
+      </p:ext>
+    </p:extLst>
+  </p:cSld>
+  <p:clrMapOvr>
+    <a:masterClrMapping/>
+  </p:clrMapOvr>
+</p:notes>
+</file>
+
+<file path=ppt/notesSlides/notesSlide4.xml><?xml version="1.0" encoding="utf-8"?>
+<p:notes xmlns:a="http://schemas.openxmlformats.org/drawingml/2006/main" xmlns:r="http://schemas.openxmlformats.org/officeDocument/2006/relationships" xmlns:p="http://schemas.openxmlformats.org/presentationml/2006/main">
+  <p:cSld>
+    <p:spTree>
+      <p:nvGrpSpPr>
+        <p:cNvPr id="1" name=""/>
+        <p:cNvGrpSpPr/>
+        <p:nvPr/>
+      </p:nvGrpSpPr>
+      <p:grpSpPr>
+        <a:xfrm>
+          <a:off x="0" y="0"/>
+          <a:ext cx="0" cy="0"/>
+          <a:chOff x="0" y="0"/>
+          <a:chExt cx="0" cy="0"/>
+        </a:xfrm>
+      </p:grpSpPr>
+      <p:sp>
+        <p:nvSpPr>
+          <p:cNvPr id="2" name="Slide Image Placeholder 1"/>
+          <p:cNvSpPr>
+            <a:spLocks noGrp="1" noRot="1" noChangeAspect="1"/>
+          </p:cNvSpPr>
+          <p:nvPr>
+            <p:ph type="sldImg"/>
+          </p:nvPr>
+        </p:nvSpPr>
+        <p:spPr/>
+      </p:sp>
+      <p:sp>
+        <p:nvSpPr>
+          <p:cNvPr id="3" name="Notes Placeholder 2"/>
+          <p:cNvSpPr>
+            <a:spLocks noGrp="1"/>
+          </p:cNvSpPr>
+          <p:nvPr>
+            <p:ph type="body" idx="1"/>
+          </p:nvPr>
+        </p:nvSpPr>
+        <p:spPr/>
+        <p:txBody>
+          <a:bodyPr/>
+          <a:lstStyle/>
+          <a:p>
+            <a:r>
+              <a:rPr lang="en-US" dirty="0"/>
+              <a:t>Git diff –staged –-no-renames : to tell git there are </a:t>
+            </a:r>
+            <a:r>
+              <a:rPr lang="en-US"/>
+              <a:t>no renamed files</a:t>
+            </a:r>
+          </a:p>
+        </p:txBody>
+      </p:sp>
+      <p:sp>
+        <p:nvSpPr>
+          <p:cNvPr id="4" name="Slide Number Placeholder 3"/>
+          <p:cNvSpPr>
+            <a:spLocks noGrp="1"/>
+          </p:cNvSpPr>
+          <p:nvPr>
+            <p:ph type="sldNum" sz="quarter" idx="5"/>
+          </p:nvPr>
+        </p:nvSpPr>
+        <p:spPr/>
+        <p:txBody>
+          <a:bodyPr/>
+          <a:lstStyle/>
+          <a:p>
+            <a:fld id="{DD0A6FC7-E5B8-43DE-9594-8E6D879752EC}" type="slidenum">
+              <a:rPr lang="en-US" smtClean="0"/>
+              <a:t>17</a:t>
+            </a:fld>
+            <a:endParaRPr lang="en-US"/>
+          </a:p>
+        </p:txBody>
+      </p:sp>
+    </p:spTree>
+    <p:extLst>
+      <p:ext uri="{BB962C8B-B14F-4D97-AF65-F5344CB8AC3E}">
+        <p14:creationId xmlns:p14="http://schemas.microsoft.com/office/powerpoint/2010/main" val="369342811"/>
+      </p:ext>
+    </p:extLst>
+  </p:cSld>
+  <p:clrMapOvr>
+    <a:masterClrMapping/>
+  </p:clrMapOvr>
+</p:notes>
+</file>
+
 <file path=ppt/slideLayouts/slideLayout1.xml><?xml version="1.0" encoding="utf-8"?>
-<p:sldLayout xmlns:a="http://schemas.openxmlformats.org/drawingml/2006/main" xmlns:r="http://schemas.openxmlformats.org/officeDocument/2006/relationships" xmlns:p="http://schemas.openxmlformats.org/presentationml/2006/main" type="title" preserve="1">
+<p:sldLayout xmlns:a="http://schemas.openxmlformats.org/drawingml/2006/main" xmlns:r="http://schemas.openxmlformats.org/officeDocument/2006/relationships" xmlns:p="http://schemas.openxmlformats.org/presentationml/2006/main" showMasterSp="0" type="title" preserve="1">
   <p:cSld name="Title Slide">
     <p:spTree>
       <p:nvGrpSpPr>
@@ -591,15 +856,539 @@
           <a:chExt cx="0" cy="0"/>
         </a:xfrm>
       </p:grpSpPr>
-      <p:sp>
-        <p:nvSpPr>
-          <p:cNvPr id="2" name="Title 1">
-            <a:extLst>
-              <a:ext uri="{FF2B5EF4-FFF2-40B4-BE49-F238E27FC236}">
-                <a16:creationId xmlns:a16="http://schemas.microsoft.com/office/drawing/2014/main" id="{C3654C96-4354-401F-8D56-C6572A15A8F1}"/>
-              </a:ext>
-            </a:extLst>
-          </p:cNvPr>
+      <p:grpSp>
+        <p:nvGrpSpPr>
+          <p:cNvPr id="7" name="Group 6"/>
+          <p:cNvGrpSpPr/>
+          <p:nvPr/>
+        </p:nvGrpSpPr>
+        <p:grpSpPr>
+          <a:xfrm>
+            <a:off x="0" y="-8467"/>
+            <a:ext cx="12192000" cy="6866467"/>
+            <a:chOff x="0" y="-8467"/>
+            <a:chExt cx="12192000" cy="6866467"/>
+          </a:xfrm>
+        </p:grpSpPr>
+        <p:cxnSp>
+          <p:nvCxnSpPr>
+            <p:cNvPr id="32" name="Straight Connector 31"/>
+            <p:cNvCxnSpPr/>
+            <p:nvPr/>
+          </p:nvCxnSpPr>
+          <p:spPr>
+            <a:xfrm>
+              <a:off x="9371012" y="0"/>
+              <a:ext cx="1219200" cy="6858000"/>
+            </a:xfrm>
+            <a:prstGeom prst="line">
+              <a:avLst/>
+            </a:prstGeom>
+            <a:ln w="9525">
+              <a:solidFill>
+                <a:schemeClr val="bg1">
+                  <a:lumMod val="75000"/>
+                </a:schemeClr>
+              </a:solidFill>
+            </a:ln>
+          </p:spPr>
+          <p:style>
+            <a:lnRef idx="2">
+              <a:schemeClr val="accent1"/>
+            </a:lnRef>
+            <a:fillRef idx="0">
+              <a:schemeClr val="accent1"/>
+            </a:fillRef>
+            <a:effectRef idx="1">
+              <a:schemeClr val="accent1"/>
+            </a:effectRef>
+            <a:fontRef idx="minor">
+              <a:schemeClr val="tx1"/>
+            </a:fontRef>
+          </p:style>
+        </p:cxnSp>
+        <p:cxnSp>
+          <p:nvCxnSpPr>
+            <p:cNvPr id="21" name="Straight Connector 20"/>
+            <p:cNvCxnSpPr/>
+            <p:nvPr/>
+          </p:nvCxnSpPr>
+          <p:spPr>
+            <a:xfrm flipH="1">
+              <a:off x="7425267" y="3681413"/>
+              <a:ext cx="4763558" cy="3176587"/>
+            </a:xfrm>
+            <a:prstGeom prst="line">
+              <a:avLst/>
+            </a:prstGeom>
+            <a:ln w="9525">
+              <a:solidFill>
+                <a:schemeClr val="bg1">
+                  <a:lumMod val="85000"/>
+                </a:schemeClr>
+              </a:solidFill>
+            </a:ln>
+          </p:spPr>
+          <p:style>
+            <a:lnRef idx="2">
+              <a:schemeClr val="accent1"/>
+            </a:lnRef>
+            <a:fillRef idx="0">
+              <a:schemeClr val="accent1"/>
+            </a:fillRef>
+            <a:effectRef idx="1">
+              <a:schemeClr val="accent1"/>
+            </a:effectRef>
+            <a:fontRef idx="minor">
+              <a:schemeClr val="tx1"/>
+            </a:fontRef>
+          </p:style>
+        </p:cxnSp>
+        <p:sp>
+          <p:nvSpPr>
+            <p:cNvPr id="24" name="Rectangle 23"/>
+            <p:cNvSpPr/>
+            <p:nvPr/>
+          </p:nvSpPr>
+          <p:spPr>
+            <a:xfrm>
+              <a:off x="9181476" y="-8467"/>
+              <a:ext cx="3007349" cy="6866467"/>
+            </a:xfrm>
+            <a:custGeom>
+              <a:avLst/>
+              <a:gdLst/>
+              <a:ahLst/>
+              <a:cxnLst/>
+              <a:rect l="l" t="t" r="r" b="b"/>
+              <a:pathLst>
+                <a:path w="3007349" h="6866467">
+                  <a:moveTo>
+                    <a:pt x="2045532" y="0"/>
+                  </a:moveTo>
+                  <a:lnTo>
+                    <a:pt x="3007349" y="0"/>
+                  </a:lnTo>
+                  <a:lnTo>
+                    <a:pt x="3007349" y="6866467"/>
+                  </a:lnTo>
+                  <a:lnTo>
+                    <a:pt x="0" y="6866467"/>
+                  </a:lnTo>
+                  <a:lnTo>
+                    <a:pt x="2045532" y="0"/>
+                  </a:lnTo>
+                  <a:close/>
+                </a:path>
+              </a:pathLst>
+            </a:custGeom>
+            <a:solidFill>
+              <a:schemeClr val="accent1">
+                <a:alpha val="30000"/>
+              </a:schemeClr>
+            </a:solidFill>
+            <a:ln>
+              <a:noFill/>
+            </a:ln>
+            <a:effectLst/>
+          </p:spPr>
+          <p:style>
+            <a:lnRef idx="1">
+              <a:schemeClr val="accent1"/>
+            </a:lnRef>
+            <a:fillRef idx="3">
+              <a:schemeClr val="accent1"/>
+            </a:fillRef>
+            <a:effectRef idx="2">
+              <a:schemeClr val="accent1"/>
+            </a:effectRef>
+            <a:fontRef idx="minor">
+              <a:schemeClr val="lt1"/>
+            </a:fontRef>
+          </p:style>
+        </p:sp>
+        <p:sp>
+          <p:nvSpPr>
+            <p:cNvPr id="26" name="Rectangle 25"/>
+            <p:cNvSpPr/>
+            <p:nvPr/>
+          </p:nvSpPr>
+          <p:spPr>
+            <a:xfrm>
+              <a:off x="9603442" y="-8467"/>
+              <a:ext cx="2588558" cy="6866467"/>
+            </a:xfrm>
+            <a:custGeom>
+              <a:avLst/>
+              <a:gdLst/>
+              <a:ahLst/>
+              <a:cxnLst/>
+              <a:rect l="l" t="t" r="r" b="b"/>
+              <a:pathLst>
+                <a:path w="2573311" h="6866467">
+                  <a:moveTo>
+                    <a:pt x="0" y="0"/>
+                  </a:moveTo>
+                  <a:lnTo>
+                    <a:pt x="2573311" y="0"/>
+                  </a:lnTo>
+                  <a:lnTo>
+                    <a:pt x="2573311" y="6866467"/>
+                  </a:lnTo>
+                  <a:lnTo>
+                    <a:pt x="1202336" y="6866467"/>
+                  </a:lnTo>
+                  <a:lnTo>
+                    <a:pt x="0" y="0"/>
+                  </a:lnTo>
+                  <a:close/>
+                </a:path>
+              </a:pathLst>
+            </a:custGeom>
+            <a:solidFill>
+              <a:schemeClr val="accent1">
+                <a:alpha val="20000"/>
+              </a:schemeClr>
+            </a:solidFill>
+            <a:ln>
+              <a:noFill/>
+            </a:ln>
+            <a:effectLst/>
+          </p:spPr>
+          <p:style>
+            <a:lnRef idx="1">
+              <a:schemeClr val="accent1"/>
+            </a:lnRef>
+            <a:fillRef idx="3">
+              <a:schemeClr val="accent1"/>
+            </a:fillRef>
+            <a:effectRef idx="2">
+              <a:schemeClr val="accent1"/>
+            </a:effectRef>
+            <a:fontRef idx="minor">
+              <a:schemeClr val="lt1"/>
+            </a:fontRef>
+          </p:style>
+        </p:sp>
+        <p:sp>
+          <p:nvSpPr>
+            <p:cNvPr id="27" name="Isosceles Triangle 26"/>
+            <p:cNvSpPr/>
+            <p:nvPr/>
+          </p:nvSpPr>
+          <p:spPr>
+            <a:xfrm>
+              <a:off x="8932333" y="3048000"/>
+              <a:ext cx="3259667" cy="3810000"/>
+            </a:xfrm>
+            <a:prstGeom prst="triangle">
+              <a:avLst>
+                <a:gd name="adj" fmla="val 100000"/>
+              </a:avLst>
+            </a:prstGeom>
+            <a:solidFill>
+              <a:schemeClr val="accent2">
+                <a:alpha val="72000"/>
+              </a:schemeClr>
+            </a:solidFill>
+            <a:ln>
+              <a:noFill/>
+            </a:ln>
+            <a:effectLst/>
+          </p:spPr>
+          <p:style>
+            <a:lnRef idx="1">
+              <a:schemeClr val="accent1"/>
+            </a:lnRef>
+            <a:fillRef idx="3">
+              <a:schemeClr val="accent1"/>
+            </a:fillRef>
+            <a:effectRef idx="2">
+              <a:schemeClr val="accent1"/>
+            </a:effectRef>
+            <a:fontRef idx="minor">
+              <a:schemeClr val="lt1"/>
+            </a:fontRef>
+          </p:style>
+        </p:sp>
+        <p:sp>
+          <p:nvSpPr>
+            <p:cNvPr id="28" name="Rectangle 27"/>
+            <p:cNvSpPr/>
+            <p:nvPr/>
+          </p:nvSpPr>
+          <p:spPr>
+            <a:xfrm>
+              <a:off x="9334500" y="-8467"/>
+              <a:ext cx="2854326" cy="6866467"/>
+            </a:xfrm>
+            <a:custGeom>
+              <a:avLst/>
+              <a:gdLst/>
+              <a:ahLst/>
+              <a:cxnLst/>
+              <a:rect l="l" t="t" r="r" b="b"/>
+              <a:pathLst>
+                <a:path w="2858013" h="6866467">
+                  <a:moveTo>
+                    <a:pt x="0" y="0"/>
+                  </a:moveTo>
+                  <a:lnTo>
+                    <a:pt x="2858013" y="0"/>
+                  </a:lnTo>
+                  <a:lnTo>
+                    <a:pt x="2858013" y="6866467"/>
+                  </a:lnTo>
+                  <a:lnTo>
+                    <a:pt x="2473942" y="6866467"/>
+                  </a:lnTo>
+                  <a:lnTo>
+                    <a:pt x="0" y="0"/>
+                  </a:lnTo>
+                  <a:close/>
+                </a:path>
+              </a:pathLst>
+            </a:custGeom>
+            <a:solidFill>
+              <a:schemeClr val="accent2">
+                <a:lumMod val="75000"/>
+                <a:alpha val="70000"/>
+              </a:schemeClr>
+            </a:solidFill>
+            <a:ln>
+              <a:noFill/>
+            </a:ln>
+            <a:effectLst/>
+          </p:spPr>
+          <p:style>
+            <a:lnRef idx="1">
+              <a:schemeClr val="accent1"/>
+            </a:lnRef>
+            <a:fillRef idx="3">
+              <a:schemeClr val="accent1"/>
+            </a:fillRef>
+            <a:effectRef idx="2">
+              <a:schemeClr val="accent1"/>
+            </a:effectRef>
+            <a:fontRef idx="minor">
+              <a:schemeClr val="lt1"/>
+            </a:fontRef>
+          </p:style>
+        </p:sp>
+        <p:sp>
+          <p:nvSpPr>
+            <p:cNvPr id="29" name="Rectangle 28"/>
+            <p:cNvSpPr/>
+            <p:nvPr/>
+          </p:nvSpPr>
+          <p:spPr>
+            <a:xfrm>
+              <a:off x="10898730" y="-8467"/>
+              <a:ext cx="1290094" cy="6866467"/>
+            </a:xfrm>
+            <a:custGeom>
+              <a:avLst/>
+              <a:gdLst/>
+              <a:ahLst/>
+              <a:cxnLst/>
+              <a:rect l="l" t="t" r="r" b="b"/>
+              <a:pathLst>
+                <a:path w="1290094" h="6858000">
+                  <a:moveTo>
+                    <a:pt x="1019735" y="0"/>
+                  </a:moveTo>
+                  <a:lnTo>
+                    <a:pt x="1290094" y="0"/>
+                  </a:lnTo>
+                  <a:lnTo>
+                    <a:pt x="1290094" y="6858000"/>
+                  </a:lnTo>
+                  <a:lnTo>
+                    <a:pt x="0" y="6858000"/>
+                  </a:lnTo>
+                  <a:lnTo>
+                    <a:pt x="1019735" y="0"/>
+                  </a:lnTo>
+                  <a:close/>
+                </a:path>
+              </a:pathLst>
+            </a:custGeom>
+            <a:solidFill>
+              <a:schemeClr val="accent1">
+                <a:lumMod val="60000"/>
+                <a:lumOff val="40000"/>
+                <a:alpha val="70000"/>
+              </a:schemeClr>
+            </a:solidFill>
+            <a:ln>
+              <a:noFill/>
+            </a:ln>
+            <a:effectLst/>
+          </p:spPr>
+          <p:style>
+            <a:lnRef idx="1">
+              <a:schemeClr val="accent1"/>
+            </a:lnRef>
+            <a:fillRef idx="3">
+              <a:schemeClr val="accent1"/>
+            </a:fillRef>
+            <a:effectRef idx="2">
+              <a:schemeClr val="accent1"/>
+            </a:effectRef>
+            <a:fontRef idx="minor">
+              <a:schemeClr val="lt1"/>
+            </a:fontRef>
+          </p:style>
+        </p:sp>
+        <p:sp>
+          <p:nvSpPr>
+            <p:cNvPr id="30" name="Rectangle 29"/>
+            <p:cNvSpPr/>
+            <p:nvPr/>
+          </p:nvSpPr>
+          <p:spPr>
+            <a:xfrm>
+              <a:off x="10938999" y="-8467"/>
+              <a:ext cx="1249825" cy="6866467"/>
+            </a:xfrm>
+            <a:custGeom>
+              <a:avLst/>
+              <a:gdLst/>
+              <a:ahLst/>
+              <a:cxnLst/>
+              <a:rect l="l" t="t" r="r" b="b"/>
+              <a:pathLst>
+                <a:path w="1249825" h="6858000">
+                  <a:moveTo>
+                    <a:pt x="0" y="0"/>
+                  </a:moveTo>
+                  <a:lnTo>
+                    <a:pt x="1249825" y="0"/>
+                  </a:lnTo>
+                  <a:lnTo>
+                    <a:pt x="1249825" y="6858000"/>
+                  </a:lnTo>
+                  <a:lnTo>
+                    <a:pt x="1109382" y="6858000"/>
+                  </a:lnTo>
+                  <a:lnTo>
+                    <a:pt x="0" y="0"/>
+                  </a:lnTo>
+                  <a:close/>
+                </a:path>
+              </a:pathLst>
+            </a:custGeom>
+            <a:solidFill>
+              <a:schemeClr val="accent1">
+                <a:alpha val="65000"/>
+              </a:schemeClr>
+            </a:solidFill>
+            <a:ln>
+              <a:noFill/>
+            </a:ln>
+            <a:effectLst/>
+          </p:spPr>
+          <p:style>
+            <a:lnRef idx="1">
+              <a:schemeClr val="accent1"/>
+            </a:lnRef>
+            <a:fillRef idx="3">
+              <a:schemeClr val="accent1"/>
+            </a:fillRef>
+            <a:effectRef idx="2">
+              <a:schemeClr val="accent1"/>
+            </a:effectRef>
+            <a:fontRef idx="minor">
+              <a:schemeClr val="lt1"/>
+            </a:fontRef>
+          </p:style>
+        </p:sp>
+        <p:sp>
+          <p:nvSpPr>
+            <p:cNvPr id="31" name="Isosceles Triangle 30"/>
+            <p:cNvSpPr/>
+            <p:nvPr/>
+          </p:nvSpPr>
+          <p:spPr>
+            <a:xfrm>
+              <a:off x="10371666" y="3589867"/>
+              <a:ext cx="1817159" cy="3268133"/>
+            </a:xfrm>
+            <a:prstGeom prst="triangle">
+              <a:avLst>
+                <a:gd name="adj" fmla="val 100000"/>
+              </a:avLst>
+            </a:prstGeom>
+            <a:solidFill>
+              <a:schemeClr val="accent1">
+                <a:alpha val="80000"/>
+              </a:schemeClr>
+            </a:solidFill>
+            <a:ln>
+              <a:noFill/>
+            </a:ln>
+            <a:effectLst/>
+          </p:spPr>
+          <p:style>
+            <a:lnRef idx="1">
+              <a:schemeClr val="accent1"/>
+            </a:lnRef>
+            <a:fillRef idx="3">
+              <a:schemeClr val="accent1"/>
+            </a:fillRef>
+            <a:effectRef idx="2">
+              <a:schemeClr val="accent1"/>
+            </a:effectRef>
+            <a:fontRef idx="minor">
+              <a:schemeClr val="lt1"/>
+            </a:fontRef>
+          </p:style>
+        </p:sp>
+        <p:sp>
+          <p:nvSpPr>
+            <p:cNvPr id="19" name="Isosceles Triangle 18"/>
+            <p:cNvSpPr/>
+            <p:nvPr/>
+          </p:nvSpPr>
+          <p:spPr>
+            <a:xfrm rot="10800000">
+              <a:off x="0" y="0"/>
+              <a:ext cx="842596" cy="5666154"/>
+            </a:xfrm>
+            <a:prstGeom prst="triangle">
+              <a:avLst>
+                <a:gd name="adj" fmla="val 100000"/>
+              </a:avLst>
+            </a:prstGeom>
+            <a:solidFill>
+              <a:schemeClr val="accent1">
+                <a:alpha val="85000"/>
+              </a:schemeClr>
+            </a:solidFill>
+            <a:ln>
+              <a:noFill/>
+            </a:ln>
+            <a:effectLst/>
+          </p:spPr>
+          <p:style>
+            <a:lnRef idx="1">
+              <a:schemeClr val="accent1"/>
+            </a:lnRef>
+            <a:fillRef idx="3">
+              <a:schemeClr val="accent1"/>
+            </a:fillRef>
+            <a:effectRef idx="2">
+              <a:schemeClr val="accent1"/>
+            </a:effectRef>
+            <a:fontRef idx="minor">
+              <a:schemeClr val="lt1"/>
+            </a:fontRef>
+          </p:style>
+        </p:sp>
+      </p:grpSp>
+      <p:sp>
+        <p:nvSpPr>
+          <p:cNvPr id="2" name="Title 1"/>
           <p:cNvSpPr>
             <a:spLocks noGrp="1"/>
           </p:cNvSpPr>
@@ -609,15 +1398,21 @@
         </p:nvSpPr>
         <p:spPr>
           <a:xfrm>
-            <a:off x="1524000" y="1122363"/>
-            <a:ext cx="9144000" cy="2387600"/>
+            <a:off x="1507067" y="2404534"/>
+            <a:ext cx="7766936" cy="1646302"/>
           </a:xfrm>
         </p:spPr>
         <p:txBody>
-          <a:bodyPr anchor="b"/>
+          <a:bodyPr anchor="b">
+            <a:noAutofit/>
+          </a:bodyPr>
           <a:lstStyle>
-            <a:lvl1pPr algn="ctr">
-              <a:defRPr sz="6000"/>
+            <a:lvl1pPr algn="r">
+              <a:defRPr sz="5400">
+                <a:solidFill>
+                  <a:schemeClr val="accent1"/>
+                </a:solidFill>
+              </a:defRPr>
             </a:lvl1pPr>
           </a:lstStyle>
           <a:p>
@@ -625,18 +1420,13 @@
               <a:rPr lang="en-US"/>
               <a:t>Click to edit Master title style</a:t>
             </a:r>
-          </a:p>
-        </p:txBody>
-      </p:sp>
-      <p:sp>
-        <p:nvSpPr>
-          <p:cNvPr id="3" name="Subtitle 2">
-            <a:extLst>
-              <a:ext uri="{FF2B5EF4-FFF2-40B4-BE49-F238E27FC236}">
-                <a16:creationId xmlns:a16="http://schemas.microsoft.com/office/drawing/2014/main" id="{F34E7086-9C33-4304-99A0-2E68AA1797D0}"/>
-              </a:ext>
-            </a:extLst>
-          </p:cNvPr>
+            <a:endParaRPr lang="en-US" dirty="0"/>
+          </a:p>
+        </p:txBody>
+      </p:sp>
+      <p:sp>
+        <p:nvSpPr>
+          <p:cNvPr id="3" name="Subtitle 2"/>
           <p:cNvSpPr>
             <a:spLocks noGrp="1"/>
           </p:cNvSpPr>
@@ -646,48 +1436,103 @@
         </p:nvSpPr>
         <p:spPr>
           <a:xfrm>
-            <a:off x="1524000" y="3602038"/>
-            <a:ext cx="9144000" cy="1655762"/>
+            <a:off x="1507067" y="4050833"/>
+            <a:ext cx="7766936" cy="1096899"/>
           </a:xfrm>
         </p:spPr>
         <p:txBody>
-          <a:bodyPr/>
+          <a:bodyPr anchor="t"/>
           <a:lstStyle>
-            <a:lvl1pPr marL="0" indent="0" algn="ctr">
-              <a:buNone/>
-              <a:defRPr sz="2400"/>
+            <a:lvl1pPr marL="0" indent="0" algn="r">
+              <a:buNone/>
+              <a:defRPr>
+                <a:solidFill>
+                  <a:schemeClr val="tx1">
+                    <a:lumMod val="50000"/>
+                    <a:lumOff val="50000"/>
+                  </a:schemeClr>
+                </a:solidFill>
+              </a:defRPr>
             </a:lvl1pPr>
             <a:lvl2pPr marL="457200" indent="0" algn="ctr">
               <a:buNone/>
-              <a:defRPr sz="2000"/>
+              <a:defRPr>
+                <a:solidFill>
+                  <a:schemeClr val="tx1">
+                    <a:tint val="75000"/>
+                  </a:schemeClr>
+                </a:solidFill>
+              </a:defRPr>
             </a:lvl2pPr>
             <a:lvl3pPr marL="914400" indent="0" algn="ctr">
               <a:buNone/>
-              <a:defRPr sz="1800"/>
+              <a:defRPr>
+                <a:solidFill>
+                  <a:schemeClr val="tx1">
+                    <a:tint val="75000"/>
+                  </a:schemeClr>
+                </a:solidFill>
+              </a:defRPr>
             </a:lvl3pPr>
             <a:lvl4pPr marL="1371600" indent="0" algn="ctr">
               <a:buNone/>
-              <a:defRPr sz="1600"/>
+              <a:defRPr>
+                <a:solidFill>
+                  <a:schemeClr val="tx1">
+                    <a:tint val="75000"/>
+                  </a:schemeClr>
+                </a:solidFill>
+              </a:defRPr>
             </a:lvl4pPr>
             <a:lvl5pPr marL="1828800" indent="0" algn="ctr">
               <a:buNone/>
-              <a:defRPr sz="1600"/>
+              <a:defRPr>
+                <a:solidFill>
+                  <a:schemeClr val="tx1">
+                    <a:tint val="75000"/>
+                  </a:schemeClr>
+                </a:solidFill>
+              </a:defRPr>
             </a:lvl5pPr>
             <a:lvl6pPr marL="2286000" indent="0" algn="ctr">
               <a:buNone/>
-              <a:defRPr sz="1600"/>
+              <a:defRPr>
+                <a:solidFill>
+                  <a:schemeClr val="tx1">
+                    <a:tint val="75000"/>
+                  </a:schemeClr>
+                </a:solidFill>
+              </a:defRPr>
             </a:lvl6pPr>
             <a:lvl7pPr marL="2743200" indent="0" algn="ctr">
               <a:buNone/>
-              <a:defRPr sz="1600"/>
+              <a:defRPr>
+                <a:solidFill>
+                  <a:schemeClr val="tx1">
+                    <a:tint val="75000"/>
+                  </a:schemeClr>
+                </a:solidFill>
+              </a:defRPr>
             </a:lvl7pPr>
             <a:lvl8pPr marL="3200400" indent="0" algn="ctr">
               <a:buNone/>
-              <a:defRPr sz="1600"/>
+              <a:defRPr>
+                <a:solidFill>
+                  <a:schemeClr val="tx1">
+                    <a:tint val="75000"/>
+                  </a:schemeClr>
+                </a:solidFill>
+              </a:defRPr>
             </a:lvl8pPr>
             <a:lvl9pPr marL="3657600" indent="0" algn="ctr">
               <a:buNone/>
-              <a:defRPr sz="1600"/>
+              <a:defRPr>
+                <a:solidFill>
+                  <a:schemeClr val="tx1">
+                    <a:tint val="75000"/>
+                  </a:schemeClr>
+                </a:solidFill>
+              </a:defRPr>
             </a:lvl9pPr>
           </a:lstStyle>
           <a:p>
@@ -695,18 +1540,13 @@
               <a:rPr lang="en-US"/>
               <a:t>Click to edit Master subtitle style</a:t>
             </a:r>
-          </a:p>
-        </p:txBody>
-      </p:sp>
-      <p:sp>
-        <p:nvSpPr>
-          <p:cNvPr id="4" name="Date Placeholder 3">
-            <a:extLst>
-              <a:ext uri="{FF2B5EF4-FFF2-40B4-BE49-F238E27FC236}">
-                <a16:creationId xmlns:a16="http://schemas.microsoft.com/office/drawing/2014/main" id="{EE6547C8-938B-4F35-8A9B-F890641D0C39}"/>
-              </a:ext>
-            </a:extLst>
-          </p:cNvPr>
+            <a:endParaRPr lang="en-US" dirty="0"/>
+          </a:p>
+        </p:txBody>
+      </p:sp>
+      <p:sp>
+        <p:nvSpPr>
+          <p:cNvPr id="4" name="Date Placeholder 3"/>
           <p:cNvSpPr>
             <a:spLocks noGrp="1"/>
           </p:cNvSpPr>
@@ -729,13 +1569,7 @@
       </p:sp>
       <p:sp>
         <p:nvSpPr>
-          <p:cNvPr id="5" name="Footer Placeholder 4">
-            <a:extLst>
-              <a:ext uri="{FF2B5EF4-FFF2-40B4-BE49-F238E27FC236}">
-                <a16:creationId xmlns:a16="http://schemas.microsoft.com/office/drawing/2014/main" id="{5E279C83-92B1-4147-989F-58599ACBC140}"/>
-              </a:ext>
-            </a:extLst>
-          </p:cNvPr>
+          <p:cNvPr id="5" name="Footer Placeholder 4"/>
           <p:cNvSpPr>
             <a:spLocks noGrp="1"/>
           </p:cNvSpPr>
@@ -754,13 +1588,7 @@
       </p:sp>
       <p:sp>
         <p:nvSpPr>
-          <p:cNvPr id="6" name="Slide Number Placeholder 5">
-            <a:extLst>
-              <a:ext uri="{FF2B5EF4-FFF2-40B4-BE49-F238E27FC236}">
-                <a16:creationId xmlns:a16="http://schemas.microsoft.com/office/drawing/2014/main" id="{08938C0F-B853-48BF-A546-ADE08B28965B}"/>
-              </a:ext>
-            </a:extLst>
-          </p:cNvPr>
+          <p:cNvPr id="6" name="Slide Number Placeholder 5"/>
           <p:cNvSpPr>
             <a:spLocks noGrp="1"/>
           </p:cNvSpPr>
@@ -784,7 +1612,7 @@
     </p:spTree>
     <p:extLst>
       <p:ext uri="{BB962C8B-B14F-4D97-AF65-F5344CB8AC3E}">
-        <p14:creationId xmlns:p14="http://schemas.microsoft.com/office/powerpoint/2010/main" val="2796404991"/>
+        <p14:creationId xmlns:p14="http://schemas.microsoft.com/office/powerpoint/2010/main" val="3671617348"/>
       </p:ext>
     </p:extLst>
   </p:cSld>
@@ -795,6 +1623,1619 @@
 </file>
 
 <file path=ppt/slideLayouts/slideLayout10.xml><?xml version="1.0" encoding="utf-8"?>
+<p:sldLayout xmlns:a="http://schemas.openxmlformats.org/drawingml/2006/main" xmlns:r="http://schemas.openxmlformats.org/officeDocument/2006/relationships" xmlns:p="http://schemas.openxmlformats.org/presentationml/2006/main" preserve="1">
+  <p:cSld name="Title and Caption">
+    <p:spTree>
+      <p:nvGrpSpPr>
+        <p:cNvPr id="1" name=""/>
+        <p:cNvGrpSpPr/>
+        <p:nvPr/>
+      </p:nvGrpSpPr>
+      <p:grpSpPr>
+        <a:xfrm>
+          <a:off x="0" y="0"/>
+          <a:ext cx="0" cy="0"/>
+          <a:chOff x="0" y="0"/>
+          <a:chExt cx="0" cy="0"/>
+        </a:xfrm>
+      </p:grpSpPr>
+      <p:sp>
+        <p:nvSpPr>
+          <p:cNvPr id="2" name="Title 1"/>
+          <p:cNvSpPr>
+            <a:spLocks noGrp="1"/>
+          </p:cNvSpPr>
+          <p:nvPr>
+            <p:ph type="title"/>
+          </p:nvPr>
+        </p:nvSpPr>
+        <p:spPr>
+          <a:xfrm>
+            <a:off x="677335" y="609600"/>
+            <a:ext cx="8596668" cy="3403600"/>
+          </a:xfrm>
+        </p:spPr>
+        <p:txBody>
+          <a:bodyPr anchor="ctr">
+            <a:normAutofit/>
+          </a:bodyPr>
+          <a:lstStyle>
+            <a:lvl1pPr algn="l">
+              <a:defRPr sz="4400" b="0" cap="none"/>
+            </a:lvl1pPr>
+          </a:lstStyle>
+          <a:p>
+            <a:r>
+              <a:rPr lang="en-US"/>
+              <a:t>Click to edit Master title style</a:t>
+            </a:r>
+            <a:endParaRPr lang="en-US" dirty="0"/>
+          </a:p>
+        </p:txBody>
+      </p:sp>
+      <p:sp>
+        <p:nvSpPr>
+          <p:cNvPr id="3" name="Text Placeholder 2"/>
+          <p:cNvSpPr>
+            <a:spLocks noGrp="1"/>
+          </p:cNvSpPr>
+          <p:nvPr>
+            <p:ph type="body" idx="1"/>
+          </p:nvPr>
+        </p:nvSpPr>
+        <p:spPr>
+          <a:xfrm>
+            <a:off x="677335" y="4470400"/>
+            <a:ext cx="8596668" cy="1570962"/>
+          </a:xfrm>
+        </p:spPr>
+        <p:txBody>
+          <a:bodyPr anchor="ctr">
+            <a:normAutofit/>
+          </a:bodyPr>
+          <a:lstStyle>
+            <a:lvl1pPr marL="0" indent="0" algn="l">
+              <a:buNone/>
+              <a:defRPr sz="1800">
+                <a:solidFill>
+                  <a:schemeClr val="tx1">
+                    <a:lumMod val="75000"/>
+                    <a:lumOff val="25000"/>
+                  </a:schemeClr>
+                </a:solidFill>
+              </a:defRPr>
+            </a:lvl1pPr>
+            <a:lvl2pPr marL="457200" indent="0">
+              <a:buNone/>
+              <a:defRPr sz="1800">
+                <a:solidFill>
+                  <a:schemeClr val="tx1">
+                    <a:tint val="75000"/>
+                  </a:schemeClr>
+                </a:solidFill>
+              </a:defRPr>
+            </a:lvl2pPr>
+            <a:lvl3pPr marL="914400" indent="0">
+              <a:buNone/>
+              <a:defRPr sz="1600">
+                <a:solidFill>
+                  <a:schemeClr val="tx1">
+                    <a:tint val="75000"/>
+                  </a:schemeClr>
+                </a:solidFill>
+              </a:defRPr>
+            </a:lvl3pPr>
+            <a:lvl4pPr marL="1371600" indent="0">
+              <a:buNone/>
+              <a:defRPr sz="1400">
+                <a:solidFill>
+                  <a:schemeClr val="tx1">
+                    <a:tint val="75000"/>
+                  </a:schemeClr>
+                </a:solidFill>
+              </a:defRPr>
+            </a:lvl4pPr>
+            <a:lvl5pPr marL="1828800" indent="0">
+              <a:buNone/>
+              <a:defRPr sz="1400">
+                <a:solidFill>
+                  <a:schemeClr val="tx1">
+                    <a:tint val="75000"/>
+                  </a:schemeClr>
+                </a:solidFill>
+              </a:defRPr>
+            </a:lvl5pPr>
+            <a:lvl6pPr marL="2286000" indent="0">
+              <a:buNone/>
+              <a:defRPr sz="1400">
+                <a:solidFill>
+                  <a:schemeClr val="tx1">
+                    <a:tint val="75000"/>
+                  </a:schemeClr>
+                </a:solidFill>
+              </a:defRPr>
+            </a:lvl6pPr>
+            <a:lvl7pPr marL="2743200" indent="0">
+              <a:buNone/>
+              <a:defRPr sz="1400">
+                <a:solidFill>
+                  <a:schemeClr val="tx1">
+                    <a:tint val="75000"/>
+                  </a:schemeClr>
+                </a:solidFill>
+              </a:defRPr>
+            </a:lvl7pPr>
+            <a:lvl8pPr marL="3200400" indent="0">
+              <a:buNone/>
+              <a:defRPr sz="1400">
+                <a:solidFill>
+                  <a:schemeClr val="tx1">
+                    <a:tint val="75000"/>
+                  </a:schemeClr>
+                </a:solidFill>
+              </a:defRPr>
+            </a:lvl8pPr>
+            <a:lvl9pPr marL="3657600" indent="0">
+              <a:buNone/>
+              <a:defRPr sz="1400">
+                <a:solidFill>
+                  <a:schemeClr val="tx1">
+                    <a:tint val="75000"/>
+                  </a:schemeClr>
+                </a:solidFill>
+              </a:defRPr>
+            </a:lvl9pPr>
+          </a:lstStyle>
+          <a:p>
+            <a:pPr lvl="0"/>
+            <a:r>
+              <a:rPr lang="en-US"/>
+              <a:t>Click to edit Master text styles</a:t>
+            </a:r>
+          </a:p>
+        </p:txBody>
+      </p:sp>
+      <p:sp>
+        <p:nvSpPr>
+          <p:cNvPr id="4" name="Date Placeholder 3"/>
+          <p:cNvSpPr>
+            <a:spLocks noGrp="1"/>
+          </p:cNvSpPr>
+          <p:nvPr>
+            <p:ph type="dt" sz="half" idx="10"/>
+          </p:nvPr>
+        </p:nvSpPr>
+        <p:spPr/>
+        <p:txBody>
+          <a:bodyPr/>
+          <a:lstStyle/>
+          <a:p>
+            <a:fld id="{23F85FB8-E0BB-4CC9-BFD3-A88C6AC92A07}" type="datetimeFigureOut">
+              <a:rPr lang="en-US" smtClean="0"/>
+              <a:t>3/19/2021</a:t>
+            </a:fld>
+            <a:endParaRPr lang="en-US"/>
+          </a:p>
+        </p:txBody>
+      </p:sp>
+      <p:sp>
+        <p:nvSpPr>
+          <p:cNvPr id="5" name="Footer Placeholder 4"/>
+          <p:cNvSpPr>
+            <a:spLocks noGrp="1"/>
+          </p:cNvSpPr>
+          <p:nvPr>
+            <p:ph type="ftr" sz="quarter" idx="11"/>
+          </p:nvPr>
+        </p:nvSpPr>
+        <p:spPr/>
+        <p:txBody>
+          <a:bodyPr/>
+          <a:lstStyle/>
+          <a:p>
+            <a:endParaRPr lang="en-US"/>
+          </a:p>
+        </p:txBody>
+      </p:sp>
+      <p:sp>
+        <p:nvSpPr>
+          <p:cNvPr id="6" name="Slide Number Placeholder 5"/>
+          <p:cNvSpPr>
+            <a:spLocks noGrp="1"/>
+          </p:cNvSpPr>
+          <p:nvPr>
+            <p:ph type="sldNum" sz="quarter" idx="12"/>
+          </p:nvPr>
+        </p:nvSpPr>
+        <p:spPr/>
+        <p:txBody>
+          <a:bodyPr/>
+          <a:lstStyle/>
+          <a:p>
+            <a:fld id="{BAD42096-D989-4285-B97A-9C51ABCB065C}" type="slidenum">
+              <a:rPr lang="en-US" smtClean="0"/>
+              <a:t>‹#›</a:t>
+            </a:fld>
+            <a:endParaRPr lang="en-US"/>
+          </a:p>
+        </p:txBody>
+      </p:sp>
+    </p:spTree>
+    <p:extLst>
+      <p:ext uri="{BB962C8B-B14F-4D97-AF65-F5344CB8AC3E}">
+        <p14:creationId xmlns:p14="http://schemas.microsoft.com/office/powerpoint/2010/main" val="2805564599"/>
+      </p:ext>
+    </p:extLst>
+  </p:cSld>
+  <p:clrMapOvr>
+    <a:masterClrMapping/>
+  </p:clrMapOvr>
+</p:sldLayout>
+</file>
+
+<file path=ppt/slideLayouts/slideLayout11.xml><?xml version="1.0" encoding="utf-8"?>
+<p:sldLayout xmlns:a="http://schemas.openxmlformats.org/drawingml/2006/main" xmlns:r="http://schemas.openxmlformats.org/officeDocument/2006/relationships" xmlns:p="http://schemas.openxmlformats.org/presentationml/2006/main" preserve="1">
+  <p:cSld name="Quote with Caption">
+    <p:spTree>
+      <p:nvGrpSpPr>
+        <p:cNvPr id="1" name=""/>
+        <p:cNvGrpSpPr/>
+        <p:nvPr/>
+      </p:nvGrpSpPr>
+      <p:grpSpPr>
+        <a:xfrm>
+          <a:off x="0" y="0"/>
+          <a:ext cx="0" cy="0"/>
+          <a:chOff x="0" y="0"/>
+          <a:chExt cx="0" cy="0"/>
+        </a:xfrm>
+      </p:grpSpPr>
+      <p:sp>
+        <p:nvSpPr>
+          <p:cNvPr id="2" name="Title 1"/>
+          <p:cNvSpPr>
+            <a:spLocks noGrp="1"/>
+          </p:cNvSpPr>
+          <p:nvPr>
+            <p:ph type="title"/>
+          </p:nvPr>
+        </p:nvSpPr>
+        <p:spPr>
+          <a:xfrm>
+            <a:off x="931334" y="609600"/>
+            <a:ext cx="8094134" cy="3022600"/>
+          </a:xfrm>
+        </p:spPr>
+        <p:txBody>
+          <a:bodyPr anchor="ctr">
+            <a:normAutofit/>
+          </a:bodyPr>
+          <a:lstStyle>
+            <a:lvl1pPr algn="l">
+              <a:defRPr sz="4400" b="0" cap="none"/>
+            </a:lvl1pPr>
+          </a:lstStyle>
+          <a:p>
+            <a:r>
+              <a:rPr lang="en-US"/>
+              <a:t>Click to edit Master title style</a:t>
+            </a:r>
+            <a:endParaRPr lang="en-US" dirty="0"/>
+          </a:p>
+        </p:txBody>
+      </p:sp>
+      <p:sp>
+        <p:nvSpPr>
+          <p:cNvPr id="23" name="Text Placeholder 9"/>
+          <p:cNvSpPr>
+            <a:spLocks noGrp="1"/>
+          </p:cNvSpPr>
+          <p:nvPr>
+            <p:ph type="body" sz="quarter" idx="13"/>
+          </p:nvPr>
+        </p:nvSpPr>
+        <p:spPr>
+          <a:xfrm>
+            <a:off x="1366139" y="3632200"/>
+            <a:ext cx="7224524" cy="381000"/>
+          </a:xfrm>
+        </p:spPr>
+        <p:txBody>
+          <a:bodyPr anchor="ctr">
+            <a:noAutofit/>
+          </a:bodyPr>
+          <a:lstStyle>
+            <a:lvl1pPr marL="0" indent="0">
+              <a:buFontTx/>
+              <a:buNone/>
+              <a:defRPr sz="1600">
+                <a:solidFill>
+                  <a:schemeClr val="tx1">
+                    <a:lumMod val="50000"/>
+                    <a:lumOff val="50000"/>
+                  </a:schemeClr>
+                </a:solidFill>
+              </a:defRPr>
+            </a:lvl1pPr>
+            <a:lvl2pPr marL="457200" indent="0">
+              <a:buFontTx/>
+              <a:buNone/>
+              <a:defRPr/>
+            </a:lvl2pPr>
+            <a:lvl3pPr marL="914400" indent="0">
+              <a:buFontTx/>
+              <a:buNone/>
+              <a:defRPr/>
+            </a:lvl3pPr>
+            <a:lvl4pPr marL="1371600" indent="0">
+              <a:buFontTx/>
+              <a:buNone/>
+              <a:defRPr/>
+            </a:lvl4pPr>
+            <a:lvl5pPr marL="1828800" indent="0">
+              <a:buFontTx/>
+              <a:buNone/>
+              <a:defRPr/>
+            </a:lvl5pPr>
+          </a:lstStyle>
+          <a:p>
+            <a:pPr lvl="0"/>
+            <a:r>
+              <a:rPr lang="en-US"/>
+              <a:t>Click to edit Master text styles</a:t>
+            </a:r>
+          </a:p>
+        </p:txBody>
+      </p:sp>
+      <p:sp>
+        <p:nvSpPr>
+          <p:cNvPr id="3" name="Text Placeholder 2"/>
+          <p:cNvSpPr>
+            <a:spLocks noGrp="1"/>
+          </p:cNvSpPr>
+          <p:nvPr>
+            <p:ph type="body" idx="1"/>
+          </p:nvPr>
+        </p:nvSpPr>
+        <p:spPr>
+          <a:xfrm>
+            <a:off x="677335" y="4470400"/>
+            <a:ext cx="8596668" cy="1570962"/>
+          </a:xfrm>
+        </p:spPr>
+        <p:txBody>
+          <a:bodyPr anchor="ctr">
+            <a:normAutofit/>
+          </a:bodyPr>
+          <a:lstStyle>
+            <a:lvl1pPr marL="0" indent="0" algn="l">
+              <a:buNone/>
+              <a:defRPr sz="1800">
+                <a:solidFill>
+                  <a:schemeClr val="tx1">
+                    <a:lumMod val="75000"/>
+                    <a:lumOff val="25000"/>
+                  </a:schemeClr>
+                </a:solidFill>
+              </a:defRPr>
+            </a:lvl1pPr>
+            <a:lvl2pPr marL="457200" indent="0">
+              <a:buNone/>
+              <a:defRPr sz="1800">
+                <a:solidFill>
+                  <a:schemeClr val="tx1">
+                    <a:tint val="75000"/>
+                  </a:schemeClr>
+                </a:solidFill>
+              </a:defRPr>
+            </a:lvl2pPr>
+            <a:lvl3pPr marL="914400" indent="0">
+              <a:buNone/>
+              <a:defRPr sz="1600">
+                <a:solidFill>
+                  <a:schemeClr val="tx1">
+                    <a:tint val="75000"/>
+                  </a:schemeClr>
+                </a:solidFill>
+              </a:defRPr>
+            </a:lvl3pPr>
+            <a:lvl4pPr marL="1371600" indent="0">
+              <a:buNone/>
+              <a:defRPr sz="1400">
+                <a:solidFill>
+                  <a:schemeClr val="tx1">
+                    <a:tint val="75000"/>
+                  </a:schemeClr>
+                </a:solidFill>
+              </a:defRPr>
+            </a:lvl4pPr>
+            <a:lvl5pPr marL="1828800" indent="0">
+              <a:buNone/>
+              <a:defRPr sz="1400">
+                <a:solidFill>
+                  <a:schemeClr val="tx1">
+                    <a:tint val="75000"/>
+                  </a:schemeClr>
+                </a:solidFill>
+              </a:defRPr>
+            </a:lvl5pPr>
+            <a:lvl6pPr marL="2286000" indent="0">
+              <a:buNone/>
+              <a:defRPr sz="1400">
+                <a:solidFill>
+                  <a:schemeClr val="tx1">
+                    <a:tint val="75000"/>
+                  </a:schemeClr>
+                </a:solidFill>
+              </a:defRPr>
+            </a:lvl6pPr>
+            <a:lvl7pPr marL="2743200" indent="0">
+              <a:buNone/>
+              <a:defRPr sz="1400">
+                <a:solidFill>
+                  <a:schemeClr val="tx1">
+                    <a:tint val="75000"/>
+                  </a:schemeClr>
+                </a:solidFill>
+              </a:defRPr>
+            </a:lvl7pPr>
+            <a:lvl8pPr marL="3200400" indent="0">
+              <a:buNone/>
+              <a:defRPr sz="1400">
+                <a:solidFill>
+                  <a:schemeClr val="tx1">
+                    <a:tint val="75000"/>
+                  </a:schemeClr>
+                </a:solidFill>
+              </a:defRPr>
+            </a:lvl8pPr>
+            <a:lvl9pPr marL="3657600" indent="0">
+              <a:buNone/>
+              <a:defRPr sz="1400">
+                <a:solidFill>
+                  <a:schemeClr val="tx1">
+                    <a:tint val="75000"/>
+                  </a:schemeClr>
+                </a:solidFill>
+              </a:defRPr>
+            </a:lvl9pPr>
+          </a:lstStyle>
+          <a:p>
+            <a:pPr lvl="0"/>
+            <a:r>
+              <a:rPr lang="en-US"/>
+              <a:t>Click to edit Master text styles</a:t>
+            </a:r>
+          </a:p>
+        </p:txBody>
+      </p:sp>
+      <p:sp>
+        <p:nvSpPr>
+          <p:cNvPr id="4" name="Date Placeholder 3"/>
+          <p:cNvSpPr>
+            <a:spLocks noGrp="1"/>
+          </p:cNvSpPr>
+          <p:nvPr>
+            <p:ph type="dt" sz="half" idx="10"/>
+          </p:nvPr>
+        </p:nvSpPr>
+        <p:spPr/>
+        <p:txBody>
+          <a:bodyPr/>
+          <a:lstStyle/>
+          <a:p>
+            <a:fld id="{23F85FB8-E0BB-4CC9-BFD3-A88C6AC92A07}" type="datetimeFigureOut">
+              <a:rPr lang="en-US" smtClean="0"/>
+              <a:t>3/19/2021</a:t>
+            </a:fld>
+            <a:endParaRPr lang="en-US"/>
+          </a:p>
+        </p:txBody>
+      </p:sp>
+      <p:sp>
+        <p:nvSpPr>
+          <p:cNvPr id="5" name="Footer Placeholder 4"/>
+          <p:cNvSpPr>
+            <a:spLocks noGrp="1"/>
+          </p:cNvSpPr>
+          <p:nvPr>
+            <p:ph type="ftr" sz="quarter" idx="11"/>
+          </p:nvPr>
+        </p:nvSpPr>
+        <p:spPr/>
+        <p:txBody>
+          <a:bodyPr/>
+          <a:lstStyle/>
+          <a:p>
+            <a:endParaRPr lang="en-US"/>
+          </a:p>
+        </p:txBody>
+      </p:sp>
+      <p:sp>
+        <p:nvSpPr>
+          <p:cNvPr id="6" name="Slide Number Placeholder 5"/>
+          <p:cNvSpPr>
+            <a:spLocks noGrp="1"/>
+          </p:cNvSpPr>
+          <p:nvPr>
+            <p:ph type="sldNum" sz="quarter" idx="12"/>
+          </p:nvPr>
+        </p:nvSpPr>
+        <p:spPr/>
+        <p:txBody>
+          <a:bodyPr/>
+          <a:lstStyle/>
+          <a:p>
+            <a:fld id="{BAD42096-D989-4285-B97A-9C51ABCB065C}" type="slidenum">
+              <a:rPr lang="en-US" smtClean="0"/>
+              <a:t>‹#›</a:t>
+            </a:fld>
+            <a:endParaRPr lang="en-US"/>
+          </a:p>
+        </p:txBody>
+      </p:sp>
+      <p:sp>
+        <p:nvSpPr>
+          <p:cNvPr id="20" name="TextBox 19"/>
+          <p:cNvSpPr txBox="1"/>
+          <p:nvPr/>
+        </p:nvSpPr>
+        <p:spPr>
+          <a:xfrm>
+            <a:off x="541870" y="790378"/>
+            <a:ext cx="609600" cy="584776"/>
+          </a:xfrm>
+          <a:prstGeom prst="rect">
+            <a:avLst/>
+          </a:prstGeom>
+        </p:spPr>
+        <p:txBody>
+          <a:bodyPr vert="horz" lIns="91440" tIns="45720" rIns="91440" bIns="45720" rtlCol="0" anchor="ctr">
+            <a:noAutofit/>
+          </a:bodyPr>
+          <a:lstStyle/>
+          <a:p>
+            <a:pPr lvl="0"/>
+            <a:r>
+              <a:rPr lang="en-US" sz="8000" baseline="0" dirty="0">
+                <a:ln w="3175" cmpd="sng">
+                  <a:noFill/>
+                </a:ln>
+                <a:solidFill>
+                  <a:schemeClr val="accent1">
+                    <a:lumMod val="60000"/>
+                    <a:lumOff val="40000"/>
+                  </a:schemeClr>
+                </a:solidFill>
+                <a:effectLst/>
+                <a:latin typeface="Arial"/>
+              </a:rPr>
+              <a:t>“</a:t>
+            </a:r>
+          </a:p>
+        </p:txBody>
+      </p:sp>
+      <p:sp>
+        <p:nvSpPr>
+          <p:cNvPr id="22" name="TextBox 21"/>
+          <p:cNvSpPr txBox="1"/>
+          <p:nvPr/>
+        </p:nvSpPr>
+        <p:spPr>
+          <a:xfrm>
+            <a:off x="8893011" y="2886556"/>
+            <a:ext cx="609600" cy="584776"/>
+          </a:xfrm>
+          <a:prstGeom prst="rect">
+            <a:avLst/>
+          </a:prstGeom>
+        </p:spPr>
+        <p:txBody>
+          <a:bodyPr vert="horz" lIns="91440" tIns="45720" rIns="91440" bIns="45720" rtlCol="0" anchor="ctr">
+            <a:noAutofit/>
+          </a:bodyPr>
+          <a:lstStyle/>
+          <a:p>
+            <a:pPr lvl="0"/>
+            <a:r>
+              <a:rPr lang="en-US" sz="8000" baseline="0" dirty="0">
+                <a:ln w="3175" cmpd="sng">
+                  <a:noFill/>
+                </a:ln>
+                <a:solidFill>
+                  <a:schemeClr val="accent1">
+                    <a:lumMod val="60000"/>
+                    <a:lumOff val="40000"/>
+                  </a:schemeClr>
+                </a:solidFill>
+                <a:latin typeface="Arial"/>
+              </a:rPr>
+              <a:t>”</a:t>
+            </a:r>
+            <a:endParaRPr lang="en-US" dirty="0">
+              <a:solidFill>
+                <a:schemeClr val="accent1">
+                  <a:lumMod val="60000"/>
+                  <a:lumOff val="40000"/>
+                </a:schemeClr>
+              </a:solidFill>
+              <a:latin typeface="Arial"/>
+            </a:endParaRPr>
+          </a:p>
+        </p:txBody>
+      </p:sp>
+    </p:spTree>
+    <p:extLst>
+      <p:ext uri="{BB962C8B-B14F-4D97-AF65-F5344CB8AC3E}">
+        <p14:creationId xmlns:p14="http://schemas.microsoft.com/office/powerpoint/2010/main" val="1944067332"/>
+      </p:ext>
+    </p:extLst>
+  </p:cSld>
+  <p:clrMapOvr>
+    <a:masterClrMapping/>
+  </p:clrMapOvr>
+</p:sldLayout>
+</file>
+
+<file path=ppt/slideLayouts/slideLayout12.xml><?xml version="1.0" encoding="utf-8"?>
+<p:sldLayout xmlns:a="http://schemas.openxmlformats.org/drawingml/2006/main" xmlns:r="http://schemas.openxmlformats.org/officeDocument/2006/relationships" xmlns:p="http://schemas.openxmlformats.org/presentationml/2006/main" preserve="1">
+  <p:cSld name="Name Card">
+    <p:spTree>
+      <p:nvGrpSpPr>
+        <p:cNvPr id="1" name=""/>
+        <p:cNvGrpSpPr/>
+        <p:nvPr/>
+      </p:nvGrpSpPr>
+      <p:grpSpPr>
+        <a:xfrm>
+          <a:off x="0" y="0"/>
+          <a:ext cx="0" cy="0"/>
+          <a:chOff x="0" y="0"/>
+          <a:chExt cx="0" cy="0"/>
+        </a:xfrm>
+      </p:grpSpPr>
+      <p:sp>
+        <p:nvSpPr>
+          <p:cNvPr id="2" name="Title 1"/>
+          <p:cNvSpPr>
+            <a:spLocks noGrp="1"/>
+          </p:cNvSpPr>
+          <p:nvPr>
+            <p:ph type="title"/>
+          </p:nvPr>
+        </p:nvSpPr>
+        <p:spPr>
+          <a:xfrm>
+            <a:off x="677335" y="1931988"/>
+            <a:ext cx="8596668" cy="2595460"/>
+          </a:xfrm>
+        </p:spPr>
+        <p:txBody>
+          <a:bodyPr anchor="b">
+            <a:normAutofit/>
+          </a:bodyPr>
+          <a:lstStyle>
+            <a:lvl1pPr algn="l">
+              <a:defRPr sz="4400" b="0" cap="none"/>
+            </a:lvl1pPr>
+          </a:lstStyle>
+          <a:p>
+            <a:r>
+              <a:rPr lang="en-US"/>
+              <a:t>Click to edit Master title style</a:t>
+            </a:r>
+            <a:endParaRPr lang="en-US" dirty="0"/>
+          </a:p>
+        </p:txBody>
+      </p:sp>
+      <p:sp>
+        <p:nvSpPr>
+          <p:cNvPr id="3" name="Text Placeholder 2"/>
+          <p:cNvSpPr>
+            <a:spLocks noGrp="1"/>
+          </p:cNvSpPr>
+          <p:nvPr>
+            <p:ph type="body" idx="1"/>
+          </p:nvPr>
+        </p:nvSpPr>
+        <p:spPr>
+          <a:xfrm>
+            <a:off x="677335" y="4527448"/>
+            <a:ext cx="8596668" cy="1513914"/>
+          </a:xfrm>
+        </p:spPr>
+        <p:txBody>
+          <a:bodyPr anchor="t">
+            <a:normAutofit/>
+          </a:bodyPr>
+          <a:lstStyle>
+            <a:lvl1pPr marL="0" indent="0" algn="l">
+              <a:buNone/>
+              <a:defRPr sz="1800">
+                <a:solidFill>
+                  <a:schemeClr val="tx1">
+                    <a:lumMod val="75000"/>
+                    <a:lumOff val="25000"/>
+                  </a:schemeClr>
+                </a:solidFill>
+              </a:defRPr>
+            </a:lvl1pPr>
+            <a:lvl2pPr marL="457200" indent="0">
+              <a:buNone/>
+              <a:defRPr sz="1800">
+                <a:solidFill>
+                  <a:schemeClr val="tx1">
+                    <a:tint val="75000"/>
+                  </a:schemeClr>
+                </a:solidFill>
+              </a:defRPr>
+            </a:lvl2pPr>
+            <a:lvl3pPr marL="914400" indent="0">
+              <a:buNone/>
+              <a:defRPr sz="1600">
+                <a:solidFill>
+                  <a:schemeClr val="tx1">
+                    <a:tint val="75000"/>
+                  </a:schemeClr>
+                </a:solidFill>
+              </a:defRPr>
+            </a:lvl3pPr>
+            <a:lvl4pPr marL="1371600" indent="0">
+              <a:buNone/>
+              <a:defRPr sz="1400">
+                <a:solidFill>
+                  <a:schemeClr val="tx1">
+                    <a:tint val="75000"/>
+                  </a:schemeClr>
+                </a:solidFill>
+              </a:defRPr>
+            </a:lvl4pPr>
+            <a:lvl5pPr marL="1828800" indent="0">
+              <a:buNone/>
+              <a:defRPr sz="1400">
+                <a:solidFill>
+                  <a:schemeClr val="tx1">
+                    <a:tint val="75000"/>
+                  </a:schemeClr>
+                </a:solidFill>
+              </a:defRPr>
+            </a:lvl5pPr>
+            <a:lvl6pPr marL="2286000" indent="0">
+              <a:buNone/>
+              <a:defRPr sz="1400">
+                <a:solidFill>
+                  <a:schemeClr val="tx1">
+                    <a:tint val="75000"/>
+                  </a:schemeClr>
+                </a:solidFill>
+              </a:defRPr>
+            </a:lvl6pPr>
+            <a:lvl7pPr marL="2743200" indent="0">
+              <a:buNone/>
+              <a:defRPr sz="1400">
+                <a:solidFill>
+                  <a:schemeClr val="tx1">
+                    <a:tint val="75000"/>
+                  </a:schemeClr>
+                </a:solidFill>
+              </a:defRPr>
+            </a:lvl7pPr>
+            <a:lvl8pPr marL="3200400" indent="0">
+              <a:buNone/>
+              <a:defRPr sz="1400">
+                <a:solidFill>
+                  <a:schemeClr val="tx1">
+                    <a:tint val="75000"/>
+                  </a:schemeClr>
+                </a:solidFill>
+              </a:defRPr>
+            </a:lvl8pPr>
+            <a:lvl9pPr marL="3657600" indent="0">
+              <a:buNone/>
+              <a:defRPr sz="1400">
+                <a:solidFill>
+                  <a:schemeClr val="tx1">
+                    <a:tint val="75000"/>
+                  </a:schemeClr>
+                </a:solidFill>
+              </a:defRPr>
+            </a:lvl9pPr>
+          </a:lstStyle>
+          <a:p>
+            <a:pPr lvl="0"/>
+            <a:r>
+              <a:rPr lang="en-US"/>
+              <a:t>Click to edit Master text styles</a:t>
+            </a:r>
+          </a:p>
+        </p:txBody>
+      </p:sp>
+      <p:sp>
+        <p:nvSpPr>
+          <p:cNvPr id="4" name="Date Placeholder 3"/>
+          <p:cNvSpPr>
+            <a:spLocks noGrp="1"/>
+          </p:cNvSpPr>
+          <p:nvPr>
+            <p:ph type="dt" sz="half" idx="10"/>
+          </p:nvPr>
+        </p:nvSpPr>
+        <p:spPr/>
+        <p:txBody>
+          <a:bodyPr/>
+          <a:lstStyle/>
+          <a:p>
+            <a:fld id="{23F85FB8-E0BB-4CC9-BFD3-A88C6AC92A07}" type="datetimeFigureOut">
+              <a:rPr lang="en-US" smtClean="0"/>
+              <a:t>3/19/2021</a:t>
+            </a:fld>
+            <a:endParaRPr lang="en-US"/>
+          </a:p>
+        </p:txBody>
+      </p:sp>
+      <p:sp>
+        <p:nvSpPr>
+          <p:cNvPr id="5" name="Footer Placeholder 4"/>
+          <p:cNvSpPr>
+            <a:spLocks noGrp="1"/>
+          </p:cNvSpPr>
+          <p:nvPr>
+            <p:ph type="ftr" sz="quarter" idx="11"/>
+          </p:nvPr>
+        </p:nvSpPr>
+        <p:spPr/>
+        <p:txBody>
+          <a:bodyPr/>
+          <a:lstStyle/>
+          <a:p>
+            <a:endParaRPr lang="en-US"/>
+          </a:p>
+        </p:txBody>
+      </p:sp>
+      <p:sp>
+        <p:nvSpPr>
+          <p:cNvPr id="6" name="Slide Number Placeholder 5"/>
+          <p:cNvSpPr>
+            <a:spLocks noGrp="1"/>
+          </p:cNvSpPr>
+          <p:nvPr>
+            <p:ph type="sldNum" sz="quarter" idx="12"/>
+          </p:nvPr>
+        </p:nvSpPr>
+        <p:spPr/>
+        <p:txBody>
+          <a:bodyPr/>
+          <a:lstStyle/>
+          <a:p>
+            <a:fld id="{BAD42096-D989-4285-B97A-9C51ABCB065C}" type="slidenum">
+              <a:rPr lang="en-US" smtClean="0"/>
+              <a:t>‹#›</a:t>
+            </a:fld>
+            <a:endParaRPr lang="en-US"/>
+          </a:p>
+        </p:txBody>
+      </p:sp>
+    </p:spTree>
+    <p:extLst>
+      <p:ext uri="{BB962C8B-B14F-4D97-AF65-F5344CB8AC3E}">
+        <p14:creationId xmlns:p14="http://schemas.microsoft.com/office/powerpoint/2010/main" val="2439073118"/>
+      </p:ext>
+    </p:extLst>
+  </p:cSld>
+  <p:clrMapOvr>
+    <a:masterClrMapping/>
+  </p:clrMapOvr>
+</p:sldLayout>
+</file>
+
+<file path=ppt/slideLayouts/slideLayout13.xml><?xml version="1.0" encoding="utf-8"?>
+<p:sldLayout xmlns:a="http://schemas.openxmlformats.org/drawingml/2006/main" xmlns:r="http://schemas.openxmlformats.org/officeDocument/2006/relationships" xmlns:p="http://schemas.openxmlformats.org/presentationml/2006/main" preserve="1">
+  <p:cSld name="Quote Name Card">
+    <p:spTree>
+      <p:nvGrpSpPr>
+        <p:cNvPr id="1" name=""/>
+        <p:cNvGrpSpPr/>
+        <p:nvPr/>
+      </p:nvGrpSpPr>
+      <p:grpSpPr>
+        <a:xfrm>
+          <a:off x="0" y="0"/>
+          <a:ext cx="0" cy="0"/>
+          <a:chOff x="0" y="0"/>
+          <a:chExt cx="0" cy="0"/>
+        </a:xfrm>
+      </p:grpSpPr>
+      <p:sp>
+        <p:nvSpPr>
+          <p:cNvPr id="2" name="Title 1"/>
+          <p:cNvSpPr>
+            <a:spLocks noGrp="1"/>
+          </p:cNvSpPr>
+          <p:nvPr>
+            <p:ph type="title"/>
+          </p:nvPr>
+        </p:nvSpPr>
+        <p:spPr>
+          <a:xfrm>
+            <a:off x="931334" y="609600"/>
+            <a:ext cx="8094134" cy="3022600"/>
+          </a:xfrm>
+        </p:spPr>
+        <p:txBody>
+          <a:bodyPr anchor="ctr">
+            <a:normAutofit/>
+          </a:bodyPr>
+          <a:lstStyle>
+            <a:lvl1pPr algn="l">
+              <a:defRPr sz="4400" b="0" cap="none"/>
+            </a:lvl1pPr>
+          </a:lstStyle>
+          <a:p>
+            <a:r>
+              <a:rPr lang="en-US"/>
+              <a:t>Click to edit Master title style</a:t>
+            </a:r>
+            <a:endParaRPr lang="en-US" dirty="0"/>
+          </a:p>
+        </p:txBody>
+      </p:sp>
+      <p:sp>
+        <p:nvSpPr>
+          <p:cNvPr id="23" name="Text Placeholder 9"/>
+          <p:cNvSpPr>
+            <a:spLocks noGrp="1"/>
+          </p:cNvSpPr>
+          <p:nvPr>
+            <p:ph type="body" sz="quarter" idx="13"/>
+          </p:nvPr>
+        </p:nvSpPr>
+        <p:spPr>
+          <a:xfrm>
+            <a:off x="677332" y="4013200"/>
+            <a:ext cx="8596669" cy="514248"/>
+          </a:xfrm>
+        </p:spPr>
+        <p:txBody>
+          <a:bodyPr anchor="b">
+            <a:noAutofit/>
+          </a:bodyPr>
+          <a:lstStyle>
+            <a:lvl1pPr marL="0" indent="0">
+              <a:buFontTx/>
+              <a:buNone/>
+              <a:defRPr sz="2400">
+                <a:solidFill>
+                  <a:schemeClr val="tx1">
+                    <a:lumMod val="75000"/>
+                    <a:lumOff val="25000"/>
+                  </a:schemeClr>
+                </a:solidFill>
+              </a:defRPr>
+            </a:lvl1pPr>
+            <a:lvl2pPr marL="457200" indent="0">
+              <a:buFontTx/>
+              <a:buNone/>
+              <a:defRPr/>
+            </a:lvl2pPr>
+            <a:lvl3pPr marL="914400" indent="0">
+              <a:buFontTx/>
+              <a:buNone/>
+              <a:defRPr/>
+            </a:lvl3pPr>
+            <a:lvl4pPr marL="1371600" indent="0">
+              <a:buFontTx/>
+              <a:buNone/>
+              <a:defRPr/>
+            </a:lvl4pPr>
+            <a:lvl5pPr marL="1828800" indent="0">
+              <a:buFontTx/>
+              <a:buNone/>
+              <a:defRPr/>
+            </a:lvl5pPr>
+          </a:lstStyle>
+          <a:p>
+            <a:pPr lvl="0"/>
+            <a:r>
+              <a:rPr lang="en-US"/>
+              <a:t>Click to edit Master text styles</a:t>
+            </a:r>
+          </a:p>
+        </p:txBody>
+      </p:sp>
+      <p:sp>
+        <p:nvSpPr>
+          <p:cNvPr id="3" name="Text Placeholder 2"/>
+          <p:cNvSpPr>
+            <a:spLocks noGrp="1"/>
+          </p:cNvSpPr>
+          <p:nvPr>
+            <p:ph type="body" idx="1"/>
+          </p:nvPr>
+        </p:nvSpPr>
+        <p:spPr>
+          <a:xfrm>
+            <a:off x="677335" y="4527448"/>
+            <a:ext cx="8596668" cy="1513914"/>
+          </a:xfrm>
+        </p:spPr>
+        <p:txBody>
+          <a:bodyPr anchor="t">
+            <a:normAutofit/>
+          </a:bodyPr>
+          <a:lstStyle>
+            <a:lvl1pPr marL="0" indent="0" algn="l">
+              <a:buNone/>
+              <a:defRPr sz="1800">
+                <a:solidFill>
+                  <a:schemeClr val="tx1">
+                    <a:lumMod val="50000"/>
+                    <a:lumOff val="50000"/>
+                  </a:schemeClr>
+                </a:solidFill>
+              </a:defRPr>
+            </a:lvl1pPr>
+            <a:lvl2pPr marL="457200" indent="0">
+              <a:buNone/>
+              <a:defRPr sz="1800">
+                <a:solidFill>
+                  <a:schemeClr val="tx1">
+                    <a:tint val="75000"/>
+                  </a:schemeClr>
+                </a:solidFill>
+              </a:defRPr>
+            </a:lvl2pPr>
+            <a:lvl3pPr marL="914400" indent="0">
+              <a:buNone/>
+              <a:defRPr sz="1600">
+                <a:solidFill>
+                  <a:schemeClr val="tx1">
+                    <a:tint val="75000"/>
+                  </a:schemeClr>
+                </a:solidFill>
+              </a:defRPr>
+            </a:lvl3pPr>
+            <a:lvl4pPr marL="1371600" indent="0">
+              <a:buNone/>
+              <a:defRPr sz="1400">
+                <a:solidFill>
+                  <a:schemeClr val="tx1">
+                    <a:tint val="75000"/>
+                  </a:schemeClr>
+                </a:solidFill>
+              </a:defRPr>
+            </a:lvl4pPr>
+            <a:lvl5pPr marL="1828800" indent="0">
+              <a:buNone/>
+              <a:defRPr sz="1400">
+                <a:solidFill>
+                  <a:schemeClr val="tx1">
+                    <a:tint val="75000"/>
+                  </a:schemeClr>
+                </a:solidFill>
+              </a:defRPr>
+            </a:lvl5pPr>
+            <a:lvl6pPr marL="2286000" indent="0">
+              <a:buNone/>
+              <a:defRPr sz="1400">
+                <a:solidFill>
+                  <a:schemeClr val="tx1">
+                    <a:tint val="75000"/>
+                  </a:schemeClr>
+                </a:solidFill>
+              </a:defRPr>
+            </a:lvl6pPr>
+            <a:lvl7pPr marL="2743200" indent="0">
+              <a:buNone/>
+              <a:defRPr sz="1400">
+                <a:solidFill>
+                  <a:schemeClr val="tx1">
+                    <a:tint val="75000"/>
+                  </a:schemeClr>
+                </a:solidFill>
+              </a:defRPr>
+            </a:lvl7pPr>
+            <a:lvl8pPr marL="3200400" indent="0">
+              <a:buNone/>
+              <a:defRPr sz="1400">
+                <a:solidFill>
+                  <a:schemeClr val="tx1">
+                    <a:tint val="75000"/>
+                  </a:schemeClr>
+                </a:solidFill>
+              </a:defRPr>
+            </a:lvl8pPr>
+            <a:lvl9pPr marL="3657600" indent="0">
+              <a:buNone/>
+              <a:defRPr sz="1400">
+                <a:solidFill>
+                  <a:schemeClr val="tx1">
+                    <a:tint val="75000"/>
+                  </a:schemeClr>
+                </a:solidFill>
+              </a:defRPr>
+            </a:lvl9pPr>
+          </a:lstStyle>
+          <a:p>
+            <a:pPr lvl="0"/>
+            <a:r>
+              <a:rPr lang="en-US"/>
+              <a:t>Click to edit Master text styles</a:t>
+            </a:r>
+          </a:p>
+        </p:txBody>
+      </p:sp>
+      <p:sp>
+        <p:nvSpPr>
+          <p:cNvPr id="4" name="Date Placeholder 3"/>
+          <p:cNvSpPr>
+            <a:spLocks noGrp="1"/>
+          </p:cNvSpPr>
+          <p:nvPr>
+            <p:ph type="dt" sz="half" idx="10"/>
+          </p:nvPr>
+        </p:nvSpPr>
+        <p:spPr/>
+        <p:txBody>
+          <a:bodyPr/>
+          <a:lstStyle/>
+          <a:p>
+            <a:fld id="{23F85FB8-E0BB-4CC9-BFD3-A88C6AC92A07}" type="datetimeFigureOut">
+              <a:rPr lang="en-US" smtClean="0"/>
+              <a:t>3/19/2021</a:t>
+            </a:fld>
+            <a:endParaRPr lang="en-US"/>
+          </a:p>
+        </p:txBody>
+      </p:sp>
+      <p:sp>
+        <p:nvSpPr>
+          <p:cNvPr id="5" name="Footer Placeholder 4"/>
+          <p:cNvSpPr>
+            <a:spLocks noGrp="1"/>
+          </p:cNvSpPr>
+          <p:nvPr>
+            <p:ph type="ftr" sz="quarter" idx="11"/>
+          </p:nvPr>
+        </p:nvSpPr>
+        <p:spPr/>
+        <p:txBody>
+          <a:bodyPr/>
+          <a:lstStyle/>
+          <a:p>
+            <a:endParaRPr lang="en-US"/>
+          </a:p>
+        </p:txBody>
+      </p:sp>
+      <p:sp>
+        <p:nvSpPr>
+          <p:cNvPr id="6" name="Slide Number Placeholder 5"/>
+          <p:cNvSpPr>
+            <a:spLocks noGrp="1"/>
+          </p:cNvSpPr>
+          <p:nvPr>
+            <p:ph type="sldNum" sz="quarter" idx="12"/>
+          </p:nvPr>
+        </p:nvSpPr>
+        <p:spPr/>
+        <p:txBody>
+          <a:bodyPr/>
+          <a:lstStyle/>
+          <a:p>
+            <a:fld id="{BAD42096-D989-4285-B97A-9C51ABCB065C}" type="slidenum">
+              <a:rPr lang="en-US" smtClean="0"/>
+              <a:t>‹#›</a:t>
+            </a:fld>
+            <a:endParaRPr lang="en-US"/>
+          </a:p>
+        </p:txBody>
+      </p:sp>
+      <p:sp>
+        <p:nvSpPr>
+          <p:cNvPr id="24" name="TextBox 23"/>
+          <p:cNvSpPr txBox="1"/>
+          <p:nvPr/>
+        </p:nvSpPr>
+        <p:spPr>
+          <a:xfrm>
+            <a:off x="541870" y="790378"/>
+            <a:ext cx="609600" cy="584776"/>
+          </a:xfrm>
+          <a:prstGeom prst="rect">
+            <a:avLst/>
+          </a:prstGeom>
+        </p:spPr>
+        <p:txBody>
+          <a:bodyPr vert="horz" lIns="91440" tIns="45720" rIns="91440" bIns="45720" rtlCol="0" anchor="ctr">
+            <a:noAutofit/>
+          </a:bodyPr>
+          <a:lstStyle/>
+          <a:p>
+            <a:pPr lvl="0"/>
+            <a:r>
+              <a:rPr lang="en-US" sz="8000" baseline="0" dirty="0">
+                <a:ln w="3175" cmpd="sng">
+                  <a:noFill/>
+                </a:ln>
+                <a:solidFill>
+                  <a:schemeClr val="accent1">
+                    <a:lumMod val="60000"/>
+                    <a:lumOff val="40000"/>
+                  </a:schemeClr>
+                </a:solidFill>
+                <a:effectLst/>
+                <a:latin typeface="Arial"/>
+              </a:rPr>
+              <a:t>“</a:t>
+            </a:r>
+          </a:p>
+        </p:txBody>
+      </p:sp>
+      <p:sp>
+        <p:nvSpPr>
+          <p:cNvPr id="25" name="TextBox 24"/>
+          <p:cNvSpPr txBox="1"/>
+          <p:nvPr/>
+        </p:nvSpPr>
+        <p:spPr>
+          <a:xfrm>
+            <a:off x="8893011" y="2886556"/>
+            <a:ext cx="609600" cy="584776"/>
+          </a:xfrm>
+          <a:prstGeom prst="rect">
+            <a:avLst/>
+          </a:prstGeom>
+        </p:spPr>
+        <p:txBody>
+          <a:bodyPr vert="horz" lIns="91440" tIns="45720" rIns="91440" bIns="45720" rtlCol="0" anchor="ctr">
+            <a:noAutofit/>
+          </a:bodyPr>
+          <a:lstStyle/>
+          <a:p>
+            <a:pPr lvl="0"/>
+            <a:r>
+              <a:rPr lang="en-US" sz="8000" baseline="0" dirty="0">
+                <a:ln w="3175" cmpd="sng">
+                  <a:noFill/>
+                </a:ln>
+                <a:solidFill>
+                  <a:schemeClr val="accent1">
+                    <a:lumMod val="60000"/>
+                    <a:lumOff val="40000"/>
+                  </a:schemeClr>
+                </a:solidFill>
+                <a:effectLst/>
+                <a:latin typeface="Arial"/>
+              </a:rPr>
+              <a:t>”</a:t>
+            </a:r>
+          </a:p>
+        </p:txBody>
+      </p:sp>
+    </p:spTree>
+    <p:extLst>
+      <p:ext uri="{BB962C8B-B14F-4D97-AF65-F5344CB8AC3E}">
+        <p14:creationId xmlns:p14="http://schemas.microsoft.com/office/powerpoint/2010/main" val="1497259896"/>
+      </p:ext>
+    </p:extLst>
+  </p:cSld>
+  <p:clrMapOvr>
+    <a:masterClrMapping/>
+  </p:clrMapOvr>
+</p:sldLayout>
+</file>
+
+<file path=ppt/slideLayouts/slideLayout14.xml><?xml version="1.0" encoding="utf-8"?>
+<p:sldLayout xmlns:a="http://schemas.openxmlformats.org/drawingml/2006/main" xmlns:r="http://schemas.openxmlformats.org/officeDocument/2006/relationships" xmlns:p="http://schemas.openxmlformats.org/presentationml/2006/main" preserve="1">
+  <p:cSld name="True or False">
+    <p:spTree>
+      <p:nvGrpSpPr>
+        <p:cNvPr id="1" name=""/>
+        <p:cNvGrpSpPr/>
+        <p:nvPr/>
+      </p:nvGrpSpPr>
+      <p:grpSpPr>
+        <a:xfrm>
+          <a:off x="0" y="0"/>
+          <a:ext cx="0" cy="0"/>
+          <a:chOff x="0" y="0"/>
+          <a:chExt cx="0" cy="0"/>
+        </a:xfrm>
+      </p:grpSpPr>
+      <p:sp>
+        <p:nvSpPr>
+          <p:cNvPr id="2" name="Title 1"/>
+          <p:cNvSpPr>
+            <a:spLocks noGrp="1"/>
+          </p:cNvSpPr>
+          <p:nvPr>
+            <p:ph type="title"/>
+          </p:nvPr>
+        </p:nvSpPr>
+        <p:spPr>
+          <a:xfrm>
+            <a:off x="685799" y="609600"/>
+            <a:ext cx="8588203" cy="3022600"/>
+          </a:xfrm>
+        </p:spPr>
+        <p:txBody>
+          <a:bodyPr anchor="ctr">
+            <a:normAutofit/>
+          </a:bodyPr>
+          <a:lstStyle>
+            <a:lvl1pPr algn="l">
+              <a:defRPr sz="4400" b="0" cap="none"/>
+            </a:lvl1pPr>
+          </a:lstStyle>
+          <a:p>
+            <a:r>
+              <a:rPr lang="en-US"/>
+              <a:t>Click to edit Master title style</a:t>
+            </a:r>
+            <a:endParaRPr lang="en-US" dirty="0"/>
+          </a:p>
+        </p:txBody>
+      </p:sp>
+      <p:sp>
+        <p:nvSpPr>
+          <p:cNvPr id="23" name="Text Placeholder 9"/>
+          <p:cNvSpPr>
+            <a:spLocks noGrp="1"/>
+          </p:cNvSpPr>
+          <p:nvPr>
+            <p:ph type="body" sz="quarter" idx="13"/>
+          </p:nvPr>
+        </p:nvSpPr>
+        <p:spPr>
+          <a:xfrm>
+            <a:off x="677332" y="4013200"/>
+            <a:ext cx="8596669" cy="514248"/>
+          </a:xfrm>
+        </p:spPr>
+        <p:txBody>
+          <a:bodyPr anchor="b">
+            <a:noAutofit/>
+          </a:bodyPr>
+          <a:lstStyle>
+            <a:lvl1pPr marL="0" indent="0">
+              <a:buFontTx/>
+              <a:buNone/>
+              <a:defRPr sz="2400">
+                <a:solidFill>
+                  <a:schemeClr val="accent1"/>
+                </a:solidFill>
+              </a:defRPr>
+            </a:lvl1pPr>
+            <a:lvl2pPr marL="457200" indent="0">
+              <a:buFontTx/>
+              <a:buNone/>
+              <a:defRPr/>
+            </a:lvl2pPr>
+            <a:lvl3pPr marL="914400" indent="0">
+              <a:buFontTx/>
+              <a:buNone/>
+              <a:defRPr/>
+            </a:lvl3pPr>
+            <a:lvl4pPr marL="1371600" indent="0">
+              <a:buFontTx/>
+              <a:buNone/>
+              <a:defRPr/>
+            </a:lvl4pPr>
+            <a:lvl5pPr marL="1828800" indent="0">
+              <a:buFontTx/>
+              <a:buNone/>
+              <a:defRPr/>
+            </a:lvl5pPr>
+          </a:lstStyle>
+          <a:p>
+            <a:pPr lvl="0"/>
+            <a:r>
+              <a:rPr lang="en-US"/>
+              <a:t>Click to edit Master text styles</a:t>
+            </a:r>
+          </a:p>
+        </p:txBody>
+      </p:sp>
+      <p:sp>
+        <p:nvSpPr>
+          <p:cNvPr id="3" name="Text Placeholder 2"/>
+          <p:cNvSpPr>
+            <a:spLocks noGrp="1"/>
+          </p:cNvSpPr>
+          <p:nvPr>
+            <p:ph type="body" idx="1"/>
+          </p:nvPr>
+        </p:nvSpPr>
+        <p:spPr>
+          <a:xfrm>
+            <a:off x="677335" y="4527448"/>
+            <a:ext cx="8596668" cy="1513914"/>
+          </a:xfrm>
+        </p:spPr>
+        <p:txBody>
+          <a:bodyPr anchor="t">
+            <a:normAutofit/>
+          </a:bodyPr>
+          <a:lstStyle>
+            <a:lvl1pPr marL="0" indent="0" algn="l">
+              <a:buNone/>
+              <a:defRPr sz="1800">
+                <a:solidFill>
+                  <a:schemeClr val="tx1">
+                    <a:lumMod val="50000"/>
+                    <a:lumOff val="50000"/>
+                  </a:schemeClr>
+                </a:solidFill>
+              </a:defRPr>
+            </a:lvl1pPr>
+            <a:lvl2pPr marL="457200" indent="0">
+              <a:buNone/>
+              <a:defRPr sz="1800">
+                <a:solidFill>
+                  <a:schemeClr val="tx1">
+                    <a:tint val="75000"/>
+                  </a:schemeClr>
+                </a:solidFill>
+              </a:defRPr>
+            </a:lvl2pPr>
+            <a:lvl3pPr marL="914400" indent="0">
+              <a:buNone/>
+              <a:defRPr sz="1600">
+                <a:solidFill>
+                  <a:schemeClr val="tx1">
+                    <a:tint val="75000"/>
+                  </a:schemeClr>
+                </a:solidFill>
+              </a:defRPr>
+            </a:lvl3pPr>
+            <a:lvl4pPr marL="1371600" indent="0">
+              <a:buNone/>
+              <a:defRPr sz="1400">
+                <a:solidFill>
+                  <a:schemeClr val="tx1">
+                    <a:tint val="75000"/>
+                  </a:schemeClr>
+                </a:solidFill>
+              </a:defRPr>
+            </a:lvl4pPr>
+            <a:lvl5pPr marL="1828800" indent="0">
+              <a:buNone/>
+              <a:defRPr sz="1400">
+                <a:solidFill>
+                  <a:schemeClr val="tx1">
+                    <a:tint val="75000"/>
+                  </a:schemeClr>
+                </a:solidFill>
+              </a:defRPr>
+            </a:lvl5pPr>
+            <a:lvl6pPr marL="2286000" indent="0">
+              <a:buNone/>
+              <a:defRPr sz="1400">
+                <a:solidFill>
+                  <a:schemeClr val="tx1">
+                    <a:tint val="75000"/>
+                  </a:schemeClr>
+                </a:solidFill>
+              </a:defRPr>
+            </a:lvl6pPr>
+            <a:lvl7pPr marL="2743200" indent="0">
+              <a:buNone/>
+              <a:defRPr sz="1400">
+                <a:solidFill>
+                  <a:schemeClr val="tx1">
+                    <a:tint val="75000"/>
+                  </a:schemeClr>
+                </a:solidFill>
+              </a:defRPr>
+            </a:lvl7pPr>
+            <a:lvl8pPr marL="3200400" indent="0">
+              <a:buNone/>
+              <a:defRPr sz="1400">
+                <a:solidFill>
+                  <a:schemeClr val="tx1">
+                    <a:tint val="75000"/>
+                  </a:schemeClr>
+                </a:solidFill>
+              </a:defRPr>
+            </a:lvl8pPr>
+            <a:lvl9pPr marL="3657600" indent="0">
+              <a:buNone/>
+              <a:defRPr sz="1400">
+                <a:solidFill>
+                  <a:schemeClr val="tx1">
+                    <a:tint val="75000"/>
+                  </a:schemeClr>
+                </a:solidFill>
+              </a:defRPr>
+            </a:lvl9pPr>
+          </a:lstStyle>
+          <a:p>
+            <a:pPr lvl="0"/>
+            <a:r>
+              <a:rPr lang="en-US"/>
+              <a:t>Click to edit Master text styles</a:t>
+            </a:r>
+          </a:p>
+        </p:txBody>
+      </p:sp>
+      <p:sp>
+        <p:nvSpPr>
+          <p:cNvPr id="4" name="Date Placeholder 3"/>
+          <p:cNvSpPr>
+            <a:spLocks noGrp="1"/>
+          </p:cNvSpPr>
+          <p:nvPr>
+            <p:ph type="dt" sz="half" idx="10"/>
+          </p:nvPr>
+        </p:nvSpPr>
+        <p:spPr/>
+        <p:txBody>
+          <a:bodyPr/>
+          <a:lstStyle/>
+          <a:p>
+            <a:fld id="{23F85FB8-E0BB-4CC9-BFD3-A88C6AC92A07}" type="datetimeFigureOut">
+              <a:rPr lang="en-US" smtClean="0"/>
+              <a:t>3/19/2021</a:t>
+            </a:fld>
+            <a:endParaRPr lang="en-US"/>
+          </a:p>
+        </p:txBody>
+      </p:sp>
+      <p:sp>
+        <p:nvSpPr>
+          <p:cNvPr id="5" name="Footer Placeholder 4"/>
+          <p:cNvSpPr>
+            <a:spLocks noGrp="1"/>
+          </p:cNvSpPr>
+          <p:nvPr>
+            <p:ph type="ftr" sz="quarter" idx="11"/>
+          </p:nvPr>
+        </p:nvSpPr>
+        <p:spPr/>
+        <p:txBody>
+          <a:bodyPr/>
+          <a:lstStyle/>
+          <a:p>
+            <a:endParaRPr lang="en-US"/>
+          </a:p>
+        </p:txBody>
+      </p:sp>
+      <p:sp>
+        <p:nvSpPr>
+          <p:cNvPr id="6" name="Slide Number Placeholder 5"/>
+          <p:cNvSpPr>
+            <a:spLocks noGrp="1"/>
+          </p:cNvSpPr>
+          <p:nvPr>
+            <p:ph type="sldNum" sz="quarter" idx="12"/>
+          </p:nvPr>
+        </p:nvSpPr>
+        <p:spPr/>
+        <p:txBody>
+          <a:bodyPr/>
+          <a:lstStyle/>
+          <a:p>
+            <a:fld id="{BAD42096-D989-4285-B97A-9C51ABCB065C}" type="slidenum">
+              <a:rPr lang="en-US" smtClean="0"/>
+              <a:t>‹#›</a:t>
+            </a:fld>
+            <a:endParaRPr lang="en-US"/>
+          </a:p>
+        </p:txBody>
+      </p:sp>
+    </p:spTree>
+    <p:extLst>
+      <p:ext uri="{BB962C8B-B14F-4D97-AF65-F5344CB8AC3E}">
+        <p14:creationId xmlns:p14="http://schemas.microsoft.com/office/powerpoint/2010/main" val="3497260117"/>
+      </p:ext>
+    </p:extLst>
+  </p:cSld>
+  <p:clrMapOvr>
+    <a:masterClrMapping/>
+  </p:clrMapOvr>
+</p:sldLayout>
+</file>
+
+<file path=ppt/slideLayouts/slideLayout15.xml><?xml version="1.0" encoding="utf-8"?>
 <p:sldLayout xmlns:a="http://schemas.openxmlformats.org/drawingml/2006/main" xmlns:r="http://schemas.openxmlformats.org/officeDocument/2006/relationships" xmlns:p="http://schemas.openxmlformats.org/presentationml/2006/main" type="vertTx" preserve="1">
   <p:cSld name="Title and Vertical Text">
     <p:spTree>
@@ -813,13 +3254,7 @@
       </p:grpSpPr>
       <p:sp>
         <p:nvSpPr>
-          <p:cNvPr id="2" name="Title 1">
-            <a:extLst>
-              <a:ext uri="{FF2B5EF4-FFF2-40B4-BE49-F238E27FC236}">
-                <a16:creationId xmlns:a16="http://schemas.microsoft.com/office/drawing/2014/main" id="{E13CE5FD-3F31-4DAB-8F6A-B7880E31EB92}"/>
-              </a:ext>
-            </a:extLst>
-          </p:cNvPr>
+          <p:cNvPr id="2" name="Title 1"/>
           <p:cNvSpPr>
             <a:spLocks noGrp="1"/>
           </p:cNvSpPr>
@@ -836,18 +3271,13 @@
               <a:rPr lang="en-US"/>
               <a:t>Click to edit Master title style</a:t>
             </a:r>
-          </a:p>
-        </p:txBody>
-      </p:sp>
-      <p:sp>
-        <p:nvSpPr>
-          <p:cNvPr id="3" name="Vertical Text Placeholder 2">
-            <a:extLst>
-              <a:ext uri="{FF2B5EF4-FFF2-40B4-BE49-F238E27FC236}">
-                <a16:creationId xmlns:a16="http://schemas.microsoft.com/office/drawing/2014/main" id="{34070C35-35F2-4C7F-BA6E-774A02AF672A}"/>
-              </a:ext>
-            </a:extLst>
-          </p:cNvPr>
+            <a:endParaRPr lang="en-US" dirty="0"/>
+          </a:p>
+        </p:txBody>
+      </p:sp>
+      <p:sp>
+        <p:nvSpPr>
+          <p:cNvPr id="3" name="Vertical Text Placeholder 2"/>
           <p:cNvSpPr>
             <a:spLocks noGrp="1"/>
           </p:cNvSpPr>
@@ -893,18 +3323,13 @@
               <a:rPr lang="en-US"/>
               <a:t>Fifth level</a:t>
             </a:r>
-          </a:p>
-        </p:txBody>
-      </p:sp>
-      <p:sp>
-        <p:nvSpPr>
-          <p:cNvPr id="4" name="Date Placeholder 3">
-            <a:extLst>
-              <a:ext uri="{FF2B5EF4-FFF2-40B4-BE49-F238E27FC236}">
-                <a16:creationId xmlns:a16="http://schemas.microsoft.com/office/drawing/2014/main" id="{C3C9E80D-07D5-4EA2-BB59-D037324F02CB}"/>
-              </a:ext>
-            </a:extLst>
-          </p:cNvPr>
+            <a:endParaRPr lang="en-US" dirty="0"/>
+          </a:p>
+        </p:txBody>
+      </p:sp>
+      <p:sp>
+        <p:nvSpPr>
+          <p:cNvPr id="4" name="Date Placeholder 3"/>
           <p:cNvSpPr>
             <a:spLocks noGrp="1"/>
           </p:cNvSpPr>
@@ -927,13 +3352,7 @@
       </p:sp>
       <p:sp>
         <p:nvSpPr>
-          <p:cNvPr id="5" name="Footer Placeholder 4">
-            <a:extLst>
-              <a:ext uri="{FF2B5EF4-FFF2-40B4-BE49-F238E27FC236}">
-                <a16:creationId xmlns:a16="http://schemas.microsoft.com/office/drawing/2014/main" id="{05BB760C-93E1-45A5-88BA-6F3455F24CB7}"/>
-              </a:ext>
-            </a:extLst>
-          </p:cNvPr>
+          <p:cNvPr id="5" name="Footer Placeholder 4"/>
           <p:cNvSpPr>
             <a:spLocks noGrp="1"/>
           </p:cNvSpPr>
@@ -952,13 +3371,7 @@
       </p:sp>
       <p:sp>
         <p:nvSpPr>
-          <p:cNvPr id="6" name="Slide Number Placeholder 5">
-            <a:extLst>
-              <a:ext uri="{FF2B5EF4-FFF2-40B4-BE49-F238E27FC236}">
-                <a16:creationId xmlns:a16="http://schemas.microsoft.com/office/drawing/2014/main" id="{8DD567AB-C2D6-4166-8061-C92B31C26D21}"/>
-              </a:ext>
-            </a:extLst>
-          </p:cNvPr>
+          <p:cNvPr id="6" name="Slide Number Placeholder 5"/>
           <p:cNvSpPr>
             <a:spLocks noGrp="1"/>
           </p:cNvSpPr>
@@ -982,7 +3395,7 @@
     </p:spTree>
     <p:extLst>
       <p:ext uri="{BB962C8B-B14F-4D97-AF65-F5344CB8AC3E}">
-        <p14:creationId xmlns:p14="http://schemas.microsoft.com/office/powerpoint/2010/main" val="1032146212"/>
+        <p14:creationId xmlns:p14="http://schemas.microsoft.com/office/powerpoint/2010/main" val="549614162"/>
       </p:ext>
     </p:extLst>
   </p:cSld>
@@ -992,7 +3405,7 @@
 </p:sldLayout>
 </file>
 
-<file path=ppt/slideLayouts/slideLayout11.xml><?xml version="1.0" encoding="utf-8"?>
+<file path=ppt/slideLayouts/slideLayout16.xml><?xml version="1.0" encoding="utf-8"?>
 <p:sldLayout xmlns:a="http://schemas.openxmlformats.org/drawingml/2006/main" xmlns:r="http://schemas.openxmlformats.org/officeDocument/2006/relationships" xmlns:p="http://schemas.openxmlformats.org/presentationml/2006/main" type="vertTitleAndTx" preserve="1">
   <p:cSld name="Vertical Title and Text">
     <p:spTree>
@@ -1011,13 +3424,7 @@
       </p:grpSpPr>
       <p:sp>
         <p:nvSpPr>
-          <p:cNvPr id="2" name="Vertical Title 1">
-            <a:extLst>
-              <a:ext uri="{FF2B5EF4-FFF2-40B4-BE49-F238E27FC236}">
-                <a16:creationId xmlns:a16="http://schemas.microsoft.com/office/drawing/2014/main" id="{72A111BA-1025-4DBB-8583-CC1A47004C40}"/>
-              </a:ext>
-            </a:extLst>
-          </p:cNvPr>
+          <p:cNvPr id="2" name="Vertical Title 1"/>
           <p:cNvSpPr>
             <a:spLocks noGrp="1"/>
           </p:cNvSpPr>
@@ -1027,30 +3434,25 @@
         </p:nvSpPr>
         <p:spPr>
           <a:xfrm>
-            <a:off x="8724900" y="365125"/>
-            <a:ext cx="2628900" cy="5811838"/>
+            <a:off x="7967673" y="609599"/>
+            <a:ext cx="1304743" cy="5251451"/>
           </a:xfrm>
         </p:spPr>
         <p:txBody>
-          <a:bodyPr vert="eaVert"/>
+          <a:bodyPr vert="eaVert" anchor="ctr"/>
           <a:lstStyle/>
           <a:p>
             <a:r>
               <a:rPr lang="en-US"/>
               <a:t>Click to edit Master title style</a:t>
             </a:r>
-          </a:p>
-        </p:txBody>
-      </p:sp>
-      <p:sp>
-        <p:nvSpPr>
-          <p:cNvPr id="3" name="Vertical Text Placeholder 2">
-            <a:extLst>
-              <a:ext uri="{FF2B5EF4-FFF2-40B4-BE49-F238E27FC236}">
-                <a16:creationId xmlns:a16="http://schemas.microsoft.com/office/drawing/2014/main" id="{FDAAD57C-F65F-4F0B-A129-3FA07279170D}"/>
-              </a:ext>
-            </a:extLst>
-          </p:cNvPr>
+            <a:endParaRPr lang="en-US" dirty="0"/>
+          </a:p>
+        </p:txBody>
+      </p:sp>
+      <p:sp>
+        <p:nvSpPr>
+          <p:cNvPr id="3" name="Vertical Text Placeholder 2"/>
           <p:cNvSpPr>
             <a:spLocks noGrp="1"/>
           </p:cNvSpPr>
@@ -1060,8 +3462,8 @@
         </p:nvSpPr>
         <p:spPr>
           <a:xfrm>
-            <a:off x="838200" y="365125"/>
-            <a:ext cx="7734300" cy="5811838"/>
+            <a:off x="677335" y="609600"/>
+            <a:ext cx="7060150" cy="5251450"/>
           </a:xfrm>
         </p:spPr>
         <p:txBody>
@@ -1101,18 +3503,13 @@
               <a:rPr lang="en-US"/>
               <a:t>Fifth level</a:t>
             </a:r>
-          </a:p>
-        </p:txBody>
-      </p:sp>
-      <p:sp>
-        <p:nvSpPr>
-          <p:cNvPr id="4" name="Date Placeholder 3">
-            <a:extLst>
-              <a:ext uri="{FF2B5EF4-FFF2-40B4-BE49-F238E27FC236}">
-                <a16:creationId xmlns:a16="http://schemas.microsoft.com/office/drawing/2014/main" id="{50125BD6-C8B5-4F7B-8731-E21CA7B1FF4A}"/>
-              </a:ext>
-            </a:extLst>
-          </p:cNvPr>
+            <a:endParaRPr lang="en-US" dirty="0"/>
+          </a:p>
+        </p:txBody>
+      </p:sp>
+      <p:sp>
+        <p:nvSpPr>
+          <p:cNvPr id="4" name="Date Placeholder 3"/>
           <p:cNvSpPr>
             <a:spLocks noGrp="1"/>
           </p:cNvSpPr>
@@ -1135,13 +3532,7 @@
       </p:sp>
       <p:sp>
         <p:nvSpPr>
-          <p:cNvPr id="5" name="Footer Placeholder 4">
-            <a:extLst>
-              <a:ext uri="{FF2B5EF4-FFF2-40B4-BE49-F238E27FC236}">
-                <a16:creationId xmlns:a16="http://schemas.microsoft.com/office/drawing/2014/main" id="{C5339341-6B0F-4B42-9D3C-248EEF7C5AE2}"/>
-              </a:ext>
-            </a:extLst>
-          </p:cNvPr>
+          <p:cNvPr id="5" name="Footer Placeholder 4"/>
           <p:cNvSpPr>
             <a:spLocks noGrp="1"/>
           </p:cNvSpPr>
@@ -1160,13 +3551,7 @@
       </p:sp>
       <p:sp>
         <p:nvSpPr>
-          <p:cNvPr id="6" name="Slide Number Placeholder 5">
-            <a:extLst>
-              <a:ext uri="{FF2B5EF4-FFF2-40B4-BE49-F238E27FC236}">
-                <a16:creationId xmlns:a16="http://schemas.microsoft.com/office/drawing/2014/main" id="{408C5BF3-BB56-47DA-A12C-A005549FA8EE}"/>
-              </a:ext>
-            </a:extLst>
-          </p:cNvPr>
+          <p:cNvPr id="6" name="Slide Number Placeholder 5"/>
           <p:cNvSpPr>
             <a:spLocks noGrp="1"/>
           </p:cNvSpPr>
@@ -1190,7 +3575,7 @@
     </p:spTree>
     <p:extLst>
       <p:ext uri="{BB962C8B-B14F-4D97-AF65-F5344CB8AC3E}">
-        <p14:creationId xmlns:p14="http://schemas.microsoft.com/office/powerpoint/2010/main" val="3977903940"/>
+        <p14:creationId xmlns:p14="http://schemas.microsoft.com/office/powerpoint/2010/main" val="767991110"/>
       </p:ext>
     </p:extLst>
   </p:cSld>
@@ -1219,13 +3604,7 @@
       </p:grpSpPr>
       <p:sp>
         <p:nvSpPr>
-          <p:cNvPr id="2" name="Title 1">
-            <a:extLst>
-              <a:ext uri="{FF2B5EF4-FFF2-40B4-BE49-F238E27FC236}">
-                <a16:creationId xmlns:a16="http://schemas.microsoft.com/office/drawing/2014/main" id="{14AC7FC8-0755-45D5-8801-152AA1A4CB8D}"/>
-              </a:ext>
-            </a:extLst>
-          </p:cNvPr>
+          <p:cNvPr id="2" name="Title 1"/>
           <p:cNvSpPr>
             <a:spLocks noGrp="1"/>
           </p:cNvSpPr>
@@ -1235,25 +3614,26 @@
         </p:nvSpPr>
         <p:spPr/>
         <p:txBody>
-          <a:bodyPr/>
-          <a:lstStyle/>
+          <a:bodyPr>
+            <a:normAutofit/>
+          </a:bodyPr>
+          <a:lstStyle>
+            <a:lvl1pPr>
+              <a:defRPr sz="3600"/>
+            </a:lvl1pPr>
+          </a:lstStyle>
           <a:p>
             <a:r>
               <a:rPr lang="en-US"/>
               <a:t>Click to edit Master title style</a:t>
             </a:r>
-          </a:p>
-        </p:txBody>
-      </p:sp>
-      <p:sp>
-        <p:nvSpPr>
-          <p:cNvPr id="3" name="Content Placeholder 2">
-            <a:extLst>
-              <a:ext uri="{FF2B5EF4-FFF2-40B4-BE49-F238E27FC236}">
-                <a16:creationId xmlns:a16="http://schemas.microsoft.com/office/drawing/2014/main" id="{079EEB32-F38C-4D59-8D16-039710A7B291}"/>
-              </a:ext>
-            </a:extLst>
-          </p:cNvPr>
+            <a:endParaRPr lang="en-US" dirty="0"/>
+          </a:p>
+        </p:txBody>
+      </p:sp>
+      <p:sp>
+        <p:nvSpPr>
+          <p:cNvPr id="3" name="Content Placeholder 2"/>
           <p:cNvSpPr>
             <a:spLocks noGrp="1"/>
           </p:cNvSpPr>
@@ -1299,18 +3679,13 @@
               <a:rPr lang="en-US"/>
               <a:t>Fifth level</a:t>
             </a:r>
-          </a:p>
-        </p:txBody>
-      </p:sp>
-      <p:sp>
-        <p:nvSpPr>
-          <p:cNvPr id="4" name="Date Placeholder 3">
-            <a:extLst>
-              <a:ext uri="{FF2B5EF4-FFF2-40B4-BE49-F238E27FC236}">
-                <a16:creationId xmlns:a16="http://schemas.microsoft.com/office/drawing/2014/main" id="{698DD07C-DEE1-4944-B71E-42F282E6E6B9}"/>
-              </a:ext>
-            </a:extLst>
-          </p:cNvPr>
+            <a:endParaRPr lang="en-US" dirty="0"/>
+          </a:p>
+        </p:txBody>
+      </p:sp>
+      <p:sp>
+        <p:nvSpPr>
+          <p:cNvPr id="4" name="Date Placeholder 3"/>
           <p:cNvSpPr>
             <a:spLocks noGrp="1"/>
           </p:cNvSpPr>
@@ -1333,13 +3708,7 @@
       </p:sp>
       <p:sp>
         <p:nvSpPr>
-          <p:cNvPr id="5" name="Footer Placeholder 4">
-            <a:extLst>
-              <a:ext uri="{FF2B5EF4-FFF2-40B4-BE49-F238E27FC236}">
-                <a16:creationId xmlns:a16="http://schemas.microsoft.com/office/drawing/2014/main" id="{34761723-BF33-4DB8-B0AC-A40D804F750B}"/>
-              </a:ext>
-            </a:extLst>
-          </p:cNvPr>
+          <p:cNvPr id="5" name="Footer Placeholder 4"/>
           <p:cNvSpPr>
             <a:spLocks noGrp="1"/>
           </p:cNvSpPr>
@@ -1358,13 +3727,7 @@
       </p:sp>
       <p:sp>
         <p:nvSpPr>
-          <p:cNvPr id="6" name="Slide Number Placeholder 5">
-            <a:extLst>
-              <a:ext uri="{FF2B5EF4-FFF2-40B4-BE49-F238E27FC236}">
-                <a16:creationId xmlns:a16="http://schemas.microsoft.com/office/drawing/2014/main" id="{0032730D-D023-4816-AFB0-2534FEFDF9DF}"/>
-              </a:ext>
-            </a:extLst>
-          </p:cNvPr>
+          <p:cNvPr id="6" name="Slide Number Placeholder 5"/>
           <p:cNvSpPr>
             <a:spLocks noGrp="1"/>
           </p:cNvSpPr>
@@ -1388,7 +3751,7 @@
     </p:spTree>
     <p:extLst>
       <p:ext uri="{BB962C8B-B14F-4D97-AF65-F5344CB8AC3E}">
-        <p14:creationId xmlns:p14="http://schemas.microsoft.com/office/powerpoint/2010/main" val="461396661"/>
+        <p14:creationId xmlns:p14="http://schemas.microsoft.com/office/powerpoint/2010/main" val="1398281364"/>
       </p:ext>
     </p:extLst>
   </p:cSld>
@@ -1417,13 +3780,7 @@
       </p:grpSpPr>
       <p:sp>
         <p:nvSpPr>
-          <p:cNvPr id="2" name="Title 1">
-            <a:extLst>
-              <a:ext uri="{FF2B5EF4-FFF2-40B4-BE49-F238E27FC236}">
-                <a16:creationId xmlns:a16="http://schemas.microsoft.com/office/drawing/2014/main" id="{1DE50F51-5AAE-4CB3-BA8D-C5D57B15B633}"/>
-              </a:ext>
-            </a:extLst>
-          </p:cNvPr>
+          <p:cNvPr id="2" name="Title 1"/>
           <p:cNvSpPr>
             <a:spLocks noGrp="1"/>
           </p:cNvSpPr>
@@ -1433,15 +3790,15 @@
         </p:nvSpPr>
         <p:spPr>
           <a:xfrm>
-            <a:off x="831850" y="1709738"/>
-            <a:ext cx="10515600" cy="2852737"/>
+            <a:off x="677335" y="2700867"/>
+            <a:ext cx="8596668" cy="1826581"/>
           </a:xfrm>
         </p:spPr>
         <p:txBody>
           <a:bodyPr anchor="b"/>
           <a:lstStyle>
-            <a:lvl1pPr>
-              <a:defRPr sz="6000"/>
+            <a:lvl1pPr algn="l">
+              <a:defRPr sz="4000" b="0" cap="none"/>
             </a:lvl1pPr>
           </a:lstStyle>
           <a:p>
@@ -1449,18 +3806,13 @@
               <a:rPr lang="en-US"/>
               <a:t>Click to edit Master title style</a:t>
             </a:r>
-          </a:p>
-        </p:txBody>
-      </p:sp>
-      <p:sp>
-        <p:nvSpPr>
-          <p:cNvPr id="3" name="Text Placeholder 2">
-            <a:extLst>
-              <a:ext uri="{FF2B5EF4-FFF2-40B4-BE49-F238E27FC236}">
-                <a16:creationId xmlns:a16="http://schemas.microsoft.com/office/drawing/2014/main" id="{A4072807-D850-4663-84EE-FDE0E16AD261}"/>
-              </a:ext>
-            </a:extLst>
-          </p:cNvPr>
+            <a:endParaRPr lang="en-US" dirty="0"/>
+          </a:p>
+        </p:txBody>
+      </p:sp>
+      <p:sp>
+        <p:nvSpPr>
+          <p:cNvPr id="3" name="Text Placeholder 2"/>
           <p:cNvSpPr>
             <a:spLocks noGrp="1"/>
           </p:cNvSpPr>
@@ -1470,26 +3822,27 @@
         </p:nvSpPr>
         <p:spPr>
           <a:xfrm>
-            <a:off x="831850" y="4589463"/>
-            <a:ext cx="10515600" cy="1500187"/>
+            <a:off x="677335" y="4527448"/>
+            <a:ext cx="8596668" cy="860400"/>
           </a:xfrm>
         </p:spPr>
         <p:txBody>
-          <a:bodyPr/>
+          <a:bodyPr anchor="t"/>
           <a:lstStyle>
-            <a:lvl1pPr marL="0" indent="0">
-              <a:buNone/>
-              <a:defRPr sz="2400">
+            <a:lvl1pPr marL="0" indent="0" algn="l">
+              <a:buNone/>
+              <a:defRPr sz="2000">
                 <a:solidFill>
                   <a:schemeClr val="tx1">
-                    <a:tint val="75000"/>
+                    <a:lumMod val="50000"/>
+                    <a:lumOff val="50000"/>
                   </a:schemeClr>
                 </a:solidFill>
               </a:defRPr>
             </a:lvl1pPr>
             <a:lvl2pPr marL="457200" indent="0">
               <a:buNone/>
-              <a:defRPr sz="2000">
+              <a:defRPr sz="1800">
                 <a:solidFill>
                   <a:schemeClr val="tx1">
                     <a:tint val="75000"/>
@@ -1499,7 +3852,7 @@
             </a:lvl2pPr>
             <a:lvl3pPr marL="914400" indent="0">
               <a:buNone/>
-              <a:defRPr sz="1800">
+              <a:defRPr sz="1600">
                 <a:solidFill>
                   <a:schemeClr val="tx1">
                     <a:tint val="75000"/>
@@ -1509,7 +3862,7 @@
             </a:lvl3pPr>
             <a:lvl4pPr marL="1371600" indent="0">
               <a:buNone/>
-              <a:defRPr sz="1600">
+              <a:defRPr sz="1400">
                 <a:solidFill>
                   <a:schemeClr val="tx1">
                     <a:tint val="75000"/>
@@ -1519,7 +3872,7 @@
             </a:lvl4pPr>
             <a:lvl5pPr marL="1828800" indent="0">
               <a:buNone/>
-              <a:defRPr sz="1600">
+              <a:defRPr sz="1400">
                 <a:solidFill>
                   <a:schemeClr val="tx1">
                     <a:tint val="75000"/>
@@ -1529,7 +3882,7 @@
             </a:lvl5pPr>
             <a:lvl6pPr marL="2286000" indent="0">
               <a:buNone/>
-              <a:defRPr sz="1600">
+              <a:defRPr sz="1400">
                 <a:solidFill>
                   <a:schemeClr val="tx1">
                     <a:tint val="75000"/>
@@ -1539,7 +3892,7 @@
             </a:lvl6pPr>
             <a:lvl7pPr marL="2743200" indent="0">
               <a:buNone/>
-              <a:defRPr sz="1600">
+              <a:defRPr sz="1400">
                 <a:solidFill>
                   <a:schemeClr val="tx1">
                     <a:tint val="75000"/>
@@ -1549,7 +3902,7 @@
             </a:lvl7pPr>
             <a:lvl8pPr marL="3200400" indent="0">
               <a:buNone/>
-              <a:defRPr sz="1600">
+              <a:defRPr sz="1400">
                 <a:solidFill>
                   <a:schemeClr val="tx1">
                     <a:tint val="75000"/>
@@ -1559,7 +3912,7 @@
             </a:lvl8pPr>
             <a:lvl9pPr marL="3657600" indent="0">
               <a:buNone/>
-              <a:defRPr sz="1600">
+              <a:defRPr sz="1400">
                 <a:solidFill>
                   <a:schemeClr val="tx1">
                     <a:tint val="75000"/>
@@ -1579,13 +3932,7 @@
       </p:sp>
       <p:sp>
         <p:nvSpPr>
-          <p:cNvPr id="4" name="Date Placeholder 3">
-            <a:extLst>
-              <a:ext uri="{FF2B5EF4-FFF2-40B4-BE49-F238E27FC236}">
-                <a16:creationId xmlns:a16="http://schemas.microsoft.com/office/drawing/2014/main" id="{15153C4A-FFC5-4AEF-9B89-123D1E24960A}"/>
-              </a:ext>
-            </a:extLst>
-          </p:cNvPr>
+          <p:cNvPr id="4" name="Date Placeholder 3"/>
           <p:cNvSpPr>
             <a:spLocks noGrp="1"/>
           </p:cNvSpPr>
@@ -1608,13 +3955,7 @@
       </p:sp>
       <p:sp>
         <p:nvSpPr>
-          <p:cNvPr id="5" name="Footer Placeholder 4">
-            <a:extLst>
-              <a:ext uri="{FF2B5EF4-FFF2-40B4-BE49-F238E27FC236}">
-                <a16:creationId xmlns:a16="http://schemas.microsoft.com/office/drawing/2014/main" id="{D8297D25-6AFD-447F-90D8-6D2B5B025B85}"/>
-              </a:ext>
-            </a:extLst>
-          </p:cNvPr>
+          <p:cNvPr id="5" name="Footer Placeholder 4"/>
           <p:cNvSpPr>
             <a:spLocks noGrp="1"/>
           </p:cNvSpPr>
@@ -1633,13 +3974,7 @@
       </p:sp>
       <p:sp>
         <p:nvSpPr>
-          <p:cNvPr id="6" name="Slide Number Placeholder 5">
-            <a:extLst>
-              <a:ext uri="{FF2B5EF4-FFF2-40B4-BE49-F238E27FC236}">
-                <a16:creationId xmlns:a16="http://schemas.microsoft.com/office/drawing/2014/main" id="{06A4ABF7-7140-400E-9D8D-CF14CE8126BD}"/>
-              </a:ext>
-            </a:extLst>
-          </p:cNvPr>
+          <p:cNvPr id="6" name="Slide Number Placeholder 5"/>
           <p:cNvSpPr>
             <a:spLocks noGrp="1"/>
           </p:cNvSpPr>
@@ -1663,7 +3998,7 @@
     </p:spTree>
     <p:extLst>
       <p:ext uri="{BB962C8B-B14F-4D97-AF65-F5344CB8AC3E}">
-        <p14:creationId xmlns:p14="http://schemas.microsoft.com/office/powerpoint/2010/main" val="1868634915"/>
+        <p14:creationId xmlns:p14="http://schemas.microsoft.com/office/powerpoint/2010/main" val="3512158078"/>
       </p:ext>
     </p:extLst>
   </p:cSld>
@@ -1692,13 +4027,7 @@
       </p:grpSpPr>
       <p:sp>
         <p:nvSpPr>
-          <p:cNvPr id="2" name="Title 1">
-            <a:extLst>
-              <a:ext uri="{FF2B5EF4-FFF2-40B4-BE49-F238E27FC236}">
-                <a16:creationId xmlns:a16="http://schemas.microsoft.com/office/drawing/2014/main" id="{07BC4703-0C96-4C05-A8F1-D607D2744072}"/>
-              </a:ext>
-            </a:extLst>
-          </p:cNvPr>
+          <p:cNvPr id="2" name="Title 1"/>
           <p:cNvSpPr>
             <a:spLocks noGrp="1"/>
           </p:cNvSpPr>
@@ -1715,18 +4044,13 @@
               <a:rPr lang="en-US"/>
               <a:t>Click to edit Master title style</a:t>
             </a:r>
-          </a:p>
-        </p:txBody>
-      </p:sp>
-      <p:sp>
-        <p:nvSpPr>
-          <p:cNvPr id="3" name="Content Placeholder 2">
-            <a:extLst>
-              <a:ext uri="{FF2B5EF4-FFF2-40B4-BE49-F238E27FC236}">
-                <a16:creationId xmlns:a16="http://schemas.microsoft.com/office/drawing/2014/main" id="{A51E0019-F23B-4F4A-8F14-D717A8A36AFB}"/>
-              </a:ext>
-            </a:extLst>
-          </p:cNvPr>
+            <a:endParaRPr lang="en-US" dirty="0"/>
+          </a:p>
+        </p:txBody>
+      </p:sp>
+      <p:sp>
+        <p:nvSpPr>
+          <p:cNvPr id="3" name="Content Placeholder 2"/>
           <p:cNvSpPr>
             <a:spLocks noGrp="1"/>
           </p:cNvSpPr>
@@ -1736,8 +4060,8 @@
         </p:nvSpPr>
         <p:spPr>
           <a:xfrm>
-            <a:off x="838200" y="1825625"/>
-            <a:ext cx="5181600" cy="4351338"/>
+            <a:off x="677334" y="2160589"/>
+            <a:ext cx="4184035" cy="3880772"/>
           </a:xfrm>
         </p:spPr>
         <p:txBody>
@@ -1777,18 +4101,13 @@
               <a:rPr lang="en-US"/>
               <a:t>Fifth level</a:t>
             </a:r>
-          </a:p>
-        </p:txBody>
-      </p:sp>
-      <p:sp>
-        <p:nvSpPr>
-          <p:cNvPr id="4" name="Content Placeholder 3">
-            <a:extLst>
-              <a:ext uri="{FF2B5EF4-FFF2-40B4-BE49-F238E27FC236}">
-                <a16:creationId xmlns:a16="http://schemas.microsoft.com/office/drawing/2014/main" id="{53B25E80-5A1C-48E3-B318-932F3E7CB4A3}"/>
-              </a:ext>
-            </a:extLst>
-          </p:cNvPr>
+            <a:endParaRPr lang="en-US" dirty="0"/>
+          </a:p>
+        </p:txBody>
+      </p:sp>
+      <p:sp>
+        <p:nvSpPr>
+          <p:cNvPr id="4" name="Content Placeholder 3"/>
           <p:cNvSpPr>
             <a:spLocks noGrp="1"/>
           </p:cNvSpPr>
@@ -1798,8 +4117,8 @@
         </p:nvSpPr>
         <p:spPr>
           <a:xfrm>
-            <a:off x="6172200" y="1825625"/>
-            <a:ext cx="5181600" cy="4351338"/>
+            <a:off x="5089970" y="2160589"/>
+            <a:ext cx="4184034" cy="3880773"/>
           </a:xfrm>
         </p:spPr>
         <p:txBody>
@@ -1839,18 +4158,13 @@
               <a:rPr lang="en-US"/>
               <a:t>Fifth level</a:t>
             </a:r>
-          </a:p>
-        </p:txBody>
-      </p:sp>
-      <p:sp>
-        <p:nvSpPr>
-          <p:cNvPr id="5" name="Date Placeholder 4">
-            <a:extLst>
-              <a:ext uri="{FF2B5EF4-FFF2-40B4-BE49-F238E27FC236}">
-                <a16:creationId xmlns:a16="http://schemas.microsoft.com/office/drawing/2014/main" id="{5EACD1D9-9884-4AC6-AA0B-5C80979181FE}"/>
-              </a:ext>
-            </a:extLst>
-          </p:cNvPr>
+            <a:endParaRPr lang="en-US" dirty="0"/>
+          </a:p>
+        </p:txBody>
+      </p:sp>
+      <p:sp>
+        <p:nvSpPr>
+          <p:cNvPr id="5" name="Date Placeholder 4"/>
           <p:cNvSpPr>
             <a:spLocks noGrp="1"/>
           </p:cNvSpPr>
@@ -1873,13 +4187,7 @@
       </p:sp>
       <p:sp>
         <p:nvSpPr>
-          <p:cNvPr id="6" name="Footer Placeholder 5">
-            <a:extLst>
-              <a:ext uri="{FF2B5EF4-FFF2-40B4-BE49-F238E27FC236}">
-                <a16:creationId xmlns:a16="http://schemas.microsoft.com/office/drawing/2014/main" id="{6880F2D0-95D2-4498-AE41-EEECCC4A8865}"/>
-              </a:ext>
-            </a:extLst>
-          </p:cNvPr>
+          <p:cNvPr id="6" name="Footer Placeholder 5"/>
           <p:cNvSpPr>
             <a:spLocks noGrp="1"/>
           </p:cNvSpPr>
@@ -1898,13 +4206,7 @@
       </p:sp>
       <p:sp>
         <p:nvSpPr>
-          <p:cNvPr id="7" name="Slide Number Placeholder 6">
-            <a:extLst>
-              <a:ext uri="{FF2B5EF4-FFF2-40B4-BE49-F238E27FC236}">
-                <a16:creationId xmlns:a16="http://schemas.microsoft.com/office/drawing/2014/main" id="{FAB7D301-0465-4AB4-B431-31C3D4D08E73}"/>
-              </a:ext>
-            </a:extLst>
-          </p:cNvPr>
+          <p:cNvPr id="7" name="Slide Number Placeholder 6"/>
           <p:cNvSpPr>
             <a:spLocks noGrp="1"/>
           </p:cNvSpPr>
@@ -1928,7 +4230,7 @@
     </p:spTree>
     <p:extLst>
       <p:ext uri="{BB962C8B-B14F-4D97-AF65-F5344CB8AC3E}">
-        <p14:creationId xmlns:p14="http://schemas.microsoft.com/office/powerpoint/2010/main" val="2469018616"/>
+        <p14:creationId xmlns:p14="http://schemas.microsoft.com/office/powerpoint/2010/main" val="2375354810"/>
       </p:ext>
     </p:extLst>
   </p:cSld>
@@ -1957,65 +4259,55 @@
       </p:grpSpPr>
       <p:sp>
         <p:nvSpPr>
-          <p:cNvPr id="2" name="Title 1">
-            <a:extLst>
-              <a:ext uri="{FF2B5EF4-FFF2-40B4-BE49-F238E27FC236}">
-                <a16:creationId xmlns:a16="http://schemas.microsoft.com/office/drawing/2014/main" id="{F087ED5D-FA1A-465D-BE43-C68B3FC9E7F3}"/>
-              </a:ext>
-            </a:extLst>
-          </p:cNvPr>
+          <p:cNvPr id="2" name="Title 1"/>
           <p:cNvSpPr>
             <a:spLocks noGrp="1"/>
           </p:cNvSpPr>
           <p:nvPr>
             <p:ph type="title"/>
+          </p:nvPr>
+        </p:nvSpPr>
+        <p:spPr/>
+        <p:txBody>
+          <a:bodyPr/>
+          <a:lstStyle>
+            <a:lvl1pPr>
+              <a:defRPr/>
+            </a:lvl1pPr>
+          </a:lstStyle>
+          <a:p>
+            <a:r>
+              <a:rPr lang="en-US"/>
+              <a:t>Click to edit Master title style</a:t>
+            </a:r>
+            <a:endParaRPr lang="en-US" dirty="0"/>
+          </a:p>
+        </p:txBody>
+      </p:sp>
+      <p:sp>
+        <p:nvSpPr>
+          <p:cNvPr id="3" name="Text Placeholder 2"/>
+          <p:cNvSpPr>
+            <a:spLocks noGrp="1"/>
+          </p:cNvSpPr>
+          <p:nvPr>
+            <p:ph type="body" idx="1"/>
           </p:nvPr>
         </p:nvSpPr>
         <p:spPr>
           <a:xfrm>
-            <a:off x="839788" y="365125"/>
-            <a:ext cx="10515600" cy="1325563"/>
+            <a:off x="675745" y="2160983"/>
+            <a:ext cx="4185623" cy="576262"/>
           </a:xfrm>
         </p:spPr>
         <p:txBody>
-          <a:bodyPr/>
-          <a:lstStyle/>
-          <a:p>
-            <a:r>
-              <a:rPr lang="en-US"/>
-              <a:t>Click to edit Master title style</a:t>
-            </a:r>
-          </a:p>
-        </p:txBody>
-      </p:sp>
-      <p:sp>
-        <p:nvSpPr>
-          <p:cNvPr id="3" name="Text Placeholder 2">
-            <a:extLst>
-              <a:ext uri="{FF2B5EF4-FFF2-40B4-BE49-F238E27FC236}">
-                <a16:creationId xmlns:a16="http://schemas.microsoft.com/office/drawing/2014/main" id="{A346B5D6-48F6-4656-AEA9-36952CEAE07E}"/>
-              </a:ext>
-            </a:extLst>
-          </p:cNvPr>
-          <p:cNvSpPr>
-            <a:spLocks noGrp="1"/>
-          </p:cNvSpPr>
-          <p:nvPr>
-            <p:ph type="body" idx="1"/>
-          </p:nvPr>
-        </p:nvSpPr>
-        <p:spPr>
-          <a:xfrm>
-            <a:off x="839788" y="1681163"/>
-            <a:ext cx="5157787" cy="823912"/>
-          </a:xfrm>
-        </p:spPr>
-        <p:txBody>
-          <a:bodyPr anchor="b"/>
+          <a:bodyPr anchor="b">
+            <a:noAutofit/>
+          </a:bodyPr>
           <a:lstStyle>
             <a:lvl1pPr marL="0" indent="0">
               <a:buNone/>
-              <a:defRPr sz="2400" b="1"/>
+              <a:defRPr sz="2400" b="0"/>
             </a:lvl1pPr>
             <a:lvl2pPr marL="457200" indent="0">
               <a:buNone/>
@@ -2061,13 +4353,7 @@
       </p:sp>
       <p:sp>
         <p:nvSpPr>
-          <p:cNvPr id="4" name="Content Placeholder 3">
-            <a:extLst>
-              <a:ext uri="{FF2B5EF4-FFF2-40B4-BE49-F238E27FC236}">
-                <a16:creationId xmlns:a16="http://schemas.microsoft.com/office/drawing/2014/main" id="{413162FC-7012-4744-8AAD-B1D0CC5BFB30}"/>
-              </a:ext>
-            </a:extLst>
-          </p:cNvPr>
+          <p:cNvPr id="4" name="Content Placeholder 3"/>
           <p:cNvSpPr>
             <a:spLocks noGrp="1"/>
           </p:cNvSpPr>
@@ -2077,12 +4363,14 @@
         </p:nvSpPr>
         <p:spPr>
           <a:xfrm>
-            <a:off x="839788" y="2505075"/>
-            <a:ext cx="5157787" cy="3684588"/>
+            <a:off x="675745" y="2737245"/>
+            <a:ext cx="4185623" cy="3304117"/>
           </a:xfrm>
         </p:spPr>
         <p:txBody>
-          <a:bodyPr/>
+          <a:bodyPr>
+            <a:normAutofit/>
+          </a:bodyPr>
           <a:lstStyle/>
           <a:p>
             <a:pPr lvl="0"/>
@@ -2118,18 +4406,13 @@
               <a:rPr lang="en-US"/>
               <a:t>Fifth level</a:t>
             </a:r>
-          </a:p>
-        </p:txBody>
-      </p:sp>
-      <p:sp>
-        <p:nvSpPr>
-          <p:cNvPr id="5" name="Text Placeholder 4">
-            <a:extLst>
-              <a:ext uri="{FF2B5EF4-FFF2-40B4-BE49-F238E27FC236}">
-                <a16:creationId xmlns:a16="http://schemas.microsoft.com/office/drawing/2014/main" id="{D9300CE9-4048-4242-BFC1-E5016675A35F}"/>
-              </a:ext>
-            </a:extLst>
-          </p:cNvPr>
+            <a:endParaRPr lang="en-US" dirty="0"/>
+          </a:p>
+        </p:txBody>
+      </p:sp>
+      <p:sp>
+        <p:nvSpPr>
+          <p:cNvPr id="5" name="Text Placeholder 4"/>
           <p:cNvSpPr>
             <a:spLocks noGrp="1"/>
           </p:cNvSpPr>
@@ -2139,16 +4422,18 @@
         </p:nvSpPr>
         <p:spPr>
           <a:xfrm>
-            <a:off x="6172200" y="1681163"/>
-            <a:ext cx="5183188" cy="823912"/>
+            <a:off x="5088383" y="2160983"/>
+            <a:ext cx="4185618" cy="576262"/>
           </a:xfrm>
         </p:spPr>
         <p:txBody>
-          <a:bodyPr anchor="b"/>
+          <a:bodyPr anchor="b">
+            <a:noAutofit/>
+          </a:bodyPr>
           <a:lstStyle>
             <a:lvl1pPr marL="0" indent="0">
               <a:buNone/>
-              <a:defRPr sz="2400" b="1"/>
+              <a:defRPr sz="2400" b="0"/>
             </a:lvl1pPr>
             <a:lvl2pPr marL="457200" indent="0">
               <a:buNone/>
@@ -2194,13 +4479,7 @@
       </p:sp>
       <p:sp>
         <p:nvSpPr>
-          <p:cNvPr id="6" name="Content Placeholder 5">
-            <a:extLst>
-              <a:ext uri="{FF2B5EF4-FFF2-40B4-BE49-F238E27FC236}">
-                <a16:creationId xmlns:a16="http://schemas.microsoft.com/office/drawing/2014/main" id="{939214D8-89B6-46A0-9E3D-5C5D7501ECAA}"/>
-              </a:ext>
-            </a:extLst>
-          </p:cNvPr>
+          <p:cNvPr id="6" name="Content Placeholder 5"/>
           <p:cNvSpPr>
             <a:spLocks noGrp="1"/>
           </p:cNvSpPr>
@@ -2210,12 +4489,14 @@
         </p:nvSpPr>
         <p:spPr>
           <a:xfrm>
-            <a:off x="6172200" y="2505075"/>
-            <a:ext cx="5183188" cy="3684588"/>
+            <a:off x="5088384" y="2737245"/>
+            <a:ext cx="4185617" cy="3304117"/>
           </a:xfrm>
         </p:spPr>
         <p:txBody>
-          <a:bodyPr/>
+          <a:bodyPr>
+            <a:normAutofit/>
+          </a:bodyPr>
           <a:lstStyle/>
           <a:p>
             <a:pPr lvl="0"/>
@@ -2251,18 +4532,13 @@
               <a:rPr lang="en-US"/>
               <a:t>Fifth level</a:t>
             </a:r>
-          </a:p>
-        </p:txBody>
-      </p:sp>
-      <p:sp>
-        <p:nvSpPr>
-          <p:cNvPr id="7" name="Date Placeholder 6">
-            <a:extLst>
-              <a:ext uri="{FF2B5EF4-FFF2-40B4-BE49-F238E27FC236}">
-                <a16:creationId xmlns:a16="http://schemas.microsoft.com/office/drawing/2014/main" id="{1B0CEACC-F279-4499-8FA7-29304CF4BB7F}"/>
-              </a:ext>
-            </a:extLst>
-          </p:cNvPr>
+            <a:endParaRPr lang="en-US" dirty="0"/>
+          </a:p>
+        </p:txBody>
+      </p:sp>
+      <p:sp>
+        <p:nvSpPr>
+          <p:cNvPr id="7" name="Date Placeholder 6"/>
           <p:cNvSpPr>
             <a:spLocks noGrp="1"/>
           </p:cNvSpPr>
@@ -2285,13 +4561,7 @@
       </p:sp>
       <p:sp>
         <p:nvSpPr>
-          <p:cNvPr id="8" name="Footer Placeholder 7">
-            <a:extLst>
-              <a:ext uri="{FF2B5EF4-FFF2-40B4-BE49-F238E27FC236}">
-                <a16:creationId xmlns:a16="http://schemas.microsoft.com/office/drawing/2014/main" id="{091D41FD-6461-4364-898F-5B0D54BBCA1A}"/>
-              </a:ext>
-            </a:extLst>
-          </p:cNvPr>
+          <p:cNvPr id="8" name="Footer Placeholder 7"/>
           <p:cNvSpPr>
             <a:spLocks noGrp="1"/>
           </p:cNvSpPr>
@@ -2310,13 +4580,7 @@
       </p:sp>
       <p:sp>
         <p:nvSpPr>
-          <p:cNvPr id="9" name="Slide Number Placeholder 8">
-            <a:extLst>
-              <a:ext uri="{FF2B5EF4-FFF2-40B4-BE49-F238E27FC236}">
-                <a16:creationId xmlns:a16="http://schemas.microsoft.com/office/drawing/2014/main" id="{86A2E8BD-20C3-49D2-97C4-4951EE970FFB}"/>
-              </a:ext>
-            </a:extLst>
-          </p:cNvPr>
+          <p:cNvPr id="9" name="Slide Number Placeholder 8"/>
           <p:cNvSpPr>
             <a:spLocks noGrp="1"/>
           </p:cNvSpPr>
@@ -2340,7 +4604,7 @@
     </p:spTree>
     <p:extLst>
       <p:ext uri="{BB962C8B-B14F-4D97-AF65-F5344CB8AC3E}">
-        <p14:creationId xmlns:p14="http://schemas.microsoft.com/office/powerpoint/2010/main" val="172755327"/>
+        <p14:creationId xmlns:p14="http://schemas.microsoft.com/office/powerpoint/2010/main" val="2166557153"/>
       </p:ext>
     </p:extLst>
   </p:cSld>
@@ -2369,13 +4633,7 @@
       </p:grpSpPr>
       <p:sp>
         <p:nvSpPr>
-          <p:cNvPr id="2" name="Title 1">
-            <a:extLst>
-              <a:ext uri="{FF2B5EF4-FFF2-40B4-BE49-F238E27FC236}">
-                <a16:creationId xmlns:a16="http://schemas.microsoft.com/office/drawing/2014/main" id="{7070EAD7-DA21-4E51-89DD-EAC15F859BC3}"/>
-              </a:ext>
-            </a:extLst>
-          </p:cNvPr>
+          <p:cNvPr id="2" name="Title 1"/>
           <p:cNvSpPr>
             <a:spLocks noGrp="1"/>
           </p:cNvSpPr>
@@ -2383,7 +4641,12 @@
             <p:ph type="title"/>
           </p:nvPr>
         </p:nvSpPr>
-        <p:spPr/>
+        <p:spPr>
+          <a:xfrm>
+            <a:off x="677334" y="609600"/>
+            <a:ext cx="8596668" cy="1320800"/>
+          </a:xfrm>
+        </p:spPr>
         <p:txBody>
           <a:bodyPr/>
           <a:lstStyle/>
@@ -2392,18 +4655,13 @@
               <a:rPr lang="en-US"/>
               <a:t>Click to edit Master title style</a:t>
             </a:r>
-          </a:p>
-        </p:txBody>
-      </p:sp>
-      <p:sp>
-        <p:nvSpPr>
-          <p:cNvPr id="3" name="Date Placeholder 2">
-            <a:extLst>
-              <a:ext uri="{FF2B5EF4-FFF2-40B4-BE49-F238E27FC236}">
-                <a16:creationId xmlns:a16="http://schemas.microsoft.com/office/drawing/2014/main" id="{FD69266F-4F76-4EA2-90D8-18D5A4C81C05}"/>
-              </a:ext>
-            </a:extLst>
-          </p:cNvPr>
+            <a:endParaRPr lang="en-US" dirty="0"/>
+          </a:p>
+        </p:txBody>
+      </p:sp>
+      <p:sp>
+        <p:nvSpPr>
+          <p:cNvPr id="3" name="Date Placeholder 2"/>
           <p:cNvSpPr>
             <a:spLocks noGrp="1"/>
           </p:cNvSpPr>
@@ -2426,13 +4684,7 @@
       </p:sp>
       <p:sp>
         <p:nvSpPr>
-          <p:cNvPr id="4" name="Footer Placeholder 3">
-            <a:extLst>
-              <a:ext uri="{FF2B5EF4-FFF2-40B4-BE49-F238E27FC236}">
-                <a16:creationId xmlns:a16="http://schemas.microsoft.com/office/drawing/2014/main" id="{A9C73191-5402-401B-BC2C-AD48F9D328D8}"/>
-              </a:ext>
-            </a:extLst>
-          </p:cNvPr>
+          <p:cNvPr id="4" name="Footer Placeholder 3"/>
           <p:cNvSpPr>
             <a:spLocks noGrp="1"/>
           </p:cNvSpPr>
@@ -2451,13 +4703,7 @@
       </p:sp>
       <p:sp>
         <p:nvSpPr>
-          <p:cNvPr id="5" name="Slide Number Placeholder 4">
-            <a:extLst>
-              <a:ext uri="{FF2B5EF4-FFF2-40B4-BE49-F238E27FC236}">
-                <a16:creationId xmlns:a16="http://schemas.microsoft.com/office/drawing/2014/main" id="{AC6C1E6A-B5D9-49C5-8827-E787B3AFA4EF}"/>
-              </a:ext>
-            </a:extLst>
-          </p:cNvPr>
+          <p:cNvPr id="5" name="Slide Number Placeholder 4"/>
           <p:cNvSpPr>
             <a:spLocks noGrp="1"/>
           </p:cNvSpPr>
@@ -2481,7 +4727,7 @@
     </p:spTree>
     <p:extLst>
       <p:ext uri="{BB962C8B-B14F-4D97-AF65-F5344CB8AC3E}">
-        <p14:creationId xmlns:p14="http://schemas.microsoft.com/office/powerpoint/2010/main" val="3382712298"/>
+        <p14:creationId xmlns:p14="http://schemas.microsoft.com/office/powerpoint/2010/main" val="3658098911"/>
       </p:ext>
     </p:extLst>
   </p:cSld>
@@ -2510,13 +4756,7 @@
       </p:grpSpPr>
       <p:sp>
         <p:nvSpPr>
-          <p:cNvPr id="2" name="Date Placeholder 1">
-            <a:extLst>
-              <a:ext uri="{FF2B5EF4-FFF2-40B4-BE49-F238E27FC236}">
-                <a16:creationId xmlns:a16="http://schemas.microsoft.com/office/drawing/2014/main" id="{DCB2A198-0276-40B8-9181-560ABE49CB6E}"/>
-              </a:ext>
-            </a:extLst>
-          </p:cNvPr>
+          <p:cNvPr id="2" name="Date Placeholder 1"/>
           <p:cNvSpPr>
             <a:spLocks noGrp="1"/>
           </p:cNvSpPr>
@@ -2539,13 +4779,7 @@
       </p:sp>
       <p:sp>
         <p:nvSpPr>
-          <p:cNvPr id="3" name="Footer Placeholder 2">
-            <a:extLst>
-              <a:ext uri="{FF2B5EF4-FFF2-40B4-BE49-F238E27FC236}">
-                <a16:creationId xmlns:a16="http://schemas.microsoft.com/office/drawing/2014/main" id="{4E855996-6460-44E9-A0B8-FC5185B70029}"/>
-              </a:ext>
-            </a:extLst>
-          </p:cNvPr>
+          <p:cNvPr id="3" name="Footer Placeholder 2"/>
           <p:cNvSpPr>
             <a:spLocks noGrp="1"/>
           </p:cNvSpPr>
@@ -2564,13 +4798,7 @@
       </p:sp>
       <p:sp>
         <p:nvSpPr>
-          <p:cNvPr id="4" name="Slide Number Placeholder 3">
-            <a:extLst>
-              <a:ext uri="{FF2B5EF4-FFF2-40B4-BE49-F238E27FC236}">
-                <a16:creationId xmlns:a16="http://schemas.microsoft.com/office/drawing/2014/main" id="{68A19A8E-0513-4D5B-8187-6DF8E3E36B48}"/>
-              </a:ext>
-            </a:extLst>
-          </p:cNvPr>
+          <p:cNvPr id="4" name="Slide Number Placeholder 3"/>
           <p:cNvSpPr>
             <a:spLocks noGrp="1"/>
           </p:cNvSpPr>
@@ -2594,7 +4822,7 @@
     </p:spTree>
     <p:extLst>
       <p:ext uri="{BB962C8B-B14F-4D97-AF65-F5344CB8AC3E}">
-        <p14:creationId xmlns:p14="http://schemas.microsoft.com/office/powerpoint/2010/main" val="1028074533"/>
+        <p14:creationId xmlns:p14="http://schemas.microsoft.com/office/powerpoint/2010/main" val="703752261"/>
       </p:ext>
     </p:extLst>
   </p:cSld>
@@ -2623,13 +4851,7 @@
       </p:grpSpPr>
       <p:sp>
         <p:nvSpPr>
-          <p:cNvPr id="2" name="Title 1">
-            <a:extLst>
-              <a:ext uri="{FF2B5EF4-FFF2-40B4-BE49-F238E27FC236}">
-                <a16:creationId xmlns:a16="http://schemas.microsoft.com/office/drawing/2014/main" id="{A014E2B1-1757-4500-84CC-D33DB5CB6C44}"/>
-              </a:ext>
-            </a:extLst>
-          </p:cNvPr>
+          <p:cNvPr id="2" name="Title 1"/>
           <p:cNvSpPr>
             <a:spLocks noGrp="1"/>
           </p:cNvSpPr>
@@ -2639,15 +4861,17 @@
         </p:nvSpPr>
         <p:spPr>
           <a:xfrm>
-            <a:off x="839788" y="457200"/>
-            <a:ext cx="3932237" cy="1600200"/>
+            <a:off x="677334" y="1498604"/>
+            <a:ext cx="3854528" cy="1278466"/>
           </a:xfrm>
         </p:spPr>
         <p:txBody>
-          <a:bodyPr anchor="b"/>
+          <a:bodyPr anchor="b">
+            <a:normAutofit/>
+          </a:bodyPr>
           <a:lstStyle>
             <a:lvl1pPr>
-              <a:defRPr sz="3200"/>
+              <a:defRPr sz="2000"/>
             </a:lvl1pPr>
           </a:lstStyle>
           <a:p>
@@ -2655,18 +4879,13 @@
               <a:rPr lang="en-US"/>
               <a:t>Click to edit Master title style</a:t>
             </a:r>
-          </a:p>
-        </p:txBody>
-      </p:sp>
-      <p:sp>
-        <p:nvSpPr>
-          <p:cNvPr id="3" name="Content Placeholder 2">
-            <a:extLst>
-              <a:ext uri="{FF2B5EF4-FFF2-40B4-BE49-F238E27FC236}">
-                <a16:creationId xmlns:a16="http://schemas.microsoft.com/office/drawing/2014/main" id="{FF9B2204-34BB-4DD2-8B7F-26D1C88C7181}"/>
-              </a:ext>
-            </a:extLst>
-          </p:cNvPr>
+            <a:endParaRPr lang="en-US" dirty="0"/>
+          </a:p>
+        </p:txBody>
+      </p:sp>
+      <p:sp>
+        <p:nvSpPr>
+          <p:cNvPr id="3" name="Content Placeholder 2"/>
           <p:cNvSpPr>
             <a:spLocks noGrp="1"/>
           </p:cNvSpPr>
@@ -2676,41 +4895,15 @@
         </p:nvSpPr>
         <p:spPr>
           <a:xfrm>
-            <a:off x="5183188" y="987425"/>
-            <a:ext cx="6172200" cy="4873625"/>
+            <a:off x="4760461" y="514924"/>
+            <a:ext cx="4513541" cy="5526437"/>
           </a:xfrm>
         </p:spPr>
         <p:txBody>
-          <a:bodyPr/>
-          <a:lstStyle>
-            <a:lvl1pPr>
-              <a:defRPr sz="3200"/>
-            </a:lvl1pPr>
-            <a:lvl2pPr>
-              <a:defRPr sz="2800"/>
-            </a:lvl2pPr>
-            <a:lvl3pPr>
-              <a:defRPr sz="2400"/>
-            </a:lvl3pPr>
-            <a:lvl4pPr>
-              <a:defRPr sz="2000"/>
-            </a:lvl4pPr>
-            <a:lvl5pPr>
-              <a:defRPr sz="2000"/>
-            </a:lvl5pPr>
-            <a:lvl6pPr>
-              <a:defRPr sz="2000"/>
-            </a:lvl6pPr>
-            <a:lvl7pPr>
-              <a:defRPr sz="2000"/>
-            </a:lvl7pPr>
-            <a:lvl8pPr>
-              <a:defRPr sz="2000"/>
-            </a:lvl8pPr>
-            <a:lvl9pPr>
-              <a:defRPr sz="2000"/>
-            </a:lvl9pPr>
-          </a:lstStyle>
+          <a:bodyPr>
+            <a:normAutofit/>
+          </a:bodyPr>
+          <a:lstStyle/>
           <a:p>
             <a:pPr lvl="0"/>
             <a:r>
@@ -2745,18 +4938,13 @@
               <a:rPr lang="en-US"/>
               <a:t>Fifth level</a:t>
             </a:r>
-          </a:p>
-        </p:txBody>
-      </p:sp>
-      <p:sp>
-        <p:nvSpPr>
-          <p:cNvPr id="4" name="Text Placeholder 3">
-            <a:extLst>
-              <a:ext uri="{FF2B5EF4-FFF2-40B4-BE49-F238E27FC236}">
-                <a16:creationId xmlns:a16="http://schemas.microsoft.com/office/drawing/2014/main" id="{DFA5125B-D903-49D3-95C5-71717DC3B6CA}"/>
-              </a:ext>
-            </a:extLst>
-          </p:cNvPr>
+            <a:endParaRPr lang="en-US" dirty="0"/>
+          </a:p>
+        </p:txBody>
+      </p:sp>
+      <p:sp>
+        <p:nvSpPr>
+          <p:cNvPr id="4" name="Text Placeholder 3"/>
           <p:cNvSpPr>
             <a:spLocks noGrp="1"/>
           </p:cNvSpPr>
@@ -2766,46 +4954,48 @@
         </p:nvSpPr>
         <p:spPr>
           <a:xfrm>
-            <a:off x="839788" y="2057400"/>
-            <a:ext cx="3932237" cy="3811588"/>
+            <a:off x="677334" y="2777069"/>
+            <a:ext cx="3854528" cy="2584449"/>
           </a:xfrm>
         </p:spPr>
         <p:txBody>
-          <a:bodyPr/>
+          <a:bodyPr>
+            <a:normAutofit/>
+          </a:bodyPr>
           <a:lstStyle>
             <a:lvl1pPr marL="0" indent="0">
               <a:buNone/>
-              <a:defRPr sz="1600"/>
+              <a:defRPr sz="1400"/>
             </a:lvl1pPr>
-            <a:lvl2pPr marL="457200" indent="0">
+            <a:lvl2pPr marL="457063" indent="0">
               <a:buNone/>
               <a:defRPr sz="1400"/>
             </a:lvl2pPr>
-            <a:lvl3pPr marL="914400" indent="0">
+            <a:lvl3pPr marL="914126" indent="0">
               <a:buNone/>
               <a:defRPr sz="1200"/>
             </a:lvl3pPr>
-            <a:lvl4pPr marL="1371600" indent="0">
+            <a:lvl4pPr marL="1371189" indent="0">
               <a:buNone/>
               <a:defRPr sz="1000"/>
             </a:lvl4pPr>
-            <a:lvl5pPr marL="1828800" indent="0">
+            <a:lvl5pPr marL="1828251" indent="0">
               <a:buNone/>
               <a:defRPr sz="1000"/>
             </a:lvl5pPr>
-            <a:lvl6pPr marL="2286000" indent="0">
+            <a:lvl6pPr marL="2285314" indent="0">
               <a:buNone/>
               <a:defRPr sz="1000"/>
             </a:lvl6pPr>
-            <a:lvl7pPr marL="2743200" indent="0">
+            <a:lvl7pPr marL="2742377" indent="0">
               <a:buNone/>
               <a:defRPr sz="1000"/>
             </a:lvl7pPr>
-            <a:lvl8pPr marL="3200400" indent="0">
+            <a:lvl8pPr marL="3199440" indent="0">
               <a:buNone/>
               <a:defRPr sz="1000"/>
             </a:lvl8pPr>
-            <a:lvl9pPr marL="3657600" indent="0">
+            <a:lvl9pPr marL="3656503" indent="0">
               <a:buNone/>
               <a:defRPr sz="1000"/>
             </a:lvl9pPr>
@@ -2821,13 +5011,7 @@
       </p:sp>
       <p:sp>
         <p:nvSpPr>
-          <p:cNvPr id="5" name="Date Placeholder 4">
-            <a:extLst>
-              <a:ext uri="{FF2B5EF4-FFF2-40B4-BE49-F238E27FC236}">
-                <a16:creationId xmlns:a16="http://schemas.microsoft.com/office/drawing/2014/main" id="{C0181ADE-F531-4909-BFB1-EEC3CCF3FCDE}"/>
-              </a:ext>
-            </a:extLst>
-          </p:cNvPr>
+          <p:cNvPr id="5" name="Date Placeholder 4"/>
           <p:cNvSpPr>
             <a:spLocks noGrp="1"/>
           </p:cNvSpPr>
@@ -2850,13 +5034,7 @@
       </p:sp>
       <p:sp>
         <p:nvSpPr>
-          <p:cNvPr id="6" name="Footer Placeholder 5">
-            <a:extLst>
-              <a:ext uri="{FF2B5EF4-FFF2-40B4-BE49-F238E27FC236}">
-                <a16:creationId xmlns:a16="http://schemas.microsoft.com/office/drawing/2014/main" id="{343CDD5F-5786-44AD-955F-C43BF7156393}"/>
-              </a:ext>
-            </a:extLst>
-          </p:cNvPr>
+          <p:cNvPr id="6" name="Footer Placeholder 5"/>
           <p:cNvSpPr>
             <a:spLocks noGrp="1"/>
           </p:cNvSpPr>
@@ -2875,13 +5053,7 @@
       </p:sp>
       <p:sp>
         <p:nvSpPr>
-          <p:cNvPr id="7" name="Slide Number Placeholder 6">
-            <a:extLst>
-              <a:ext uri="{FF2B5EF4-FFF2-40B4-BE49-F238E27FC236}">
-                <a16:creationId xmlns:a16="http://schemas.microsoft.com/office/drawing/2014/main" id="{622A77E1-970D-41AE-AC76-12DEE231119A}"/>
-              </a:ext>
-            </a:extLst>
-          </p:cNvPr>
+          <p:cNvPr id="7" name="Slide Number Placeholder 6"/>
           <p:cNvSpPr>
             <a:spLocks noGrp="1"/>
           </p:cNvSpPr>
@@ -2905,7 +5077,7 @@
     </p:spTree>
     <p:extLst>
       <p:ext uri="{BB962C8B-B14F-4D97-AF65-F5344CB8AC3E}">
-        <p14:creationId xmlns:p14="http://schemas.microsoft.com/office/powerpoint/2010/main" val="2765580297"/>
+        <p14:creationId xmlns:p14="http://schemas.microsoft.com/office/powerpoint/2010/main" val="3285732534"/>
       </p:ext>
     </p:extLst>
   </p:cSld>
@@ -2934,13 +5106,7 @@
       </p:grpSpPr>
       <p:sp>
         <p:nvSpPr>
-          <p:cNvPr id="2" name="Title 1">
-            <a:extLst>
-              <a:ext uri="{FF2B5EF4-FFF2-40B4-BE49-F238E27FC236}">
-                <a16:creationId xmlns:a16="http://schemas.microsoft.com/office/drawing/2014/main" id="{8F98242F-9B22-4A7F-A141-3E233A3A6F74}"/>
-              </a:ext>
-            </a:extLst>
-          </p:cNvPr>
+          <p:cNvPr id="2" name="Title 1"/>
           <p:cNvSpPr>
             <a:spLocks noGrp="1"/>
           </p:cNvSpPr>
@@ -2950,15 +5116,17 @@
         </p:nvSpPr>
         <p:spPr>
           <a:xfrm>
-            <a:off x="839788" y="457200"/>
-            <a:ext cx="3932237" cy="1600200"/>
+            <a:off x="677334" y="4800600"/>
+            <a:ext cx="8596667" cy="566738"/>
           </a:xfrm>
         </p:spPr>
         <p:txBody>
-          <a:bodyPr anchor="b"/>
+          <a:bodyPr anchor="b">
+            <a:normAutofit/>
+          </a:bodyPr>
           <a:lstStyle>
-            <a:lvl1pPr>
-              <a:defRPr sz="3200"/>
+            <a:lvl1pPr algn="l">
+              <a:defRPr sz="2400" b="0"/>
             </a:lvl1pPr>
           </a:lstStyle>
           <a:p>
@@ -2966,20 +5134,15 @@
               <a:rPr lang="en-US"/>
               <a:t>Click to edit Master title style</a:t>
             </a:r>
-          </a:p>
-        </p:txBody>
-      </p:sp>
-      <p:sp>
-        <p:nvSpPr>
-          <p:cNvPr id="3" name="Picture Placeholder 2">
-            <a:extLst>
-              <a:ext uri="{FF2B5EF4-FFF2-40B4-BE49-F238E27FC236}">
-                <a16:creationId xmlns:a16="http://schemas.microsoft.com/office/drawing/2014/main" id="{F4A7C471-F78A-40E7-9BF9-6E622294781C}"/>
-              </a:ext>
-            </a:extLst>
-          </p:cNvPr>
-          <p:cNvSpPr>
-            <a:spLocks noGrp="1"/>
+            <a:endParaRPr lang="en-US" dirty="0"/>
+          </a:p>
+        </p:txBody>
+      </p:sp>
+      <p:sp>
+        <p:nvSpPr>
+          <p:cNvPr id="3" name="Picture Placeholder 2"/>
+          <p:cNvSpPr>
+            <a:spLocks noGrp="1" noChangeAspect="1"/>
           </p:cNvSpPr>
           <p:nvPr>
             <p:ph type="pic" idx="1"/>
@@ -2987,118 +5150,120 @@
         </p:nvSpPr>
         <p:spPr>
           <a:xfrm>
-            <a:off x="5183188" y="987425"/>
-            <a:ext cx="6172200" cy="4873625"/>
+            <a:off x="677334" y="609600"/>
+            <a:ext cx="8596668" cy="3845718"/>
           </a:xfrm>
         </p:spPr>
         <p:txBody>
-          <a:bodyPr/>
+          <a:bodyPr anchor="t">
+            <a:normAutofit/>
+          </a:bodyPr>
           <a:lstStyle>
-            <a:lvl1pPr marL="0" indent="0">
-              <a:buNone/>
-              <a:defRPr sz="3200"/>
-            </a:lvl1pPr>
-            <a:lvl2pPr marL="457200" indent="0">
-              <a:buNone/>
-              <a:defRPr sz="2800"/>
-            </a:lvl2pPr>
-            <a:lvl3pPr marL="914400" indent="0">
-              <a:buNone/>
-              <a:defRPr sz="2400"/>
-            </a:lvl3pPr>
-            <a:lvl4pPr marL="1371600" indent="0">
-              <a:buNone/>
-              <a:defRPr sz="2000"/>
-            </a:lvl4pPr>
-            <a:lvl5pPr marL="1828800" indent="0">
-              <a:buNone/>
-              <a:defRPr sz="2000"/>
-            </a:lvl5pPr>
-            <a:lvl6pPr marL="2286000" indent="0">
-              <a:buNone/>
-              <a:defRPr sz="2000"/>
-            </a:lvl6pPr>
-            <a:lvl7pPr marL="2743200" indent="0">
-              <a:buNone/>
-              <a:defRPr sz="2000"/>
-            </a:lvl7pPr>
-            <a:lvl8pPr marL="3200400" indent="0">
-              <a:buNone/>
-              <a:defRPr sz="2000"/>
-            </a:lvl8pPr>
-            <a:lvl9pPr marL="3657600" indent="0">
-              <a:buNone/>
-              <a:defRPr sz="2000"/>
-            </a:lvl9pPr>
-          </a:lstStyle>
-          <a:p>
-            <a:endParaRPr lang="en-US"/>
-          </a:p>
-        </p:txBody>
-      </p:sp>
-      <p:sp>
-        <p:nvSpPr>
-          <p:cNvPr id="4" name="Text Placeholder 3">
-            <a:extLst>
-              <a:ext uri="{FF2B5EF4-FFF2-40B4-BE49-F238E27FC236}">
-                <a16:creationId xmlns:a16="http://schemas.microsoft.com/office/drawing/2014/main" id="{4E947567-018A-4AB3-BA99-AE8256A177E5}"/>
-              </a:ext>
-            </a:extLst>
-          </p:cNvPr>
-          <p:cNvSpPr>
-            <a:spLocks noGrp="1"/>
-          </p:cNvSpPr>
-          <p:nvPr>
-            <p:ph type="body" sz="half" idx="2"/>
-          </p:nvPr>
-        </p:nvSpPr>
-        <p:spPr>
-          <a:xfrm>
-            <a:off x="839788" y="2057400"/>
-            <a:ext cx="3932237" cy="3811588"/>
-          </a:xfrm>
-        </p:spPr>
-        <p:txBody>
-          <a:bodyPr/>
-          <a:lstStyle>
-            <a:lvl1pPr marL="0" indent="0">
+            <a:lvl1pPr marL="0" indent="0" algn="ctr">
               <a:buNone/>
               <a:defRPr sz="1600"/>
             </a:lvl1pPr>
             <a:lvl2pPr marL="457200" indent="0">
               <a:buNone/>
-              <a:defRPr sz="1400"/>
+              <a:defRPr sz="1600"/>
             </a:lvl2pPr>
             <a:lvl3pPr marL="914400" indent="0">
               <a:buNone/>
-              <a:defRPr sz="1200"/>
+              <a:defRPr sz="1600"/>
             </a:lvl3pPr>
             <a:lvl4pPr marL="1371600" indent="0">
               <a:buNone/>
-              <a:defRPr sz="1000"/>
+              <a:defRPr sz="1600"/>
             </a:lvl4pPr>
             <a:lvl5pPr marL="1828800" indent="0">
               <a:buNone/>
-              <a:defRPr sz="1000"/>
+              <a:defRPr sz="1600"/>
             </a:lvl5pPr>
             <a:lvl6pPr marL="2286000" indent="0">
               <a:buNone/>
-              <a:defRPr sz="1000"/>
+              <a:defRPr sz="1600"/>
             </a:lvl6pPr>
             <a:lvl7pPr marL="2743200" indent="0">
               <a:buNone/>
-              <a:defRPr sz="1000"/>
+              <a:defRPr sz="1600"/>
             </a:lvl7pPr>
             <a:lvl8pPr marL="3200400" indent="0">
               <a:buNone/>
-              <a:defRPr sz="1000"/>
+              <a:defRPr sz="1600"/>
             </a:lvl8pPr>
             <a:lvl9pPr marL="3657600" indent="0">
               <a:buNone/>
-              <a:defRPr sz="1000"/>
+              <a:defRPr sz="1600"/>
             </a:lvl9pPr>
           </a:lstStyle>
           <a:p>
+            <a:r>
+              <a:rPr lang="en-US"/>
+              <a:t>Click icon to add picture</a:t>
+            </a:r>
+            <a:endParaRPr lang="en-US" dirty="0"/>
+          </a:p>
+        </p:txBody>
+      </p:sp>
+      <p:sp>
+        <p:nvSpPr>
+          <p:cNvPr id="4" name="Text Placeholder 3"/>
+          <p:cNvSpPr>
+            <a:spLocks noGrp="1"/>
+          </p:cNvSpPr>
+          <p:nvPr>
+            <p:ph type="body" sz="half" idx="2"/>
+          </p:nvPr>
+        </p:nvSpPr>
+        <p:spPr>
+          <a:xfrm>
+            <a:off x="677334" y="5367338"/>
+            <a:ext cx="8596667" cy="674024"/>
+          </a:xfrm>
+        </p:spPr>
+        <p:txBody>
+          <a:bodyPr>
+            <a:normAutofit/>
+          </a:bodyPr>
+          <a:lstStyle>
+            <a:lvl1pPr marL="0" indent="0">
+              <a:buNone/>
+              <a:defRPr sz="1200"/>
+            </a:lvl1pPr>
+            <a:lvl2pPr marL="457200" indent="0">
+              <a:buNone/>
+              <a:defRPr sz="1200"/>
+            </a:lvl2pPr>
+            <a:lvl3pPr marL="914400" indent="0">
+              <a:buNone/>
+              <a:defRPr sz="1000"/>
+            </a:lvl3pPr>
+            <a:lvl4pPr marL="1371600" indent="0">
+              <a:buNone/>
+              <a:defRPr sz="900"/>
+            </a:lvl4pPr>
+            <a:lvl5pPr marL="1828800" indent="0">
+              <a:buNone/>
+              <a:defRPr sz="900"/>
+            </a:lvl5pPr>
+            <a:lvl6pPr marL="2286000" indent="0">
+              <a:buNone/>
+              <a:defRPr sz="900"/>
+            </a:lvl6pPr>
+            <a:lvl7pPr marL="2743200" indent="0">
+              <a:buNone/>
+              <a:defRPr sz="900"/>
+            </a:lvl7pPr>
+            <a:lvl8pPr marL="3200400" indent="0">
+              <a:buNone/>
+              <a:defRPr sz="900"/>
+            </a:lvl8pPr>
+            <a:lvl9pPr marL="3657600" indent="0">
+              <a:buNone/>
+              <a:defRPr sz="900"/>
+            </a:lvl9pPr>
+          </a:lstStyle>
+          <a:p>
             <a:pPr lvl="0"/>
             <a:r>
               <a:rPr lang="en-US"/>
@@ -3109,13 +5274,7 @@
       </p:sp>
       <p:sp>
         <p:nvSpPr>
-          <p:cNvPr id="5" name="Date Placeholder 4">
-            <a:extLst>
-              <a:ext uri="{FF2B5EF4-FFF2-40B4-BE49-F238E27FC236}">
-                <a16:creationId xmlns:a16="http://schemas.microsoft.com/office/drawing/2014/main" id="{961ACD78-CE7D-4B2E-B300-45ACCDD5BF0C}"/>
-              </a:ext>
-            </a:extLst>
-          </p:cNvPr>
+          <p:cNvPr id="5" name="Date Placeholder 4"/>
           <p:cNvSpPr>
             <a:spLocks noGrp="1"/>
           </p:cNvSpPr>
@@ -3138,13 +5297,7 @@
       </p:sp>
       <p:sp>
         <p:nvSpPr>
-          <p:cNvPr id="6" name="Footer Placeholder 5">
-            <a:extLst>
-              <a:ext uri="{FF2B5EF4-FFF2-40B4-BE49-F238E27FC236}">
-                <a16:creationId xmlns:a16="http://schemas.microsoft.com/office/drawing/2014/main" id="{ECD3730D-BEBF-4541-B6BB-66285319B3B1}"/>
-              </a:ext>
-            </a:extLst>
-          </p:cNvPr>
+          <p:cNvPr id="6" name="Footer Placeholder 5"/>
           <p:cNvSpPr>
             <a:spLocks noGrp="1"/>
           </p:cNvSpPr>
@@ -3163,13 +5316,7 @@
       </p:sp>
       <p:sp>
         <p:nvSpPr>
-          <p:cNvPr id="7" name="Slide Number Placeholder 6">
-            <a:extLst>
-              <a:ext uri="{FF2B5EF4-FFF2-40B4-BE49-F238E27FC236}">
-                <a16:creationId xmlns:a16="http://schemas.microsoft.com/office/drawing/2014/main" id="{CDB49B2E-8911-4C62-A3E7-4017E8D894AF}"/>
-              </a:ext>
-            </a:extLst>
-          </p:cNvPr>
+          <p:cNvPr id="7" name="Slide Number Placeholder 6"/>
           <p:cNvSpPr>
             <a:spLocks noGrp="1"/>
           </p:cNvSpPr>
@@ -3193,7 +5340,7 @@
     </p:spTree>
     <p:extLst>
       <p:ext uri="{BB962C8B-B14F-4D97-AF65-F5344CB8AC3E}">
-        <p14:creationId xmlns:p14="http://schemas.microsoft.com/office/powerpoint/2010/main" val="3538027725"/>
+        <p14:creationId xmlns:p14="http://schemas.microsoft.com/office/powerpoint/2010/main" val="827773166"/>
       </p:ext>
     </p:extLst>
   </p:cSld>
@@ -3225,15 +5372,539 @@
           <a:chExt cx="0" cy="0"/>
         </a:xfrm>
       </p:grpSpPr>
-      <p:sp>
-        <p:nvSpPr>
-          <p:cNvPr id="2" name="Title Placeholder 1">
-            <a:extLst>
-              <a:ext uri="{FF2B5EF4-FFF2-40B4-BE49-F238E27FC236}">
-                <a16:creationId xmlns:a16="http://schemas.microsoft.com/office/drawing/2014/main" id="{330979E6-3B32-407B-AD2C-3634397F96EB}"/>
-              </a:ext>
-            </a:extLst>
-          </p:cNvPr>
+      <p:grpSp>
+        <p:nvGrpSpPr>
+          <p:cNvPr id="7" name="Group 6"/>
+          <p:cNvGrpSpPr/>
+          <p:nvPr/>
+        </p:nvGrpSpPr>
+        <p:grpSpPr>
+          <a:xfrm>
+            <a:off x="0" y="-8467"/>
+            <a:ext cx="12192000" cy="6866467"/>
+            <a:chOff x="0" y="-8467"/>
+            <a:chExt cx="12192000" cy="6866467"/>
+          </a:xfrm>
+        </p:grpSpPr>
+        <p:cxnSp>
+          <p:nvCxnSpPr>
+            <p:cNvPr id="20" name="Straight Connector 19"/>
+            <p:cNvCxnSpPr/>
+            <p:nvPr/>
+          </p:nvCxnSpPr>
+          <p:spPr>
+            <a:xfrm>
+              <a:off x="9371012" y="0"/>
+              <a:ext cx="1219200" cy="6858000"/>
+            </a:xfrm>
+            <a:prstGeom prst="line">
+              <a:avLst/>
+            </a:prstGeom>
+            <a:ln w="9525">
+              <a:solidFill>
+                <a:schemeClr val="bg1">
+                  <a:lumMod val="75000"/>
+                </a:schemeClr>
+              </a:solidFill>
+            </a:ln>
+          </p:spPr>
+          <p:style>
+            <a:lnRef idx="2">
+              <a:schemeClr val="accent1"/>
+            </a:lnRef>
+            <a:fillRef idx="0">
+              <a:schemeClr val="accent1"/>
+            </a:fillRef>
+            <a:effectRef idx="1">
+              <a:schemeClr val="accent1"/>
+            </a:effectRef>
+            <a:fontRef idx="minor">
+              <a:schemeClr val="tx1"/>
+            </a:fontRef>
+          </p:style>
+        </p:cxnSp>
+        <p:cxnSp>
+          <p:nvCxnSpPr>
+            <p:cNvPr id="21" name="Straight Connector 20"/>
+            <p:cNvCxnSpPr/>
+            <p:nvPr/>
+          </p:nvCxnSpPr>
+          <p:spPr>
+            <a:xfrm flipH="1">
+              <a:off x="7425267" y="3681413"/>
+              <a:ext cx="4763558" cy="3176587"/>
+            </a:xfrm>
+            <a:prstGeom prst="line">
+              <a:avLst/>
+            </a:prstGeom>
+            <a:ln w="9525">
+              <a:solidFill>
+                <a:schemeClr val="bg1">
+                  <a:lumMod val="85000"/>
+                </a:schemeClr>
+              </a:solidFill>
+            </a:ln>
+          </p:spPr>
+          <p:style>
+            <a:lnRef idx="2">
+              <a:schemeClr val="accent1"/>
+            </a:lnRef>
+            <a:fillRef idx="0">
+              <a:schemeClr val="accent1"/>
+            </a:fillRef>
+            <a:effectRef idx="1">
+              <a:schemeClr val="accent1"/>
+            </a:effectRef>
+            <a:fontRef idx="minor">
+              <a:schemeClr val="tx1"/>
+            </a:fontRef>
+          </p:style>
+        </p:cxnSp>
+        <p:sp>
+          <p:nvSpPr>
+            <p:cNvPr id="22" name="Rectangle 23"/>
+            <p:cNvSpPr/>
+            <p:nvPr/>
+          </p:nvSpPr>
+          <p:spPr>
+            <a:xfrm>
+              <a:off x="9181476" y="-8467"/>
+              <a:ext cx="3007349" cy="6866467"/>
+            </a:xfrm>
+            <a:custGeom>
+              <a:avLst/>
+              <a:gdLst/>
+              <a:ahLst/>
+              <a:cxnLst/>
+              <a:rect l="l" t="t" r="r" b="b"/>
+              <a:pathLst>
+                <a:path w="3007349" h="6866467">
+                  <a:moveTo>
+                    <a:pt x="2045532" y="0"/>
+                  </a:moveTo>
+                  <a:lnTo>
+                    <a:pt x="3007349" y="0"/>
+                  </a:lnTo>
+                  <a:lnTo>
+                    <a:pt x="3007349" y="6866467"/>
+                  </a:lnTo>
+                  <a:lnTo>
+                    <a:pt x="0" y="6866467"/>
+                  </a:lnTo>
+                  <a:lnTo>
+                    <a:pt x="2045532" y="0"/>
+                  </a:lnTo>
+                  <a:close/>
+                </a:path>
+              </a:pathLst>
+            </a:custGeom>
+            <a:solidFill>
+              <a:schemeClr val="accent1">
+                <a:alpha val="30000"/>
+              </a:schemeClr>
+            </a:solidFill>
+            <a:ln>
+              <a:noFill/>
+            </a:ln>
+            <a:effectLst/>
+          </p:spPr>
+          <p:style>
+            <a:lnRef idx="1">
+              <a:schemeClr val="accent1"/>
+            </a:lnRef>
+            <a:fillRef idx="3">
+              <a:schemeClr val="accent1"/>
+            </a:fillRef>
+            <a:effectRef idx="2">
+              <a:schemeClr val="accent1"/>
+            </a:effectRef>
+            <a:fontRef idx="minor">
+              <a:schemeClr val="lt1"/>
+            </a:fontRef>
+          </p:style>
+        </p:sp>
+        <p:sp>
+          <p:nvSpPr>
+            <p:cNvPr id="23" name="Rectangle 25"/>
+            <p:cNvSpPr/>
+            <p:nvPr/>
+          </p:nvSpPr>
+          <p:spPr>
+            <a:xfrm>
+              <a:off x="9603442" y="-8467"/>
+              <a:ext cx="2588558" cy="6866467"/>
+            </a:xfrm>
+            <a:custGeom>
+              <a:avLst/>
+              <a:gdLst/>
+              <a:ahLst/>
+              <a:cxnLst/>
+              <a:rect l="l" t="t" r="r" b="b"/>
+              <a:pathLst>
+                <a:path w="2573311" h="6866467">
+                  <a:moveTo>
+                    <a:pt x="0" y="0"/>
+                  </a:moveTo>
+                  <a:lnTo>
+                    <a:pt x="2573311" y="0"/>
+                  </a:lnTo>
+                  <a:lnTo>
+                    <a:pt x="2573311" y="6866467"/>
+                  </a:lnTo>
+                  <a:lnTo>
+                    <a:pt x="1202336" y="6866467"/>
+                  </a:lnTo>
+                  <a:lnTo>
+                    <a:pt x="0" y="0"/>
+                  </a:lnTo>
+                  <a:close/>
+                </a:path>
+              </a:pathLst>
+            </a:custGeom>
+            <a:solidFill>
+              <a:schemeClr val="accent1">
+                <a:alpha val="20000"/>
+              </a:schemeClr>
+            </a:solidFill>
+            <a:ln>
+              <a:noFill/>
+            </a:ln>
+            <a:effectLst/>
+          </p:spPr>
+          <p:style>
+            <a:lnRef idx="1">
+              <a:schemeClr val="accent1"/>
+            </a:lnRef>
+            <a:fillRef idx="3">
+              <a:schemeClr val="accent1"/>
+            </a:fillRef>
+            <a:effectRef idx="2">
+              <a:schemeClr val="accent1"/>
+            </a:effectRef>
+            <a:fontRef idx="minor">
+              <a:schemeClr val="lt1"/>
+            </a:fontRef>
+          </p:style>
+        </p:sp>
+        <p:sp>
+          <p:nvSpPr>
+            <p:cNvPr id="24" name="Isosceles Triangle 23"/>
+            <p:cNvSpPr/>
+            <p:nvPr/>
+          </p:nvSpPr>
+          <p:spPr>
+            <a:xfrm>
+              <a:off x="8932333" y="3048000"/>
+              <a:ext cx="3259667" cy="3810000"/>
+            </a:xfrm>
+            <a:prstGeom prst="triangle">
+              <a:avLst>
+                <a:gd name="adj" fmla="val 100000"/>
+              </a:avLst>
+            </a:prstGeom>
+            <a:solidFill>
+              <a:schemeClr val="accent2">
+                <a:alpha val="72000"/>
+              </a:schemeClr>
+            </a:solidFill>
+            <a:ln>
+              <a:noFill/>
+            </a:ln>
+            <a:effectLst/>
+          </p:spPr>
+          <p:style>
+            <a:lnRef idx="1">
+              <a:schemeClr val="accent1"/>
+            </a:lnRef>
+            <a:fillRef idx="3">
+              <a:schemeClr val="accent1"/>
+            </a:fillRef>
+            <a:effectRef idx="2">
+              <a:schemeClr val="accent1"/>
+            </a:effectRef>
+            <a:fontRef idx="minor">
+              <a:schemeClr val="lt1"/>
+            </a:fontRef>
+          </p:style>
+        </p:sp>
+        <p:sp>
+          <p:nvSpPr>
+            <p:cNvPr id="25" name="Rectangle 27"/>
+            <p:cNvSpPr/>
+            <p:nvPr/>
+          </p:nvSpPr>
+          <p:spPr>
+            <a:xfrm>
+              <a:off x="9334500" y="-8467"/>
+              <a:ext cx="2854326" cy="6866467"/>
+            </a:xfrm>
+            <a:custGeom>
+              <a:avLst/>
+              <a:gdLst/>
+              <a:ahLst/>
+              <a:cxnLst/>
+              <a:rect l="l" t="t" r="r" b="b"/>
+              <a:pathLst>
+                <a:path w="2858013" h="6866467">
+                  <a:moveTo>
+                    <a:pt x="0" y="0"/>
+                  </a:moveTo>
+                  <a:lnTo>
+                    <a:pt x="2858013" y="0"/>
+                  </a:lnTo>
+                  <a:lnTo>
+                    <a:pt x="2858013" y="6866467"/>
+                  </a:lnTo>
+                  <a:lnTo>
+                    <a:pt x="2473942" y="6866467"/>
+                  </a:lnTo>
+                  <a:lnTo>
+                    <a:pt x="0" y="0"/>
+                  </a:lnTo>
+                  <a:close/>
+                </a:path>
+              </a:pathLst>
+            </a:custGeom>
+            <a:solidFill>
+              <a:schemeClr val="accent2">
+                <a:lumMod val="75000"/>
+                <a:alpha val="70000"/>
+              </a:schemeClr>
+            </a:solidFill>
+            <a:ln>
+              <a:noFill/>
+            </a:ln>
+            <a:effectLst/>
+          </p:spPr>
+          <p:style>
+            <a:lnRef idx="1">
+              <a:schemeClr val="accent1"/>
+            </a:lnRef>
+            <a:fillRef idx="3">
+              <a:schemeClr val="accent1"/>
+            </a:fillRef>
+            <a:effectRef idx="2">
+              <a:schemeClr val="accent1"/>
+            </a:effectRef>
+            <a:fontRef idx="minor">
+              <a:schemeClr val="lt1"/>
+            </a:fontRef>
+          </p:style>
+        </p:sp>
+        <p:sp>
+          <p:nvSpPr>
+            <p:cNvPr id="26" name="Rectangle 28"/>
+            <p:cNvSpPr/>
+            <p:nvPr/>
+          </p:nvSpPr>
+          <p:spPr>
+            <a:xfrm>
+              <a:off x="10898730" y="-8467"/>
+              <a:ext cx="1290094" cy="6866467"/>
+            </a:xfrm>
+            <a:custGeom>
+              <a:avLst/>
+              <a:gdLst/>
+              <a:ahLst/>
+              <a:cxnLst/>
+              <a:rect l="l" t="t" r="r" b="b"/>
+              <a:pathLst>
+                <a:path w="1290094" h="6858000">
+                  <a:moveTo>
+                    <a:pt x="1019735" y="0"/>
+                  </a:moveTo>
+                  <a:lnTo>
+                    <a:pt x="1290094" y="0"/>
+                  </a:lnTo>
+                  <a:lnTo>
+                    <a:pt x="1290094" y="6858000"/>
+                  </a:lnTo>
+                  <a:lnTo>
+                    <a:pt x="0" y="6858000"/>
+                  </a:lnTo>
+                  <a:lnTo>
+                    <a:pt x="1019735" y="0"/>
+                  </a:lnTo>
+                  <a:close/>
+                </a:path>
+              </a:pathLst>
+            </a:custGeom>
+            <a:solidFill>
+              <a:schemeClr val="accent1">
+                <a:lumMod val="60000"/>
+                <a:lumOff val="40000"/>
+                <a:alpha val="70000"/>
+              </a:schemeClr>
+            </a:solidFill>
+            <a:ln>
+              <a:noFill/>
+            </a:ln>
+            <a:effectLst/>
+          </p:spPr>
+          <p:style>
+            <a:lnRef idx="1">
+              <a:schemeClr val="accent1"/>
+            </a:lnRef>
+            <a:fillRef idx="3">
+              <a:schemeClr val="accent1"/>
+            </a:fillRef>
+            <a:effectRef idx="2">
+              <a:schemeClr val="accent1"/>
+            </a:effectRef>
+            <a:fontRef idx="minor">
+              <a:schemeClr val="lt1"/>
+            </a:fontRef>
+          </p:style>
+        </p:sp>
+        <p:sp>
+          <p:nvSpPr>
+            <p:cNvPr id="27" name="Rectangle 29"/>
+            <p:cNvSpPr/>
+            <p:nvPr/>
+          </p:nvSpPr>
+          <p:spPr>
+            <a:xfrm>
+              <a:off x="10938999" y="-8467"/>
+              <a:ext cx="1249825" cy="6866467"/>
+            </a:xfrm>
+            <a:custGeom>
+              <a:avLst/>
+              <a:gdLst/>
+              <a:ahLst/>
+              <a:cxnLst/>
+              <a:rect l="l" t="t" r="r" b="b"/>
+              <a:pathLst>
+                <a:path w="1249825" h="6858000">
+                  <a:moveTo>
+                    <a:pt x="0" y="0"/>
+                  </a:moveTo>
+                  <a:lnTo>
+                    <a:pt x="1249825" y="0"/>
+                  </a:lnTo>
+                  <a:lnTo>
+                    <a:pt x="1249825" y="6858000"/>
+                  </a:lnTo>
+                  <a:lnTo>
+                    <a:pt x="1109382" y="6858000"/>
+                  </a:lnTo>
+                  <a:lnTo>
+                    <a:pt x="0" y="0"/>
+                  </a:lnTo>
+                  <a:close/>
+                </a:path>
+              </a:pathLst>
+            </a:custGeom>
+            <a:solidFill>
+              <a:schemeClr val="accent1">
+                <a:alpha val="65000"/>
+              </a:schemeClr>
+            </a:solidFill>
+            <a:ln>
+              <a:noFill/>
+            </a:ln>
+            <a:effectLst/>
+          </p:spPr>
+          <p:style>
+            <a:lnRef idx="1">
+              <a:schemeClr val="accent1"/>
+            </a:lnRef>
+            <a:fillRef idx="3">
+              <a:schemeClr val="accent1"/>
+            </a:fillRef>
+            <a:effectRef idx="2">
+              <a:schemeClr val="accent1"/>
+            </a:effectRef>
+            <a:fontRef idx="minor">
+              <a:schemeClr val="lt1"/>
+            </a:fontRef>
+          </p:style>
+        </p:sp>
+        <p:sp>
+          <p:nvSpPr>
+            <p:cNvPr id="28" name="Isosceles Triangle 27"/>
+            <p:cNvSpPr/>
+            <p:nvPr/>
+          </p:nvSpPr>
+          <p:spPr>
+            <a:xfrm>
+              <a:off x="10371666" y="3589867"/>
+              <a:ext cx="1817159" cy="3268133"/>
+            </a:xfrm>
+            <a:prstGeom prst="triangle">
+              <a:avLst>
+                <a:gd name="adj" fmla="val 100000"/>
+              </a:avLst>
+            </a:prstGeom>
+            <a:solidFill>
+              <a:schemeClr val="accent1">
+                <a:alpha val="80000"/>
+              </a:schemeClr>
+            </a:solidFill>
+            <a:ln>
+              <a:noFill/>
+            </a:ln>
+            <a:effectLst/>
+          </p:spPr>
+          <p:style>
+            <a:lnRef idx="1">
+              <a:schemeClr val="accent1"/>
+            </a:lnRef>
+            <a:fillRef idx="3">
+              <a:schemeClr val="accent1"/>
+            </a:fillRef>
+            <a:effectRef idx="2">
+              <a:schemeClr val="accent1"/>
+            </a:effectRef>
+            <a:fontRef idx="minor">
+              <a:schemeClr val="lt1"/>
+            </a:fontRef>
+          </p:style>
+        </p:sp>
+        <p:sp>
+          <p:nvSpPr>
+            <p:cNvPr id="29" name="Isosceles Triangle 28"/>
+            <p:cNvSpPr/>
+            <p:nvPr/>
+          </p:nvSpPr>
+          <p:spPr>
+            <a:xfrm>
+              <a:off x="0" y="4013200"/>
+              <a:ext cx="448733" cy="2844800"/>
+            </a:xfrm>
+            <a:prstGeom prst="triangle">
+              <a:avLst>
+                <a:gd name="adj" fmla="val 0"/>
+              </a:avLst>
+            </a:prstGeom>
+            <a:solidFill>
+              <a:schemeClr val="accent1">
+                <a:alpha val="85000"/>
+              </a:schemeClr>
+            </a:solidFill>
+            <a:ln>
+              <a:noFill/>
+            </a:ln>
+            <a:effectLst/>
+          </p:spPr>
+          <p:style>
+            <a:lnRef idx="1">
+              <a:schemeClr val="accent1"/>
+            </a:lnRef>
+            <a:fillRef idx="3">
+              <a:schemeClr val="accent1"/>
+            </a:fillRef>
+            <a:effectRef idx="2">
+              <a:schemeClr val="accent1"/>
+            </a:effectRef>
+            <a:fontRef idx="minor">
+              <a:schemeClr val="lt1"/>
+            </a:fontRef>
+          </p:style>
+        </p:sp>
+      </p:grpSp>
+      <p:sp>
+        <p:nvSpPr>
+          <p:cNvPr id="2" name="Title Placeholder 1"/>
           <p:cNvSpPr>
             <a:spLocks noGrp="1"/>
           </p:cNvSpPr>
@@ -3243,15 +5914,15 @@
         </p:nvSpPr>
         <p:spPr>
           <a:xfrm>
-            <a:off x="838200" y="365125"/>
-            <a:ext cx="10515600" cy="1325563"/>
+            <a:off x="677334" y="609600"/>
+            <a:ext cx="8596668" cy="1320800"/>
           </a:xfrm>
           <a:prstGeom prst="rect">
             <a:avLst/>
           </a:prstGeom>
         </p:spPr>
         <p:txBody>
-          <a:bodyPr vert="horz" lIns="91440" tIns="45720" rIns="91440" bIns="45720" rtlCol="0" anchor="ctr">
+          <a:bodyPr vert="horz" lIns="91440" tIns="45720" rIns="91440" bIns="45720" rtlCol="0" anchor="t">
             <a:normAutofit/>
           </a:bodyPr>
           <a:lstStyle/>
@@ -3260,18 +5931,13 @@
               <a:rPr lang="en-US"/>
               <a:t>Click to edit Master title style</a:t>
             </a:r>
-          </a:p>
-        </p:txBody>
-      </p:sp>
-      <p:sp>
-        <p:nvSpPr>
-          <p:cNvPr id="3" name="Text Placeholder 2">
-            <a:extLst>
-              <a:ext uri="{FF2B5EF4-FFF2-40B4-BE49-F238E27FC236}">
-                <a16:creationId xmlns:a16="http://schemas.microsoft.com/office/drawing/2014/main" id="{09C585CD-CAE7-40E2-8D01-CCFCE770505D}"/>
-              </a:ext>
-            </a:extLst>
-          </p:cNvPr>
+            <a:endParaRPr lang="en-US" dirty="0"/>
+          </a:p>
+        </p:txBody>
+      </p:sp>
+      <p:sp>
+        <p:nvSpPr>
+          <p:cNvPr id="3" name="Text Placeholder 2"/>
           <p:cNvSpPr>
             <a:spLocks noGrp="1"/>
           </p:cNvSpPr>
@@ -3281,8 +5947,8 @@
         </p:nvSpPr>
         <p:spPr>
           <a:xfrm>
-            <a:off x="838200" y="1825625"/>
-            <a:ext cx="10515600" cy="4351338"/>
+            <a:off x="677334" y="2160589"/>
+            <a:ext cx="8596668" cy="3880773"/>
           </a:xfrm>
           <a:prstGeom prst="rect">
             <a:avLst/>
@@ -3327,18 +5993,13 @@
               <a:rPr lang="en-US"/>
               <a:t>Fifth level</a:t>
             </a:r>
-          </a:p>
-        </p:txBody>
-      </p:sp>
-      <p:sp>
-        <p:nvSpPr>
-          <p:cNvPr id="4" name="Date Placeholder 3">
-            <a:extLst>
-              <a:ext uri="{FF2B5EF4-FFF2-40B4-BE49-F238E27FC236}">
-                <a16:creationId xmlns:a16="http://schemas.microsoft.com/office/drawing/2014/main" id="{F6B39A1B-EB1D-401A-972C-97443ADE46FA}"/>
-              </a:ext>
-            </a:extLst>
-          </p:cNvPr>
+            <a:endParaRPr lang="en-US" dirty="0"/>
+          </a:p>
+        </p:txBody>
+      </p:sp>
+      <p:sp>
+        <p:nvSpPr>
+          <p:cNvPr id="4" name="Date Placeholder 3"/>
           <p:cNvSpPr>
             <a:spLocks noGrp="1"/>
           </p:cNvSpPr>
@@ -3348,8 +6009,8 @@
         </p:nvSpPr>
         <p:spPr>
           <a:xfrm>
-            <a:off x="838200" y="6356350"/>
-            <a:ext cx="2743200" cy="365125"/>
+            <a:off x="7205133" y="6041362"/>
+            <a:ext cx="911939" cy="365125"/>
           </a:xfrm>
           <a:prstGeom prst="rect">
             <a:avLst/>
@@ -3358,8 +6019,8 @@
         <p:txBody>
           <a:bodyPr vert="horz" lIns="91440" tIns="45720" rIns="91440" bIns="45720" rtlCol="0" anchor="ctr"/>
           <a:lstStyle>
-            <a:lvl1pPr algn="l">
-              <a:defRPr sz="1200">
+            <a:lvl1pPr algn="r">
+              <a:defRPr sz="900">
                 <a:solidFill>
                   <a:schemeClr val="tx1">
                     <a:tint val="75000"/>
@@ -3379,13 +6040,7 @@
       </p:sp>
       <p:sp>
         <p:nvSpPr>
-          <p:cNvPr id="5" name="Footer Placeholder 4">
-            <a:extLst>
-              <a:ext uri="{FF2B5EF4-FFF2-40B4-BE49-F238E27FC236}">
-                <a16:creationId xmlns:a16="http://schemas.microsoft.com/office/drawing/2014/main" id="{A9E563EB-6E56-47F7-BBED-EA76ED0289F6}"/>
-              </a:ext>
-            </a:extLst>
-          </p:cNvPr>
+          <p:cNvPr id="5" name="Footer Placeholder 4"/>
           <p:cNvSpPr>
             <a:spLocks noGrp="1"/>
           </p:cNvSpPr>
@@ -3395,8 +6050,8 @@
         </p:nvSpPr>
         <p:spPr>
           <a:xfrm>
-            <a:off x="4038600" y="6356350"/>
-            <a:ext cx="4114800" cy="365125"/>
+            <a:off x="677334" y="6041362"/>
+            <a:ext cx="6297612" cy="365125"/>
           </a:xfrm>
           <a:prstGeom prst="rect">
             <a:avLst/>
@@ -3405,8 +6060,8 @@
         <p:txBody>
           <a:bodyPr vert="horz" lIns="91440" tIns="45720" rIns="91440" bIns="45720" rtlCol="0" anchor="ctr"/>
           <a:lstStyle>
-            <a:lvl1pPr algn="ctr">
-              <a:defRPr sz="1200">
+            <a:lvl1pPr algn="l">
+              <a:defRPr sz="900">
                 <a:solidFill>
                   <a:schemeClr val="tx1">
                     <a:tint val="75000"/>
@@ -3422,13 +6077,7 @@
       </p:sp>
       <p:sp>
         <p:nvSpPr>
-          <p:cNvPr id="6" name="Slide Number Placeholder 5">
-            <a:extLst>
-              <a:ext uri="{FF2B5EF4-FFF2-40B4-BE49-F238E27FC236}">
-                <a16:creationId xmlns:a16="http://schemas.microsoft.com/office/drawing/2014/main" id="{4B06B843-05EA-41F5-8815-ED6BF620EAA8}"/>
-              </a:ext>
-            </a:extLst>
-          </p:cNvPr>
+          <p:cNvPr id="6" name="Slide Number Placeholder 5"/>
           <p:cNvSpPr>
             <a:spLocks noGrp="1"/>
           </p:cNvSpPr>
@@ -3438,8 +6087,8 @@
         </p:nvSpPr>
         <p:spPr>
           <a:xfrm>
-            <a:off x="8610600" y="6356350"/>
-            <a:ext cx="2743200" cy="365125"/>
+            <a:off x="8590663" y="6041362"/>
+            <a:ext cx="683339" cy="365125"/>
           </a:xfrm>
           <a:prstGeom prst="rect">
             <a:avLst/>
@@ -3449,11 +6098,9 @@
           <a:bodyPr vert="horz" lIns="91440" tIns="45720" rIns="91440" bIns="45720" rtlCol="0" anchor="ctr"/>
           <a:lstStyle>
             <a:lvl1pPr algn="r">
-              <a:defRPr sz="1200">
+              <a:defRPr sz="900">
                 <a:solidFill>
-                  <a:schemeClr val="tx1">
-                    <a:tint val="75000"/>
-                  </a:schemeClr>
+                  <a:schemeClr val="accent1"/>
                 </a:solidFill>
               </a:defRPr>
             </a:lvl1pPr>
@@ -3467,252 +6114,325 @@
           </a:p>
         </p:txBody>
       </p:sp>
-      <p:sp>
-        <p:nvSpPr>
-          <p:cNvPr id="7" name="MSIPCMContentMarking" descr="{&quot;HashCode&quot;:135238423,&quot;Placement&quot;:&quot;Footer&quot;,&quot;Top&quot;:519.343,&quot;Left&quot;:0.0,&quot;SlideWidth&quot;:960,&quot;SlideHeight&quot;:540}">
-            <a:extLst>
-              <a:ext uri="{FF2B5EF4-FFF2-40B4-BE49-F238E27FC236}">
-                <a16:creationId xmlns:a16="http://schemas.microsoft.com/office/drawing/2014/main" id="{CF26DB84-3C03-45CE-A691-C689BD240F32}"/>
-              </a:ext>
-            </a:extLst>
-          </p:cNvPr>
-          <p:cNvSpPr txBox="1"/>
-          <p:nvPr userDrawn="1"/>
-        </p:nvSpPr>
-        <p:spPr>
-          <a:xfrm>
-            <a:off x="0" y="6595656"/>
-            <a:ext cx="1882256" cy="262344"/>
-          </a:xfrm>
-          <a:prstGeom prst="rect">
-            <a:avLst/>
-          </a:prstGeom>
-          <a:noFill/>
-        </p:spPr>
-        <p:txBody>
-          <a:bodyPr vert="horz" wrap="square" lIns="0" tIns="0" rIns="0" bIns="0" rtlCol="0" anchor="ctr" anchorCtr="1">
-            <a:spAutoFit/>
-          </a:bodyPr>
-          <a:lstStyle/>
-          <a:p>
-            <a:pPr algn="l">
-              <a:spcBef>
-                <a:spcPts val="0"/>
-              </a:spcBef>
-              <a:spcAft>
-                <a:spcPts val="0"/>
-              </a:spcAft>
-            </a:pPr>
-            <a:r>
-              <a:rPr lang="en-US" sz="1000">
-                <a:solidFill>
-                  <a:srgbClr val="737373"/>
-                </a:solidFill>
-                <a:latin typeface="Calibri" panose="020F0502020204030204" pitchFamily="34" charset="0"/>
-              </a:rPr>
-              <a:t>Caterpillar: Confidential Green</a:t>
-            </a:r>
-          </a:p>
-        </p:txBody>
-      </p:sp>
     </p:spTree>
     <p:extLst>
       <p:ext uri="{BB962C8B-B14F-4D97-AF65-F5344CB8AC3E}">
-        <p14:creationId xmlns:p14="http://schemas.microsoft.com/office/powerpoint/2010/main" val="1076473563"/>
+        <p14:creationId xmlns:p14="http://schemas.microsoft.com/office/powerpoint/2010/main" val="3243189390"/>
       </p:ext>
     </p:extLst>
   </p:cSld>
   <p:clrMap bg1="lt1" tx1="dk1" bg2="lt2" tx2="dk2" accent1="accent1" accent2="accent2" accent3="accent3" accent4="accent4" accent5="accent5" accent6="accent6" hlink="hlink" folHlink="folHlink"/>
   <p:sldLayoutIdLst>
-    <p:sldLayoutId id="2147483649" r:id="rId1"/>
-    <p:sldLayoutId id="2147483650" r:id="rId2"/>
-    <p:sldLayoutId id="2147483651" r:id="rId3"/>
-    <p:sldLayoutId id="2147483652" r:id="rId4"/>
-    <p:sldLayoutId id="2147483653" r:id="rId5"/>
-    <p:sldLayoutId id="2147483654" r:id="rId6"/>
-    <p:sldLayoutId id="2147483655" r:id="rId7"/>
-    <p:sldLayoutId id="2147483656" r:id="rId8"/>
-    <p:sldLayoutId id="2147483657" r:id="rId9"/>
-    <p:sldLayoutId id="2147483658" r:id="rId10"/>
-    <p:sldLayoutId id="2147483659" r:id="rId11"/>
+    <p:sldLayoutId id="2147483661" r:id="rId1"/>
+    <p:sldLayoutId id="2147483662" r:id="rId2"/>
+    <p:sldLayoutId id="2147483663" r:id="rId3"/>
+    <p:sldLayoutId id="2147483664" r:id="rId4"/>
+    <p:sldLayoutId id="2147483665" r:id="rId5"/>
+    <p:sldLayoutId id="2147483666" r:id="rId6"/>
+    <p:sldLayoutId id="2147483667" r:id="rId7"/>
+    <p:sldLayoutId id="2147483668" r:id="rId8"/>
+    <p:sldLayoutId id="2147483669" r:id="rId9"/>
+    <p:sldLayoutId id="2147483670" r:id="rId10"/>
+    <p:sldLayoutId id="2147483671" r:id="rId11"/>
+    <p:sldLayoutId id="2147483672" r:id="rId12"/>
+    <p:sldLayoutId id="2147483673" r:id="rId13"/>
+    <p:sldLayoutId id="2147483674" r:id="rId14"/>
+    <p:sldLayoutId id="2147483675" r:id="rId15"/>
+    <p:sldLayoutId id="2147483676" r:id="rId16"/>
   </p:sldLayoutIdLst>
   <p:txStyles>
     <p:titleStyle>
-      <a:lvl1pPr algn="l" defTabSz="914400" rtl="0" eaLnBrk="1" latinLnBrk="0" hangingPunct="1">
-        <a:lnSpc>
-          <a:spcPct val="90000"/>
-        </a:lnSpc>
+      <a:lvl1pPr algn="l" defTabSz="457200" rtl="0" eaLnBrk="1" latinLnBrk="0" hangingPunct="1">
         <a:spcBef>
           <a:spcPct val="0"/>
         </a:spcBef>
         <a:buNone/>
-        <a:defRPr sz="4400" kern="1200">
+        <a:defRPr sz="3600" kern="1200">
           <a:solidFill>
-            <a:schemeClr val="tx1"/>
+            <a:schemeClr val="accent1"/>
           </a:solidFill>
           <a:latin typeface="+mj-lt"/>
           <a:ea typeface="+mj-ea"/>
           <a:cs typeface="+mj-cs"/>
         </a:defRPr>
       </a:lvl1pPr>
+      <a:lvl2pPr eaLnBrk="1" hangingPunct="1">
+        <a:defRPr>
+          <a:solidFill>
+            <a:schemeClr val="tx2"/>
+          </a:solidFill>
+        </a:defRPr>
+      </a:lvl2pPr>
+      <a:lvl3pPr eaLnBrk="1" hangingPunct="1">
+        <a:defRPr>
+          <a:solidFill>
+            <a:schemeClr val="tx2"/>
+          </a:solidFill>
+        </a:defRPr>
+      </a:lvl3pPr>
+      <a:lvl4pPr eaLnBrk="1" hangingPunct="1">
+        <a:defRPr>
+          <a:solidFill>
+            <a:schemeClr val="tx2"/>
+          </a:solidFill>
+        </a:defRPr>
+      </a:lvl4pPr>
+      <a:lvl5pPr eaLnBrk="1" hangingPunct="1">
+        <a:defRPr>
+          <a:solidFill>
+            <a:schemeClr val="tx2"/>
+          </a:solidFill>
+        </a:defRPr>
+      </a:lvl5pPr>
+      <a:lvl6pPr eaLnBrk="1" hangingPunct="1">
+        <a:defRPr>
+          <a:solidFill>
+            <a:schemeClr val="tx2"/>
+          </a:solidFill>
+        </a:defRPr>
+      </a:lvl6pPr>
+      <a:lvl7pPr eaLnBrk="1" hangingPunct="1">
+        <a:defRPr>
+          <a:solidFill>
+            <a:schemeClr val="tx2"/>
+          </a:solidFill>
+        </a:defRPr>
+      </a:lvl7pPr>
+      <a:lvl8pPr eaLnBrk="1" hangingPunct="1">
+        <a:defRPr>
+          <a:solidFill>
+            <a:schemeClr val="tx2"/>
+          </a:solidFill>
+        </a:defRPr>
+      </a:lvl8pPr>
+      <a:lvl9pPr eaLnBrk="1" hangingPunct="1">
+        <a:defRPr>
+          <a:solidFill>
+            <a:schemeClr val="tx2"/>
+          </a:solidFill>
+        </a:defRPr>
+      </a:lvl9pPr>
     </p:titleStyle>
     <p:bodyStyle>
-      <a:lvl1pPr marL="228600" indent="-228600" algn="l" defTabSz="914400" rtl="0" eaLnBrk="1" latinLnBrk="0" hangingPunct="1">
-        <a:lnSpc>
-          <a:spcPct val="90000"/>
-        </a:lnSpc>
+      <a:lvl1pPr marL="342900" indent="-342900" algn="l" defTabSz="457200" rtl="0" eaLnBrk="1" latinLnBrk="0" hangingPunct="1">
         <a:spcBef>
           <a:spcPts val="1000"/>
         </a:spcBef>
-        <a:buFont typeface="Arial" panose="020B0604020202020204" pitchFamily="34" charset="0"/>
-        <a:buChar char="•"/>
-        <a:defRPr sz="2800" kern="1200">
+        <a:spcAft>
+          <a:spcPts val="0"/>
+        </a:spcAft>
+        <a:buClr>
+          <a:schemeClr val="accent1"/>
+        </a:buClr>
+        <a:buSzPct val="80000"/>
+        <a:buFont typeface="Wingdings 3" charset="2"/>
+        <a:buChar char=""/>
+        <a:defRPr sz="1800" kern="1200">
           <a:solidFill>
-            <a:schemeClr val="tx1"/>
+            <a:schemeClr val="tx1">
+              <a:lumMod val="75000"/>
+              <a:lumOff val="25000"/>
+            </a:schemeClr>
           </a:solidFill>
           <a:latin typeface="+mn-lt"/>
           <a:ea typeface="+mn-ea"/>
           <a:cs typeface="+mn-cs"/>
         </a:defRPr>
       </a:lvl1pPr>
-      <a:lvl2pPr marL="685800" indent="-228600" algn="l" defTabSz="914400" rtl="0" eaLnBrk="1" latinLnBrk="0" hangingPunct="1">
-        <a:lnSpc>
-          <a:spcPct val="90000"/>
-        </a:lnSpc>
+      <a:lvl2pPr marL="742950" indent="-285750" algn="l" defTabSz="457200" rtl="0" eaLnBrk="1" latinLnBrk="0" hangingPunct="1">
         <a:spcBef>
-          <a:spcPts val="500"/>
+          <a:spcPts val="1000"/>
         </a:spcBef>
-        <a:buFont typeface="Arial" panose="020B0604020202020204" pitchFamily="34" charset="0"/>
-        <a:buChar char="•"/>
-        <a:defRPr sz="2400" kern="1200">
+        <a:spcAft>
+          <a:spcPts val="0"/>
+        </a:spcAft>
+        <a:buClr>
+          <a:schemeClr val="accent1"/>
+        </a:buClr>
+        <a:buSzPct val="80000"/>
+        <a:buFont typeface="Wingdings 3" charset="2"/>
+        <a:buChar char=""/>
+        <a:defRPr sz="1600" kern="1200">
           <a:solidFill>
-            <a:schemeClr val="tx1"/>
+            <a:schemeClr val="tx1">
+              <a:lumMod val="75000"/>
+              <a:lumOff val="25000"/>
+            </a:schemeClr>
           </a:solidFill>
           <a:latin typeface="+mn-lt"/>
           <a:ea typeface="+mn-ea"/>
           <a:cs typeface="+mn-cs"/>
         </a:defRPr>
       </a:lvl2pPr>
-      <a:lvl3pPr marL="1143000" indent="-228600" algn="l" defTabSz="914400" rtl="0" eaLnBrk="1" latinLnBrk="0" hangingPunct="1">
-        <a:lnSpc>
-          <a:spcPct val="90000"/>
-        </a:lnSpc>
+      <a:lvl3pPr marL="1143000" indent="-228600" algn="l" defTabSz="457200" rtl="0" eaLnBrk="1" latinLnBrk="0" hangingPunct="1">
         <a:spcBef>
-          <a:spcPts val="500"/>
+          <a:spcPts val="1000"/>
         </a:spcBef>
-        <a:buFont typeface="Arial" panose="020B0604020202020204" pitchFamily="34" charset="0"/>
-        <a:buChar char="•"/>
-        <a:defRPr sz="2000" kern="1200">
+        <a:spcAft>
+          <a:spcPts val="0"/>
+        </a:spcAft>
+        <a:buClr>
+          <a:schemeClr val="accent1"/>
+        </a:buClr>
+        <a:buSzPct val="80000"/>
+        <a:buFont typeface="Wingdings 3" charset="2"/>
+        <a:buChar char=""/>
+        <a:defRPr sz="1400" kern="1200">
           <a:solidFill>
-            <a:schemeClr val="tx1"/>
+            <a:schemeClr val="tx1">
+              <a:lumMod val="75000"/>
+              <a:lumOff val="25000"/>
+            </a:schemeClr>
           </a:solidFill>
           <a:latin typeface="+mn-lt"/>
           <a:ea typeface="+mn-ea"/>
           <a:cs typeface="+mn-cs"/>
         </a:defRPr>
       </a:lvl3pPr>
-      <a:lvl4pPr marL="1600200" indent="-228600" algn="l" defTabSz="914400" rtl="0" eaLnBrk="1" latinLnBrk="0" hangingPunct="1">
-        <a:lnSpc>
-          <a:spcPct val="90000"/>
-        </a:lnSpc>
+      <a:lvl4pPr marL="1600200" indent="-228600" algn="l" defTabSz="457200" rtl="0" eaLnBrk="1" latinLnBrk="0" hangingPunct="1">
         <a:spcBef>
-          <a:spcPts val="500"/>
+          <a:spcPts val="1000"/>
         </a:spcBef>
-        <a:buFont typeface="Arial" panose="020B0604020202020204" pitchFamily="34" charset="0"/>
-        <a:buChar char="•"/>
-        <a:defRPr sz="1800" kern="1200">
+        <a:spcAft>
+          <a:spcPts val="0"/>
+        </a:spcAft>
+        <a:buClr>
+          <a:schemeClr val="accent1"/>
+        </a:buClr>
+        <a:buSzPct val="80000"/>
+        <a:buFont typeface="Wingdings 3" charset="2"/>
+        <a:buChar char=""/>
+        <a:defRPr sz="1200" kern="1200">
           <a:solidFill>
-            <a:schemeClr val="tx1"/>
+            <a:schemeClr val="tx1">
+              <a:lumMod val="75000"/>
+              <a:lumOff val="25000"/>
+            </a:schemeClr>
           </a:solidFill>
           <a:latin typeface="+mn-lt"/>
           <a:ea typeface="+mn-ea"/>
           <a:cs typeface="+mn-cs"/>
         </a:defRPr>
       </a:lvl4pPr>
-      <a:lvl5pPr marL="2057400" indent="-228600" algn="l" defTabSz="914400" rtl="0" eaLnBrk="1" latinLnBrk="0" hangingPunct="1">
-        <a:lnSpc>
-          <a:spcPct val="90000"/>
-        </a:lnSpc>
+      <a:lvl5pPr marL="2057400" indent="-228600" algn="l" defTabSz="457200" rtl="0" eaLnBrk="1" latinLnBrk="0" hangingPunct="1">
         <a:spcBef>
-          <a:spcPts val="500"/>
+          <a:spcPts val="1000"/>
         </a:spcBef>
-        <a:buFont typeface="Arial" panose="020B0604020202020204" pitchFamily="34" charset="0"/>
-        <a:buChar char="•"/>
-        <a:defRPr sz="1800" kern="1200">
+        <a:spcAft>
+          <a:spcPts val="0"/>
+        </a:spcAft>
+        <a:buClr>
+          <a:schemeClr val="accent1"/>
+        </a:buClr>
+        <a:buSzPct val="80000"/>
+        <a:buFont typeface="Wingdings 3" charset="2"/>
+        <a:buChar char=""/>
+        <a:defRPr sz="1200" kern="1200">
           <a:solidFill>
-            <a:schemeClr val="tx1"/>
+            <a:schemeClr val="tx1">
+              <a:lumMod val="75000"/>
+              <a:lumOff val="25000"/>
+            </a:schemeClr>
           </a:solidFill>
           <a:latin typeface="+mn-lt"/>
           <a:ea typeface="+mn-ea"/>
           <a:cs typeface="+mn-cs"/>
         </a:defRPr>
       </a:lvl5pPr>
-      <a:lvl6pPr marL="2514600" indent="-228600" algn="l" defTabSz="914400" rtl="0" eaLnBrk="1" latinLnBrk="0" hangingPunct="1">
-        <a:lnSpc>
-          <a:spcPct val="90000"/>
-        </a:lnSpc>
+      <a:lvl6pPr marL="2514600" indent="-228600" algn="l" defTabSz="457200" rtl="0" eaLnBrk="1" latinLnBrk="0" hangingPunct="1">
         <a:spcBef>
-          <a:spcPts val="500"/>
+          <a:spcPts val="1000"/>
         </a:spcBef>
-        <a:buFont typeface="Arial" panose="020B0604020202020204" pitchFamily="34" charset="0"/>
-        <a:buChar char="•"/>
-        <a:defRPr sz="1800" kern="1200">
+        <a:spcAft>
+          <a:spcPts val="0"/>
+        </a:spcAft>
+        <a:buClr>
+          <a:schemeClr val="accent1"/>
+        </a:buClr>
+        <a:buSzPct val="80000"/>
+        <a:buFont typeface="Wingdings 3" charset="2"/>
+        <a:buChar char=""/>
+        <a:defRPr sz="1200" kern="1200">
           <a:solidFill>
-            <a:schemeClr val="tx1"/>
+            <a:schemeClr val="tx1">
+              <a:lumMod val="75000"/>
+              <a:lumOff val="25000"/>
+            </a:schemeClr>
           </a:solidFill>
           <a:latin typeface="+mn-lt"/>
           <a:ea typeface="+mn-ea"/>
           <a:cs typeface="+mn-cs"/>
         </a:defRPr>
       </a:lvl6pPr>
-      <a:lvl7pPr marL="2971800" indent="-228600" algn="l" defTabSz="914400" rtl="0" eaLnBrk="1" latinLnBrk="0" hangingPunct="1">
-        <a:lnSpc>
-          <a:spcPct val="90000"/>
-        </a:lnSpc>
+      <a:lvl7pPr marL="2971800" indent="-228600" algn="l" defTabSz="457200" rtl="0" eaLnBrk="1" latinLnBrk="0" hangingPunct="1">
         <a:spcBef>
-          <a:spcPts val="500"/>
+          <a:spcPts val="1000"/>
         </a:spcBef>
-        <a:buFont typeface="Arial" panose="020B0604020202020204" pitchFamily="34" charset="0"/>
-        <a:buChar char="•"/>
-        <a:defRPr sz="1800" kern="1200">
+        <a:spcAft>
+          <a:spcPts val="0"/>
+        </a:spcAft>
+        <a:buClr>
+          <a:schemeClr val="accent1"/>
+        </a:buClr>
+        <a:buSzPct val="80000"/>
+        <a:buFont typeface="Wingdings 3" charset="2"/>
+        <a:buChar char=""/>
+        <a:defRPr sz="1200" kern="1200">
           <a:solidFill>
-            <a:schemeClr val="tx1"/>
+            <a:schemeClr val="tx1">
+              <a:lumMod val="75000"/>
+              <a:lumOff val="25000"/>
+            </a:schemeClr>
           </a:solidFill>
           <a:latin typeface="+mn-lt"/>
           <a:ea typeface="+mn-ea"/>
           <a:cs typeface="+mn-cs"/>
         </a:defRPr>
       </a:lvl7pPr>
-      <a:lvl8pPr marL="3429000" indent="-228600" algn="l" defTabSz="914400" rtl="0" eaLnBrk="1" latinLnBrk="0" hangingPunct="1">
-        <a:lnSpc>
-          <a:spcPct val="90000"/>
-        </a:lnSpc>
+      <a:lvl8pPr marL="3429000" indent="-228600" algn="l" defTabSz="457200" rtl="0" eaLnBrk="1" latinLnBrk="0" hangingPunct="1">
         <a:spcBef>
-          <a:spcPts val="500"/>
+          <a:spcPts val="1000"/>
         </a:spcBef>
-        <a:buFont typeface="Arial" panose="020B0604020202020204" pitchFamily="34" charset="0"/>
-        <a:buChar char="•"/>
-        <a:defRPr sz="1800" kern="1200">
+        <a:spcAft>
+          <a:spcPts val="0"/>
+        </a:spcAft>
+        <a:buClr>
+          <a:schemeClr val="accent1"/>
+        </a:buClr>
+        <a:buSzPct val="80000"/>
+        <a:buFont typeface="Wingdings 3" charset="2"/>
+        <a:buChar char=""/>
+        <a:defRPr sz="1200" kern="1200">
           <a:solidFill>
-            <a:schemeClr val="tx1"/>
+            <a:schemeClr val="tx1">
+              <a:lumMod val="75000"/>
+              <a:lumOff val="25000"/>
+            </a:schemeClr>
           </a:solidFill>
           <a:latin typeface="+mn-lt"/>
           <a:ea typeface="+mn-ea"/>
           <a:cs typeface="+mn-cs"/>
         </a:defRPr>
       </a:lvl8pPr>
-      <a:lvl9pPr marL="3886200" indent="-228600" algn="l" defTabSz="914400" rtl="0" eaLnBrk="1" latinLnBrk="0" hangingPunct="1">
-        <a:lnSpc>
-          <a:spcPct val="90000"/>
-        </a:lnSpc>
+      <a:lvl9pPr marL="3886200" indent="-228600" algn="l" defTabSz="457200" rtl="0" eaLnBrk="1" latinLnBrk="0" hangingPunct="1">
         <a:spcBef>
-          <a:spcPts val="500"/>
+          <a:spcPts val="1000"/>
         </a:spcBef>
-        <a:buFont typeface="Arial" panose="020B0604020202020204" pitchFamily="34" charset="0"/>
-        <a:buChar char="•"/>
-        <a:defRPr sz="1800" kern="1200">
+        <a:spcAft>
+          <a:spcPts val="0"/>
+        </a:spcAft>
+        <a:buClr>
+          <a:schemeClr val="accent1"/>
+        </a:buClr>
+        <a:buSzPct val="80000"/>
+        <a:buFont typeface="Wingdings 3" charset="2"/>
+        <a:buChar char=""/>
+        <a:defRPr sz="1200" kern="1200">
           <a:solidFill>
-            <a:schemeClr val="tx1"/>
+            <a:schemeClr val="tx1">
+              <a:lumMod val="75000"/>
+              <a:lumOff val="25000"/>
+            </a:schemeClr>
           </a:solidFill>
           <a:latin typeface="+mn-lt"/>
           <a:ea typeface="+mn-ea"/>
@@ -3724,7 +6444,7 @@
       <a:defPPr>
         <a:defRPr lang="en-US"/>
       </a:defPPr>
-      <a:lvl1pPr marL="0" algn="l" defTabSz="914400" rtl="0" eaLnBrk="1" latinLnBrk="0" hangingPunct="1">
+      <a:lvl1pPr marL="0" algn="l" defTabSz="457200" rtl="0" eaLnBrk="1" latinLnBrk="0" hangingPunct="1">
         <a:defRPr sz="1800" kern="1200">
           <a:solidFill>
             <a:schemeClr val="tx1"/>
@@ -3734,7 +6454,7 @@
           <a:cs typeface="+mn-cs"/>
         </a:defRPr>
       </a:lvl1pPr>
-      <a:lvl2pPr marL="457200" algn="l" defTabSz="914400" rtl="0" eaLnBrk="1" latinLnBrk="0" hangingPunct="1">
+      <a:lvl2pPr marL="457200" algn="l" defTabSz="457200" rtl="0" eaLnBrk="1" latinLnBrk="0" hangingPunct="1">
         <a:defRPr sz="1800" kern="1200">
           <a:solidFill>
             <a:schemeClr val="tx1"/>
@@ -3744,7 +6464,7 @@
           <a:cs typeface="+mn-cs"/>
         </a:defRPr>
       </a:lvl2pPr>
-      <a:lvl3pPr marL="914400" algn="l" defTabSz="914400" rtl="0" eaLnBrk="1" latinLnBrk="0" hangingPunct="1">
+      <a:lvl3pPr marL="914400" algn="l" defTabSz="457200" rtl="0" eaLnBrk="1" latinLnBrk="0" hangingPunct="1">
         <a:defRPr sz="1800" kern="1200">
           <a:solidFill>
             <a:schemeClr val="tx1"/>
@@ -3754,7 +6474,7 @@
           <a:cs typeface="+mn-cs"/>
         </a:defRPr>
       </a:lvl3pPr>
-      <a:lvl4pPr marL="1371600" algn="l" defTabSz="914400" rtl="0" eaLnBrk="1" latinLnBrk="0" hangingPunct="1">
+      <a:lvl4pPr marL="1371600" algn="l" defTabSz="457200" rtl="0" eaLnBrk="1" latinLnBrk="0" hangingPunct="1">
         <a:defRPr sz="1800" kern="1200">
           <a:solidFill>
             <a:schemeClr val="tx1"/>
@@ -3764,7 +6484,7 @@
           <a:cs typeface="+mn-cs"/>
         </a:defRPr>
       </a:lvl4pPr>
-      <a:lvl5pPr marL="1828800" algn="l" defTabSz="914400" rtl="0" eaLnBrk="1" latinLnBrk="0" hangingPunct="1">
+      <a:lvl5pPr marL="1828800" algn="l" defTabSz="457200" rtl="0" eaLnBrk="1" latinLnBrk="0" hangingPunct="1">
         <a:defRPr sz="1800" kern="1200">
           <a:solidFill>
             <a:schemeClr val="tx1"/>
@@ -3774,7 +6494,7 @@
           <a:cs typeface="+mn-cs"/>
         </a:defRPr>
       </a:lvl5pPr>
-      <a:lvl6pPr marL="2286000" algn="l" defTabSz="914400" rtl="0" eaLnBrk="1" latinLnBrk="0" hangingPunct="1">
+      <a:lvl6pPr marL="2286000" algn="l" defTabSz="457200" rtl="0" eaLnBrk="1" latinLnBrk="0" hangingPunct="1">
         <a:defRPr sz="1800" kern="1200">
           <a:solidFill>
             <a:schemeClr val="tx1"/>
@@ -3784,7 +6504,7 @@
           <a:cs typeface="+mn-cs"/>
         </a:defRPr>
       </a:lvl6pPr>
-      <a:lvl7pPr marL="2743200" algn="l" defTabSz="914400" rtl="0" eaLnBrk="1" latinLnBrk="0" hangingPunct="1">
+      <a:lvl7pPr marL="2743200" algn="l" defTabSz="457200" rtl="0" eaLnBrk="1" latinLnBrk="0" hangingPunct="1">
         <a:defRPr sz="1800" kern="1200">
           <a:solidFill>
             <a:schemeClr val="tx1"/>
@@ -3794,7 +6514,7 @@
           <a:cs typeface="+mn-cs"/>
         </a:defRPr>
       </a:lvl7pPr>
-      <a:lvl8pPr marL="3200400" algn="l" defTabSz="914400" rtl="0" eaLnBrk="1" latinLnBrk="0" hangingPunct="1">
+      <a:lvl8pPr marL="3200400" algn="l" defTabSz="457200" rtl="0" eaLnBrk="1" latinLnBrk="0" hangingPunct="1">
         <a:defRPr sz="1800" kern="1200">
           <a:solidFill>
             <a:schemeClr val="tx1"/>
@@ -3804,7 +6524,7 @@
           <a:cs typeface="+mn-cs"/>
         </a:defRPr>
       </a:lvl8pPr>
-      <a:lvl9pPr marL="3657600" algn="l" defTabSz="914400" rtl="0" eaLnBrk="1" latinLnBrk="0" hangingPunct="1">
+      <a:lvl9pPr marL="3657600" algn="l" defTabSz="457200" rtl="0" eaLnBrk="1" latinLnBrk="0" hangingPunct="1">
         <a:defRPr sz="1800" kern="1200">
           <a:solidFill>
             <a:schemeClr val="tx1"/>
@@ -3887,7 +6607,7 @@
           <a:p>
             <a:r>
               <a:rPr lang="en-US" dirty="0"/>
-              <a:t>Tracking and collaboration</a:t>
+              <a:t>Tracking, accessibility and collaboration</a:t>
             </a:r>
           </a:p>
         </p:txBody>
@@ -3922,235 +6642,40 @@
           <a:chExt cx="0" cy="0"/>
         </a:xfrm>
       </p:grpSpPr>
-      <p:sp>
-        <p:nvSpPr>
-          <p:cNvPr id="2" name="Title 1">
+      <p:pic>
+        <p:nvPicPr>
+          <p:cNvPr id="5" name="Picture 4">
             <a:extLst>
               <a:ext uri="{FF2B5EF4-FFF2-40B4-BE49-F238E27FC236}">
-                <a16:creationId xmlns:a16="http://schemas.microsoft.com/office/drawing/2014/main" id="{5AC65E65-F74B-416C-9170-9A696D6F2BA1}"/>
+                <a16:creationId xmlns:a16="http://schemas.microsoft.com/office/drawing/2014/main" id="{2B516ED5-5D8E-49EC-B49D-D24FE6A35E08}"/>
               </a:ext>
             </a:extLst>
           </p:cNvPr>
-          <p:cNvSpPr>
-            <a:spLocks noGrp="1"/>
-          </p:cNvSpPr>
-          <p:nvPr>
-            <p:ph type="title"/>
-          </p:nvPr>
-        </p:nvSpPr>
-        <p:spPr/>
-        <p:txBody>
-          <a:bodyPr/>
-          <a:lstStyle/>
-          <a:p>
-            <a:endParaRPr lang="en-US" dirty="0"/>
-          </a:p>
-        </p:txBody>
-      </p:sp>
-      <p:sp>
-        <p:nvSpPr>
-          <p:cNvPr id="3" name="Content Placeholder 2">
-            <a:extLst>
-              <a:ext uri="{FF2B5EF4-FFF2-40B4-BE49-F238E27FC236}">
-                <a16:creationId xmlns:a16="http://schemas.microsoft.com/office/drawing/2014/main" id="{EB440BD2-1767-4293-8786-9AED41C4B3F0}"/>
-              </a:ext>
-            </a:extLst>
-          </p:cNvPr>
-          <p:cNvSpPr>
-            <a:spLocks noGrp="1"/>
-          </p:cNvSpPr>
-          <p:nvPr>
-            <p:ph idx="1"/>
-          </p:nvPr>
-        </p:nvSpPr>
-        <p:spPr/>
-        <p:txBody>
-          <a:bodyPr/>
-          <a:lstStyle/>
-          <a:p>
-            <a:r>
-              <a:rPr lang="en-US" dirty="0"/>
-              <a:t>Create a new repo on the command line</a:t>
-            </a:r>
-          </a:p>
-          <a:p>
-            <a:pPr marL="457200" lvl="1" indent="0">
-              <a:buNone/>
-            </a:pPr>
-            <a:r>
-              <a:rPr lang="en-US" sz="1600" dirty="0">
-                <a:latin typeface="Courier New" panose="02070309020205020404" pitchFamily="49" charset="0"/>
-                <a:cs typeface="Courier New" panose="02070309020205020404" pitchFamily="49" charset="0"/>
-              </a:rPr>
-              <a:t>echo “# </a:t>
-            </a:r>
-            <a:r>
-              <a:rPr lang="en-US" sz="1600" dirty="0" err="1">
-                <a:latin typeface="Courier New" panose="02070309020205020404" pitchFamily="49" charset="0"/>
-                <a:cs typeface="Courier New" panose="02070309020205020404" pitchFamily="49" charset="0"/>
-              </a:rPr>
-              <a:t>AydinGizem</a:t>
-            </a:r>
-            <a:r>
-              <a:rPr lang="en-US" sz="1600" dirty="0">
-                <a:latin typeface="Courier New" panose="02070309020205020404" pitchFamily="49" charset="0"/>
-                <a:cs typeface="Courier New" panose="02070309020205020404" pitchFamily="49" charset="0"/>
-              </a:rPr>
-              <a:t>” &gt;&gt;README.md</a:t>
-            </a:r>
-          </a:p>
-          <a:p>
-            <a:pPr marL="457200" lvl="1" indent="0">
-              <a:buNone/>
-            </a:pPr>
-            <a:r>
-              <a:rPr lang="en-US" sz="1600" dirty="0">
-                <a:latin typeface="Courier New" panose="02070309020205020404" pitchFamily="49" charset="0"/>
-                <a:cs typeface="Courier New" panose="02070309020205020404" pitchFamily="49" charset="0"/>
-              </a:rPr>
-              <a:t>git </a:t>
-            </a:r>
-            <a:r>
-              <a:rPr lang="en-US" sz="1600" dirty="0" err="1">
-                <a:latin typeface="Courier New" panose="02070309020205020404" pitchFamily="49" charset="0"/>
-                <a:cs typeface="Courier New" panose="02070309020205020404" pitchFamily="49" charset="0"/>
-              </a:rPr>
-              <a:t>init</a:t>
-            </a:r>
-            <a:endParaRPr lang="en-US" sz="1600" dirty="0">
-              <a:latin typeface="Courier New" panose="02070309020205020404" pitchFamily="49" charset="0"/>
-              <a:cs typeface="Courier New" panose="02070309020205020404" pitchFamily="49" charset="0"/>
-            </a:endParaRPr>
-          </a:p>
-          <a:p>
-            <a:pPr marL="457200" lvl="1" indent="0">
-              <a:buNone/>
-            </a:pPr>
-            <a:r>
-              <a:rPr lang="en-US" sz="1600" dirty="0">
-                <a:latin typeface="Courier New" panose="02070309020205020404" pitchFamily="49" charset="0"/>
-                <a:cs typeface="Courier New" panose="02070309020205020404" pitchFamily="49" charset="0"/>
-              </a:rPr>
-              <a:t>git add README.md</a:t>
-            </a:r>
-          </a:p>
-          <a:p>
-            <a:pPr marL="457200" lvl="1" indent="0">
-              <a:buNone/>
-            </a:pPr>
-            <a:r>
-              <a:rPr lang="en-US" sz="1600" dirty="0">
-                <a:latin typeface="Courier New" panose="02070309020205020404" pitchFamily="49" charset="0"/>
-                <a:cs typeface="Courier New" panose="02070309020205020404" pitchFamily="49" charset="0"/>
-              </a:rPr>
-              <a:t>git commit –m “first commit”</a:t>
-            </a:r>
-          </a:p>
-          <a:p>
-            <a:pPr marL="457200" lvl="1" indent="0">
-              <a:buNone/>
-            </a:pPr>
-            <a:r>
-              <a:rPr lang="en-US" sz="1600" dirty="0">
-                <a:latin typeface="Courier New" panose="02070309020205020404" pitchFamily="49" charset="0"/>
-                <a:cs typeface="Courier New" panose="02070309020205020404" pitchFamily="49" charset="0"/>
-              </a:rPr>
-              <a:t>git remote add origin </a:t>
-            </a:r>
-            <a:r>
-              <a:rPr lang="en-US" sz="1600" dirty="0">
-                <a:latin typeface="Courier New" panose="02070309020205020404" pitchFamily="49" charset="0"/>
-                <a:cs typeface="Courier New" panose="02070309020205020404" pitchFamily="49" charset="0"/>
-                <a:hlinkClick r:id="rId2"/>
-              </a:rPr>
-              <a:t>https://github.com/AydinGizem/teaching-git-hub.git</a:t>
-            </a:r>
-            <a:endParaRPr lang="en-US" sz="1600" dirty="0">
-              <a:latin typeface="Courier New" panose="02070309020205020404" pitchFamily="49" charset="0"/>
-              <a:cs typeface="Courier New" panose="02070309020205020404" pitchFamily="49" charset="0"/>
-            </a:endParaRPr>
-          </a:p>
-          <a:p>
-            <a:pPr marL="457200" lvl="1" indent="0">
-              <a:buNone/>
-            </a:pPr>
-            <a:r>
-              <a:rPr lang="en-US" sz="1600" dirty="0">
-                <a:latin typeface="Courier New" panose="02070309020205020404" pitchFamily="49" charset="0"/>
-                <a:cs typeface="Courier New" panose="02070309020205020404" pitchFamily="49" charset="0"/>
-              </a:rPr>
-              <a:t>git push –u origin main</a:t>
-            </a:r>
-          </a:p>
-          <a:p>
-            <a:r>
-              <a:rPr lang="en-US" dirty="0"/>
-              <a:t>Import code from another repo</a:t>
-            </a:r>
-          </a:p>
-          <a:p>
-            <a:pPr lvl="1"/>
-            <a:r>
-              <a:rPr lang="en-US" dirty="0" err="1"/>
-              <a:t>xxxx</a:t>
-            </a:r>
-            <a:endParaRPr lang="en-US" dirty="0"/>
-          </a:p>
-          <a:p>
-            <a:r>
-              <a:rPr lang="en-US" dirty="0"/>
-              <a:t>Push an existing repo from the command line</a:t>
-            </a:r>
-          </a:p>
-          <a:p>
-            <a:pPr marL="457200" lvl="1" indent="0">
-              <a:buNone/>
-            </a:pPr>
-            <a:r>
-              <a:rPr lang="en-US" sz="1600" dirty="0">
-                <a:latin typeface="Courier New" panose="02070309020205020404" pitchFamily="49" charset="0"/>
-                <a:cs typeface="Courier New" panose="02070309020205020404" pitchFamily="49" charset="0"/>
-              </a:rPr>
-              <a:t>git remote add origin </a:t>
-            </a:r>
-            <a:r>
-              <a:rPr lang="en-US" sz="1600" dirty="0">
-                <a:latin typeface="Courier New" panose="02070309020205020404" pitchFamily="49" charset="0"/>
-                <a:cs typeface="Courier New" panose="02070309020205020404" pitchFamily="49" charset="0"/>
-                <a:hlinkClick r:id="rId2"/>
-              </a:rPr>
-              <a:t>https://github.com/AydinGizem/teaching-git-hub.git</a:t>
-            </a:r>
-            <a:endParaRPr lang="en-US" sz="1600" dirty="0">
-              <a:latin typeface="Courier New" panose="02070309020205020404" pitchFamily="49" charset="0"/>
-              <a:cs typeface="Courier New" panose="02070309020205020404" pitchFamily="49" charset="0"/>
-            </a:endParaRPr>
-          </a:p>
-          <a:p>
-            <a:pPr marL="457200" lvl="1" indent="0">
-              <a:buNone/>
-            </a:pPr>
-            <a:r>
-              <a:rPr lang="en-US" sz="1600" dirty="0">
-                <a:latin typeface="Courier New" panose="02070309020205020404" pitchFamily="49" charset="0"/>
-                <a:cs typeface="Courier New" panose="02070309020205020404" pitchFamily="49" charset="0"/>
-              </a:rPr>
-              <a:t>git push –u origin main </a:t>
-            </a:r>
-          </a:p>
-          <a:p>
-            <a:endParaRPr lang="en-US" sz="1800" dirty="0"/>
-          </a:p>
-          <a:p>
-            <a:pPr lvl="1"/>
-            <a:endParaRPr lang="en-US" dirty="0"/>
-          </a:p>
-        </p:txBody>
-      </p:sp>
+          <p:cNvPicPr>
+            <a:picLocks noChangeAspect="1"/>
+          </p:cNvPicPr>
+          <p:nvPr/>
+        </p:nvPicPr>
+        <p:blipFill>
+          <a:blip r:embed="rId2"/>
+          <a:stretch>
+            <a:fillRect/>
+          </a:stretch>
+        </p:blipFill>
+        <p:spPr>
+          <a:xfrm>
+            <a:off x="2929074" y="1295102"/>
+            <a:ext cx="5849166" cy="4267796"/>
+          </a:xfrm>
+          <a:prstGeom prst="rect">
+            <a:avLst/>
+          </a:prstGeom>
+        </p:spPr>
+      </p:pic>
     </p:spTree>
     <p:extLst>
       <p:ext uri="{BB962C8B-B14F-4D97-AF65-F5344CB8AC3E}">
-        <p14:creationId xmlns:p14="http://schemas.microsoft.com/office/powerpoint/2010/main" val="1778719444"/>
+        <p14:creationId xmlns:p14="http://schemas.microsoft.com/office/powerpoint/2010/main" val="622779019"/>
       </p:ext>
     </p:extLst>
   </p:cSld>
@@ -4182,7 +6707,7 @@
           <p:cNvPr id="2" name="Title 1">
             <a:extLst>
               <a:ext uri="{FF2B5EF4-FFF2-40B4-BE49-F238E27FC236}">
-                <a16:creationId xmlns:a16="http://schemas.microsoft.com/office/drawing/2014/main" id="{BE0FF65F-FF2A-4E24-8A3A-1CF9FE8004F7}"/>
+                <a16:creationId xmlns:a16="http://schemas.microsoft.com/office/drawing/2014/main" id="{5AC65E65-F74B-416C-9170-9A696D6F2BA1}"/>
               </a:ext>
             </a:extLst>
           </p:cNvPr>
@@ -4198,7 +6723,275 @@
           <a:bodyPr/>
           <a:lstStyle/>
           <a:p>
-            <a:endParaRPr lang="en-US"/>
+            <a:r>
+              <a:rPr lang="en-US" dirty="0"/>
+              <a:t>3.2 Quick Start</a:t>
+            </a:r>
+          </a:p>
+        </p:txBody>
+      </p:sp>
+      <p:sp>
+        <p:nvSpPr>
+          <p:cNvPr id="3" name="Content Placeholder 2">
+            <a:extLst>
+              <a:ext uri="{FF2B5EF4-FFF2-40B4-BE49-F238E27FC236}">
+                <a16:creationId xmlns:a16="http://schemas.microsoft.com/office/drawing/2014/main" id="{EB440BD2-1767-4293-8786-9AED41C4B3F0}"/>
+              </a:ext>
+            </a:extLst>
+          </p:cNvPr>
+          <p:cNvSpPr>
+            <a:spLocks noGrp="1"/>
+          </p:cNvSpPr>
+          <p:nvPr>
+            <p:ph idx="1"/>
+          </p:nvPr>
+        </p:nvSpPr>
+        <p:spPr/>
+        <p:txBody>
+          <a:bodyPr>
+            <a:normAutofit fontScale="85000" lnSpcReduction="10000"/>
+          </a:bodyPr>
+          <a:lstStyle/>
+          <a:p>
+            <a:r>
+              <a:rPr lang="en-US" dirty="0"/>
+              <a:t>Create a new repo on the command line</a:t>
+            </a:r>
+          </a:p>
+          <a:p>
+            <a:pPr marL="457200" lvl="1" indent="0">
+              <a:buNone/>
+            </a:pPr>
+            <a:r>
+              <a:rPr lang="en-US" sz="1600" dirty="0">
+                <a:latin typeface="Courier New" panose="02070309020205020404" pitchFamily="49" charset="0"/>
+                <a:cs typeface="Courier New" panose="02070309020205020404" pitchFamily="49" charset="0"/>
+              </a:rPr>
+              <a:t>echo “# </a:t>
+            </a:r>
+            <a:r>
+              <a:rPr lang="en-US" sz="1600" dirty="0" err="1">
+                <a:latin typeface="Courier New" panose="02070309020205020404" pitchFamily="49" charset="0"/>
+                <a:cs typeface="Courier New" panose="02070309020205020404" pitchFamily="49" charset="0"/>
+              </a:rPr>
+              <a:t>AydinGizem</a:t>
+            </a:r>
+            <a:r>
+              <a:rPr lang="en-US" sz="1600" dirty="0">
+                <a:latin typeface="Courier New" panose="02070309020205020404" pitchFamily="49" charset="0"/>
+                <a:cs typeface="Courier New" panose="02070309020205020404" pitchFamily="49" charset="0"/>
+              </a:rPr>
+              <a:t>” &gt;&gt;README.md</a:t>
+            </a:r>
+          </a:p>
+          <a:p>
+            <a:pPr marL="457200" lvl="1" indent="0">
+              <a:buNone/>
+            </a:pPr>
+            <a:r>
+              <a:rPr lang="en-US" sz="1600" dirty="0">
+                <a:latin typeface="Courier New" panose="02070309020205020404" pitchFamily="49" charset="0"/>
+                <a:cs typeface="Courier New" panose="02070309020205020404" pitchFamily="49" charset="0"/>
+              </a:rPr>
+              <a:t>git </a:t>
+            </a:r>
+            <a:r>
+              <a:rPr lang="en-US" sz="1600" dirty="0" err="1">
+                <a:latin typeface="Courier New" panose="02070309020205020404" pitchFamily="49" charset="0"/>
+                <a:cs typeface="Courier New" panose="02070309020205020404" pitchFamily="49" charset="0"/>
+              </a:rPr>
+              <a:t>init</a:t>
+            </a:r>
+            <a:endParaRPr lang="en-US" sz="1600" dirty="0">
+              <a:latin typeface="Courier New" panose="02070309020205020404" pitchFamily="49" charset="0"/>
+              <a:cs typeface="Courier New" panose="02070309020205020404" pitchFamily="49" charset="0"/>
+            </a:endParaRPr>
+          </a:p>
+          <a:p>
+            <a:pPr marL="457200" lvl="1" indent="0">
+              <a:buNone/>
+            </a:pPr>
+            <a:r>
+              <a:rPr lang="en-US" sz="1600" dirty="0">
+                <a:latin typeface="Courier New" panose="02070309020205020404" pitchFamily="49" charset="0"/>
+                <a:cs typeface="Courier New" panose="02070309020205020404" pitchFamily="49" charset="0"/>
+              </a:rPr>
+              <a:t>git add README.md</a:t>
+            </a:r>
+          </a:p>
+          <a:p>
+            <a:pPr marL="457200" lvl="1" indent="0">
+              <a:buNone/>
+            </a:pPr>
+            <a:r>
+              <a:rPr lang="en-US" sz="1600" dirty="0">
+                <a:latin typeface="Courier New" panose="02070309020205020404" pitchFamily="49" charset="0"/>
+                <a:cs typeface="Courier New" panose="02070309020205020404" pitchFamily="49" charset="0"/>
+              </a:rPr>
+              <a:t>git commit –m “first commit”</a:t>
+            </a:r>
+          </a:p>
+          <a:p>
+            <a:pPr marL="457200" lvl="1" indent="0">
+              <a:buNone/>
+            </a:pPr>
+            <a:r>
+              <a:rPr lang="en-US" sz="1600" dirty="0">
+                <a:latin typeface="Courier New" panose="02070309020205020404" pitchFamily="49" charset="0"/>
+                <a:cs typeface="Courier New" panose="02070309020205020404" pitchFamily="49" charset="0"/>
+              </a:rPr>
+              <a:t>git remote add origin </a:t>
+            </a:r>
+            <a:r>
+              <a:rPr lang="en-US" sz="1600" dirty="0">
+                <a:latin typeface="Courier New" panose="02070309020205020404" pitchFamily="49" charset="0"/>
+                <a:cs typeface="Courier New" panose="02070309020205020404" pitchFamily="49" charset="0"/>
+                <a:hlinkClick r:id="rId2"/>
+              </a:rPr>
+              <a:t>https://github.com/AydinGizem/teaching-git-hub.git</a:t>
+            </a:r>
+            <a:endParaRPr lang="en-US" sz="1600" dirty="0">
+              <a:latin typeface="Courier New" panose="02070309020205020404" pitchFamily="49" charset="0"/>
+              <a:cs typeface="Courier New" panose="02070309020205020404" pitchFamily="49" charset="0"/>
+            </a:endParaRPr>
+          </a:p>
+          <a:p>
+            <a:pPr marL="457200" lvl="1" indent="0">
+              <a:buNone/>
+            </a:pPr>
+            <a:r>
+              <a:rPr lang="en-US" sz="1600" dirty="0">
+                <a:latin typeface="Courier New" panose="02070309020205020404" pitchFamily="49" charset="0"/>
+                <a:cs typeface="Courier New" panose="02070309020205020404" pitchFamily="49" charset="0"/>
+              </a:rPr>
+              <a:t>git push –u origin main</a:t>
+            </a:r>
+          </a:p>
+          <a:p>
+            <a:r>
+              <a:rPr lang="en-US" dirty="0"/>
+              <a:t>Import code from another repo</a:t>
+            </a:r>
+          </a:p>
+          <a:p>
+            <a:pPr lvl="1"/>
+            <a:r>
+              <a:rPr lang="en-US" dirty="0" err="1"/>
+              <a:t>xxxx</a:t>
+            </a:r>
+            <a:endParaRPr lang="en-US" dirty="0"/>
+          </a:p>
+          <a:p>
+            <a:r>
+              <a:rPr lang="en-US" dirty="0"/>
+              <a:t>Push an existing repo from the command line</a:t>
+            </a:r>
+          </a:p>
+          <a:p>
+            <a:pPr marL="457200" lvl="1" indent="0">
+              <a:buNone/>
+            </a:pPr>
+            <a:r>
+              <a:rPr lang="en-US" sz="1600" dirty="0">
+                <a:latin typeface="Courier New" panose="02070309020205020404" pitchFamily="49" charset="0"/>
+                <a:cs typeface="Courier New" panose="02070309020205020404" pitchFamily="49" charset="0"/>
+              </a:rPr>
+              <a:t>git remote add origin </a:t>
+            </a:r>
+            <a:r>
+              <a:rPr lang="en-US" sz="1600" dirty="0">
+                <a:latin typeface="Courier New" panose="02070309020205020404" pitchFamily="49" charset="0"/>
+                <a:cs typeface="Courier New" panose="02070309020205020404" pitchFamily="49" charset="0"/>
+                <a:hlinkClick r:id="rId2"/>
+              </a:rPr>
+              <a:t>https://github.com/AydinGizem/teaching-git-hub.git</a:t>
+            </a:r>
+            <a:endParaRPr lang="en-US" sz="1600" dirty="0">
+              <a:latin typeface="Courier New" panose="02070309020205020404" pitchFamily="49" charset="0"/>
+              <a:cs typeface="Courier New" panose="02070309020205020404" pitchFamily="49" charset="0"/>
+            </a:endParaRPr>
+          </a:p>
+          <a:p>
+            <a:pPr marL="457200" lvl="1" indent="0">
+              <a:buNone/>
+            </a:pPr>
+            <a:r>
+              <a:rPr lang="en-US" sz="1600" dirty="0">
+                <a:latin typeface="Courier New" panose="02070309020205020404" pitchFamily="49" charset="0"/>
+                <a:cs typeface="Courier New" panose="02070309020205020404" pitchFamily="49" charset="0"/>
+              </a:rPr>
+              <a:t>git push –u origin main </a:t>
+            </a:r>
+          </a:p>
+          <a:p>
+            <a:endParaRPr lang="en-US" sz="1800" dirty="0"/>
+          </a:p>
+          <a:p>
+            <a:pPr lvl="1"/>
+            <a:endParaRPr lang="en-US" dirty="0"/>
+          </a:p>
+        </p:txBody>
+      </p:sp>
+    </p:spTree>
+    <p:extLst>
+      <p:ext uri="{BB962C8B-B14F-4D97-AF65-F5344CB8AC3E}">
+        <p14:creationId xmlns:p14="http://schemas.microsoft.com/office/powerpoint/2010/main" val="1778719444"/>
+      </p:ext>
+    </p:extLst>
+  </p:cSld>
+  <p:clrMapOvr>
+    <a:masterClrMapping/>
+  </p:clrMapOvr>
+</p:sld>
+</file>
+
+<file path=ppt/slides/slide12.xml><?xml version="1.0" encoding="utf-8"?>
+<p:sld xmlns:a="http://schemas.openxmlformats.org/drawingml/2006/main" xmlns:r="http://schemas.openxmlformats.org/officeDocument/2006/relationships" xmlns:p="http://schemas.openxmlformats.org/presentationml/2006/main">
+  <p:cSld>
+    <p:spTree>
+      <p:nvGrpSpPr>
+        <p:cNvPr id="1" name=""/>
+        <p:cNvGrpSpPr/>
+        <p:nvPr/>
+      </p:nvGrpSpPr>
+      <p:grpSpPr>
+        <a:xfrm>
+          <a:off x="0" y="0"/>
+          <a:ext cx="0" cy="0"/>
+          <a:chOff x="0" y="0"/>
+          <a:chExt cx="0" cy="0"/>
+        </a:xfrm>
+      </p:grpSpPr>
+      <p:sp>
+        <p:nvSpPr>
+          <p:cNvPr id="10" name="Title 9">
+            <a:extLst>
+              <a:ext uri="{FF2B5EF4-FFF2-40B4-BE49-F238E27FC236}">
+                <a16:creationId xmlns:a16="http://schemas.microsoft.com/office/drawing/2014/main" id="{AC7ECC3A-E4DC-4CBD-84D8-354BEADCC890}"/>
+              </a:ext>
+            </a:extLst>
+          </p:cNvPr>
+          <p:cNvSpPr>
+            <a:spLocks noGrp="1"/>
+          </p:cNvSpPr>
+          <p:nvPr>
+            <p:ph type="title"/>
+          </p:nvPr>
+        </p:nvSpPr>
+        <p:spPr>
+          <a:xfrm>
+            <a:off x="677333" y="288098"/>
+            <a:ext cx="10771455" cy="1234123"/>
+          </a:xfrm>
+        </p:spPr>
+        <p:txBody>
+          <a:bodyPr/>
+          <a:lstStyle/>
+          <a:p>
+            <a:r>
+              <a:rPr lang="en-US" dirty="0"/>
+              <a:t>3.3 Push local repo to a code hosting provider</a:t>
+            </a:r>
           </a:p>
         </p:txBody>
       </p:sp>
@@ -4215,22 +7008,1259 @@
             <a:spLocks noGrp="1"/>
           </p:cNvSpPr>
           <p:nvPr>
-            <p:ph idx="1"/>
-          </p:nvPr>
-        </p:nvSpPr>
-        <p:spPr/>
-        <p:txBody>
-          <a:bodyPr/>
-          <a:lstStyle/>
-          <a:p>
-            <a:endParaRPr lang="en-US"/>
-          </a:p>
-        </p:txBody>
-      </p:sp>
+            <p:ph idx="4294967295"/>
+          </p:nvPr>
+        </p:nvSpPr>
+        <p:spPr>
+          <a:xfrm>
+            <a:off x="0" y="1489075"/>
+            <a:ext cx="4319588" cy="3700463"/>
+          </a:xfrm>
+        </p:spPr>
+        <p:txBody>
+          <a:bodyPr>
+            <a:normAutofit/>
+          </a:bodyPr>
+          <a:lstStyle/>
+          <a:p>
+            <a:pPr>
+              <a:buFont typeface="+mj-lt"/>
+              <a:buAutoNum type="arabicPeriod"/>
+            </a:pPr>
+            <a:r>
+              <a:rPr lang="en-US" dirty="0"/>
+              <a:t>Create a readme file</a:t>
+            </a:r>
+          </a:p>
+          <a:p>
+            <a:pPr marL="457200" lvl="1" indent="0">
+              <a:buNone/>
+            </a:pPr>
+            <a:r>
+              <a:rPr lang="en-US" dirty="0"/>
+              <a:t>&gt;&gt; Listed but not tracked yet</a:t>
+            </a:r>
+          </a:p>
+          <a:p>
+            <a:pPr>
+              <a:buFont typeface="+mj-lt"/>
+              <a:buAutoNum type="arabicPeriod"/>
+            </a:pPr>
+            <a:r>
+              <a:rPr lang="en-US" dirty="0"/>
+              <a:t>Use “git add . “ to add files to stage</a:t>
+            </a:r>
+          </a:p>
+          <a:p>
+            <a:pPr>
+              <a:buFont typeface="+mj-lt"/>
+              <a:buAutoNum type="arabicPeriod"/>
+            </a:pPr>
+            <a:r>
+              <a:rPr lang="en-US" dirty="0"/>
+              <a:t>Commit with a message: git commit –m “your message”</a:t>
+            </a:r>
+          </a:p>
+          <a:p>
+            <a:pPr>
+              <a:buFont typeface="+mj-lt"/>
+              <a:buAutoNum type="arabicPeriod"/>
+            </a:pPr>
+            <a:r>
+              <a:rPr lang="en-US" dirty="0"/>
+              <a:t>Connect local repo to GitHub using “add remote origin “ + HTTPS</a:t>
+            </a:r>
+          </a:p>
+          <a:p>
+            <a:pPr>
+              <a:buFont typeface="+mj-lt"/>
+              <a:buAutoNum type="arabicPeriod"/>
+            </a:pPr>
+            <a:r>
+              <a:rPr lang="en-US" dirty="0"/>
+              <a:t>Now the “upstream” folder is tracked in the “main” branch in your git repo! </a:t>
+            </a:r>
+          </a:p>
+        </p:txBody>
+      </p:sp>
+      <p:pic>
+        <p:nvPicPr>
+          <p:cNvPr id="4" name="Picture 3">
+            <a:extLst>
+              <a:ext uri="{FF2B5EF4-FFF2-40B4-BE49-F238E27FC236}">
+                <a16:creationId xmlns:a16="http://schemas.microsoft.com/office/drawing/2014/main" id="{63500FB9-CCDE-4D81-93D4-A9EF48DF1CB6}"/>
+              </a:ext>
+            </a:extLst>
+          </p:cNvPr>
+          <p:cNvPicPr>
+            <a:picLocks noChangeAspect="1"/>
+          </p:cNvPicPr>
+          <p:nvPr/>
+        </p:nvPicPr>
+        <p:blipFill>
+          <a:blip r:embed="rId3"/>
+          <a:stretch>
+            <a:fillRect/>
+          </a:stretch>
+        </p:blipFill>
+        <p:spPr>
+          <a:xfrm>
+            <a:off x="4738934" y="1198268"/>
+            <a:ext cx="7269877" cy="495674"/>
+          </a:xfrm>
+          <a:prstGeom prst="rect">
+            <a:avLst/>
+          </a:prstGeom>
+        </p:spPr>
+      </p:pic>
+      <p:pic>
+        <p:nvPicPr>
+          <p:cNvPr id="5" name="Picture 4">
+            <a:extLst>
+              <a:ext uri="{FF2B5EF4-FFF2-40B4-BE49-F238E27FC236}">
+                <a16:creationId xmlns:a16="http://schemas.microsoft.com/office/drawing/2014/main" id="{6B2BBE62-1572-44B1-BB6A-8853D76B1772}"/>
+              </a:ext>
+            </a:extLst>
+          </p:cNvPr>
+          <p:cNvPicPr>
+            <a:picLocks noChangeAspect="1"/>
+          </p:cNvPicPr>
+          <p:nvPr/>
+        </p:nvPicPr>
+        <p:blipFill>
+          <a:blip r:embed="rId4"/>
+          <a:stretch>
+            <a:fillRect/>
+          </a:stretch>
+        </p:blipFill>
+        <p:spPr>
+          <a:xfrm>
+            <a:off x="4706280" y="1766599"/>
+            <a:ext cx="7302532" cy="498845"/>
+          </a:xfrm>
+          <a:prstGeom prst="rect">
+            <a:avLst/>
+          </a:prstGeom>
+        </p:spPr>
+      </p:pic>
+      <p:pic>
+        <p:nvPicPr>
+          <p:cNvPr id="6" name="Picture 5">
+            <a:extLst>
+              <a:ext uri="{FF2B5EF4-FFF2-40B4-BE49-F238E27FC236}">
+                <a16:creationId xmlns:a16="http://schemas.microsoft.com/office/drawing/2014/main" id="{6AECC4F2-620C-4C5E-B879-A754290B166E}"/>
+              </a:ext>
+            </a:extLst>
+          </p:cNvPr>
+          <p:cNvPicPr>
+            <a:picLocks noChangeAspect="1"/>
+          </p:cNvPicPr>
+          <p:nvPr/>
+        </p:nvPicPr>
+        <p:blipFill>
+          <a:blip r:embed="rId5"/>
+          <a:stretch>
+            <a:fillRect/>
+          </a:stretch>
+        </p:blipFill>
+        <p:spPr>
+          <a:xfrm>
+            <a:off x="4706280" y="2334931"/>
+            <a:ext cx="7302532" cy="1804965"/>
+          </a:xfrm>
+          <a:prstGeom prst="rect">
+            <a:avLst/>
+          </a:prstGeom>
+        </p:spPr>
+      </p:pic>
+      <p:pic>
+        <p:nvPicPr>
+          <p:cNvPr id="8" name="Picture 7">
+            <a:extLst>
+              <a:ext uri="{FF2B5EF4-FFF2-40B4-BE49-F238E27FC236}">
+                <a16:creationId xmlns:a16="http://schemas.microsoft.com/office/drawing/2014/main" id="{E146A8AB-88CB-44FB-9F97-C4A6D7757039}"/>
+              </a:ext>
+            </a:extLst>
+          </p:cNvPr>
+          <p:cNvPicPr>
+            <a:picLocks noChangeAspect="1"/>
+          </p:cNvPicPr>
+          <p:nvPr/>
+        </p:nvPicPr>
+        <p:blipFill>
+          <a:blip r:embed="rId6"/>
+          <a:stretch>
+            <a:fillRect/>
+          </a:stretch>
+        </p:blipFill>
+        <p:spPr>
+          <a:xfrm>
+            <a:off x="4709926" y="4305534"/>
+            <a:ext cx="7302533" cy="495850"/>
+          </a:xfrm>
+          <a:prstGeom prst="rect">
+            <a:avLst/>
+          </a:prstGeom>
+        </p:spPr>
+      </p:pic>
+      <p:pic>
+        <p:nvPicPr>
+          <p:cNvPr id="9" name="Picture 8">
+            <a:extLst>
+              <a:ext uri="{FF2B5EF4-FFF2-40B4-BE49-F238E27FC236}">
+                <a16:creationId xmlns:a16="http://schemas.microsoft.com/office/drawing/2014/main" id="{FD5D4FA6-221A-461B-801A-BF6DBF9366BB}"/>
+              </a:ext>
+            </a:extLst>
+          </p:cNvPr>
+          <p:cNvPicPr>
+            <a:picLocks noChangeAspect="1"/>
+          </p:cNvPicPr>
+          <p:nvPr/>
+        </p:nvPicPr>
+        <p:blipFill>
+          <a:blip r:embed="rId7"/>
+          <a:stretch>
+            <a:fillRect/>
+          </a:stretch>
+        </p:blipFill>
+        <p:spPr>
+          <a:xfrm>
+            <a:off x="4706279" y="4866394"/>
+            <a:ext cx="7420637" cy="1978074"/>
+          </a:xfrm>
+          <a:prstGeom prst="rect">
+            <a:avLst/>
+          </a:prstGeom>
+        </p:spPr>
+      </p:pic>
     </p:spTree>
     <p:extLst>
       <p:ext uri="{BB962C8B-B14F-4D97-AF65-F5344CB8AC3E}">
         <p14:creationId xmlns:p14="http://schemas.microsoft.com/office/powerpoint/2010/main" val="2409380930"/>
+      </p:ext>
+    </p:extLst>
+  </p:cSld>
+  <p:clrMapOvr>
+    <a:masterClrMapping/>
+  </p:clrMapOvr>
+</p:sld>
+</file>
+
+<file path=ppt/slides/slide13.xml><?xml version="1.0" encoding="utf-8"?>
+<p:sld xmlns:a="http://schemas.openxmlformats.org/drawingml/2006/main" xmlns:r="http://schemas.openxmlformats.org/officeDocument/2006/relationships" xmlns:p="http://schemas.openxmlformats.org/presentationml/2006/main">
+  <p:cSld>
+    <p:spTree>
+      <p:nvGrpSpPr>
+        <p:cNvPr id="1" name=""/>
+        <p:cNvGrpSpPr/>
+        <p:nvPr/>
+      </p:nvGrpSpPr>
+      <p:grpSpPr>
+        <a:xfrm>
+          <a:off x="0" y="0"/>
+          <a:ext cx="0" cy="0"/>
+          <a:chOff x="0" y="0"/>
+          <a:chExt cx="0" cy="0"/>
+        </a:xfrm>
+      </p:grpSpPr>
+      <p:sp>
+        <p:nvSpPr>
+          <p:cNvPr id="2" name="Title 1">
+            <a:extLst>
+              <a:ext uri="{FF2B5EF4-FFF2-40B4-BE49-F238E27FC236}">
+                <a16:creationId xmlns:a16="http://schemas.microsoft.com/office/drawing/2014/main" id="{316500EC-262C-451F-BC7D-32A34F7D0E3F}"/>
+              </a:ext>
+            </a:extLst>
+          </p:cNvPr>
+          <p:cNvSpPr>
+            <a:spLocks noGrp="1"/>
+          </p:cNvSpPr>
+          <p:nvPr>
+            <p:ph type="title"/>
+          </p:nvPr>
+        </p:nvSpPr>
+        <p:spPr/>
+        <p:txBody>
+          <a:bodyPr/>
+          <a:lstStyle/>
+          <a:p>
+            <a:r>
+              <a:rPr lang="en-US" dirty="0"/>
+              <a:t>3.4 Check your GitHub repo!</a:t>
+            </a:r>
+          </a:p>
+        </p:txBody>
+      </p:sp>
+      <p:pic>
+        <p:nvPicPr>
+          <p:cNvPr id="3" name="Picture 2">
+            <a:extLst>
+              <a:ext uri="{FF2B5EF4-FFF2-40B4-BE49-F238E27FC236}">
+                <a16:creationId xmlns:a16="http://schemas.microsoft.com/office/drawing/2014/main" id="{D6C255E5-A317-4CEE-8C4A-C2FB11790FFE}"/>
+              </a:ext>
+            </a:extLst>
+          </p:cNvPr>
+          <p:cNvPicPr>
+            <a:picLocks noChangeAspect="1"/>
+          </p:cNvPicPr>
+          <p:nvPr/>
+        </p:nvPicPr>
+        <p:blipFill>
+          <a:blip r:embed="rId2"/>
+          <a:stretch>
+            <a:fillRect/>
+          </a:stretch>
+        </p:blipFill>
+        <p:spPr>
+          <a:xfrm>
+            <a:off x="1475682" y="1432405"/>
+            <a:ext cx="7192379" cy="4944165"/>
+          </a:xfrm>
+          <a:prstGeom prst="rect">
+            <a:avLst/>
+          </a:prstGeom>
+        </p:spPr>
+      </p:pic>
+    </p:spTree>
+    <p:extLst>
+      <p:ext uri="{BB962C8B-B14F-4D97-AF65-F5344CB8AC3E}">
+        <p14:creationId xmlns:p14="http://schemas.microsoft.com/office/powerpoint/2010/main" val="3598166938"/>
+      </p:ext>
+    </p:extLst>
+  </p:cSld>
+  <p:clrMapOvr>
+    <a:masterClrMapping/>
+  </p:clrMapOvr>
+</p:sld>
+</file>
+
+<file path=ppt/slides/slide14.xml><?xml version="1.0" encoding="utf-8"?>
+<p:sld xmlns:a="http://schemas.openxmlformats.org/drawingml/2006/main" xmlns:r="http://schemas.openxmlformats.org/officeDocument/2006/relationships" xmlns:p="http://schemas.openxmlformats.org/presentationml/2006/main">
+  <p:cSld>
+    <p:spTree>
+      <p:nvGrpSpPr>
+        <p:cNvPr id="1" name=""/>
+        <p:cNvGrpSpPr/>
+        <p:nvPr/>
+      </p:nvGrpSpPr>
+      <p:grpSpPr>
+        <a:xfrm>
+          <a:off x="0" y="0"/>
+          <a:ext cx="0" cy="0"/>
+          <a:chOff x="0" y="0"/>
+          <a:chExt cx="0" cy="0"/>
+        </a:xfrm>
+      </p:grpSpPr>
+      <p:sp>
+        <p:nvSpPr>
+          <p:cNvPr id="2" name="Title 1">
+            <a:extLst>
+              <a:ext uri="{FF2B5EF4-FFF2-40B4-BE49-F238E27FC236}">
+                <a16:creationId xmlns:a16="http://schemas.microsoft.com/office/drawing/2014/main" id="{B3727A68-E997-4C56-B0B0-776965374E74}"/>
+              </a:ext>
+            </a:extLst>
+          </p:cNvPr>
+          <p:cNvSpPr>
+            <a:spLocks noGrp="1"/>
+          </p:cNvSpPr>
+          <p:nvPr>
+            <p:ph type="title"/>
+          </p:nvPr>
+        </p:nvSpPr>
+        <p:spPr/>
+        <p:txBody>
+          <a:bodyPr/>
+          <a:lstStyle/>
+          <a:p>
+            <a:r>
+              <a:rPr lang="en-US" dirty="0"/>
+              <a:t>4. Everyday-Git-Commands</a:t>
+            </a:r>
+          </a:p>
+        </p:txBody>
+      </p:sp>
+      <p:pic>
+        <p:nvPicPr>
+          <p:cNvPr id="3" name="Picture 2">
+            <a:extLst>
+              <a:ext uri="{FF2B5EF4-FFF2-40B4-BE49-F238E27FC236}">
+                <a16:creationId xmlns:a16="http://schemas.microsoft.com/office/drawing/2014/main" id="{1880DE09-CC20-4A60-A6B7-486AB30A901C}"/>
+              </a:ext>
+            </a:extLst>
+          </p:cNvPr>
+          <p:cNvPicPr>
+            <a:picLocks noChangeAspect="1"/>
+          </p:cNvPicPr>
+          <p:nvPr/>
+        </p:nvPicPr>
+        <p:blipFill>
+          <a:blip r:embed="rId3"/>
+          <a:stretch>
+            <a:fillRect/>
+          </a:stretch>
+        </p:blipFill>
+        <p:spPr>
+          <a:xfrm>
+            <a:off x="2633614" y="1458661"/>
+            <a:ext cx="9121915" cy="650555"/>
+          </a:xfrm>
+          <a:prstGeom prst="rect">
+            <a:avLst/>
+          </a:prstGeom>
+        </p:spPr>
+      </p:pic>
+      <p:pic>
+        <p:nvPicPr>
+          <p:cNvPr id="4" name="Picture 3">
+            <a:extLst>
+              <a:ext uri="{FF2B5EF4-FFF2-40B4-BE49-F238E27FC236}">
+                <a16:creationId xmlns:a16="http://schemas.microsoft.com/office/drawing/2014/main" id="{540E66CB-25EB-496B-94D8-3E25E2C5F210}"/>
+              </a:ext>
+            </a:extLst>
+          </p:cNvPr>
+          <p:cNvPicPr>
+            <a:picLocks noChangeAspect="1"/>
+          </p:cNvPicPr>
+          <p:nvPr/>
+        </p:nvPicPr>
+        <p:blipFill>
+          <a:blip r:embed="rId4"/>
+          <a:stretch>
+            <a:fillRect/>
+          </a:stretch>
+        </p:blipFill>
+        <p:spPr>
+          <a:xfrm>
+            <a:off x="2633613" y="2327004"/>
+            <a:ext cx="9121915" cy="3408882"/>
+          </a:xfrm>
+          <a:prstGeom prst="rect">
+            <a:avLst/>
+          </a:prstGeom>
+        </p:spPr>
+      </p:pic>
+      <p:sp>
+        <p:nvSpPr>
+          <p:cNvPr id="5" name="TextBox 4">
+            <a:extLst>
+              <a:ext uri="{FF2B5EF4-FFF2-40B4-BE49-F238E27FC236}">
+                <a16:creationId xmlns:a16="http://schemas.microsoft.com/office/drawing/2014/main" id="{06DFF514-6197-4E02-A75F-FC306D295F04}"/>
+              </a:ext>
+            </a:extLst>
+          </p:cNvPr>
+          <p:cNvSpPr txBox="1"/>
+          <p:nvPr/>
+        </p:nvSpPr>
+        <p:spPr>
+          <a:xfrm>
+            <a:off x="55663" y="1627536"/>
+            <a:ext cx="2577950" cy="369332"/>
+          </a:xfrm>
+          <a:prstGeom prst="rect">
+            <a:avLst/>
+          </a:prstGeom>
+          <a:noFill/>
+        </p:spPr>
+        <p:txBody>
+          <a:bodyPr wrap="none" rtlCol="0">
+            <a:spAutoFit/>
+          </a:bodyPr>
+          <a:lstStyle/>
+          <a:p>
+            <a:r>
+              <a:rPr lang="en-US" dirty="0"/>
+              <a:t>(a) “clear” the window</a:t>
+            </a:r>
+          </a:p>
+        </p:txBody>
+      </p:sp>
+      <p:sp>
+        <p:nvSpPr>
+          <p:cNvPr id="6" name="TextBox 5">
+            <a:extLst>
+              <a:ext uri="{FF2B5EF4-FFF2-40B4-BE49-F238E27FC236}">
+                <a16:creationId xmlns:a16="http://schemas.microsoft.com/office/drawing/2014/main" id="{1DA9F409-4B3D-409D-9CB0-A27A4B4794DB}"/>
+              </a:ext>
+            </a:extLst>
+          </p:cNvPr>
+          <p:cNvSpPr txBox="1"/>
+          <p:nvPr/>
+        </p:nvSpPr>
+        <p:spPr>
+          <a:xfrm>
+            <a:off x="55662" y="2485532"/>
+            <a:ext cx="2577949" cy="923330"/>
+          </a:xfrm>
+          <a:prstGeom prst="rect">
+            <a:avLst/>
+          </a:prstGeom>
+          <a:noFill/>
+        </p:spPr>
+        <p:txBody>
+          <a:bodyPr wrap="square" rtlCol="0">
+            <a:spAutoFit/>
+          </a:bodyPr>
+          <a:lstStyle/>
+          <a:p>
+            <a:r>
+              <a:rPr lang="en-US" dirty="0"/>
+              <a:t>(b) Find out the status of the files using “git status”</a:t>
+            </a:r>
+          </a:p>
+        </p:txBody>
+      </p:sp>
+    </p:spTree>
+    <p:extLst>
+      <p:ext uri="{BB962C8B-B14F-4D97-AF65-F5344CB8AC3E}">
+        <p14:creationId xmlns:p14="http://schemas.microsoft.com/office/powerpoint/2010/main" val="1983774218"/>
+      </p:ext>
+    </p:extLst>
+  </p:cSld>
+  <p:clrMapOvr>
+    <a:masterClrMapping/>
+  </p:clrMapOvr>
+</p:sld>
+</file>
+
+<file path=ppt/slides/slide15.xml><?xml version="1.0" encoding="utf-8"?>
+<p:sld xmlns:a="http://schemas.openxmlformats.org/drawingml/2006/main" xmlns:r="http://schemas.openxmlformats.org/officeDocument/2006/relationships" xmlns:p="http://schemas.openxmlformats.org/presentationml/2006/main">
+  <p:cSld>
+    <p:spTree>
+      <p:nvGrpSpPr>
+        <p:cNvPr id="1" name=""/>
+        <p:cNvGrpSpPr/>
+        <p:nvPr/>
+      </p:nvGrpSpPr>
+      <p:grpSpPr>
+        <a:xfrm>
+          <a:off x="0" y="0"/>
+          <a:ext cx="0" cy="0"/>
+          <a:chOff x="0" y="0"/>
+          <a:chExt cx="0" cy="0"/>
+        </a:xfrm>
+      </p:grpSpPr>
+      <p:pic>
+        <p:nvPicPr>
+          <p:cNvPr id="3" name="Picture 2">
+            <a:extLst>
+              <a:ext uri="{FF2B5EF4-FFF2-40B4-BE49-F238E27FC236}">
+                <a16:creationId xmlns:a16="http://schemas.microsoft.com/office/drawing/2014/main" id="{38EC80DF-9C10-4A1C-81DB-8FAB0D166731}"/>
+              </a:ext>
+            </a:extLst>
+          </p:cNvPr>
+          <p:cNvPicPr>
+            <a:picLocks noChangeAspect="1"/>
+          </p:cNvPicPr>
+          <p:nvPr/>
+        </p:nvPicPr>
+        <p:blipFill>
+          <a:blip r:embed="rId2"/>
+          <a:stretch>
+            <a:fillRect/>
+          </a:stretch>
+        </p:blipFill>
+        <p:spPr>
+          <a:xfrm>
+            <a:off x="5691183" y="262320"/>
+            <a:ext cx="5927793" cy="2794970"/>
+          </a:xfrm>
+          <a:prstGeom prst="rect">
+            <a:avLst/>
+          </a:prstGeom>
+        </p:spPr>
+      </p:pic>
+      <p:sp>
+        <p:nvSpPr>
+          <p:cNvPr id="4" name="TextBox 3">
+            <a:extLst>
+              <a:ext uri="{FF2B5EF4-FFF2-40B4-BE49-F238E27FC236}">
+                <a16:creationId xmlns:a16="http://schemas.microsoft.com/office/drawing/2014/main" id="{99CE65F2-B712-4BFD-A8A5-2A326DA7C455}"/>
+              </a:ext>
+            </a:extLst>
+          </p:cNvPr>
+          <p:cNvSpPr txBox="1"/>
+          <p:nvPr/>
+        </p:nvSpPr>
+        <p:spPr>
+          <a:xfrm>
+            <a:off x="272821" y="2093014"/>
+            <a:ext cx="5194051" cy="369332"/>
+          </a:xfrm>
+          <a:prstGeom prst="rect">
+            <a:avLst/>
+          </a:prstGeom>
+          <a:noFill/>
+        </p:spPr>
+        <p:txBody>
+          <a:bodyPr wrap="none" rtlCol="0">
+            <a:spAutoFit/>
+          </a:bodyPr>
+          <a:lstStyle/>
+          <a:p>
+            <a:r>
+              <a:rPr lang="en-US" dirty="0"/>
+              <a:t>(c) Untracked files can be added using “git add”</a:t>
+            </a:r>
+          </a:p>
+        </p:txBody>
+      </p:sp>
+      <p:pic>
+        <p:nvPicPr>
+          <p:cNvPr id="5" name="Picture 4">
+            <a:extLst>
+              <a:ext uri="{FF2B5EF4-FFF2-40B4-BE49-F238E27FC236}">
+                <a16:creationId xmlns:a16="http://schemas.microsoft.com/office/drawing/2014/main" id="{436ED083-033D-425E-9BBE-07300EF24967}"/>
+              </a:ext>
+            </a:extLst>
+          </p:cNvPr>
+          <p:cNvPicPr>
+            <a:picLocks noChangeAspect="1"/>
+          </p:cNvPicPr>
+          <p:nvPr/>
+        </p:nvPicPr>
+        <p:blipFill>
+          <a:blip r:embed="rId3"/>
+          <a:stretch>
+            <a:fillRect/>
+          </a:stretch>
+        </p:blipFill>
+        <p:spPr>
+          <a:xfrm>
+            <a:off x="5691183" y="3239878"/>
+            <a:ext cx="5927793" cy="2933236"/>
+          </a:xfrm>
+          <a:prstGeom prst="rect">
+            <a:avLst/>
+          </a:prstGeom>
+        </p:spPr>
+      </p:pic>
+      <p:pic>
+        <p:nvPicPr>
+          <p:cNvPr id="6" name="Picture 5">
+            <a:extLst>
+              <a:ext uri="{FF2B5EF4-FFF2-40B4-BE49-F238E27FC236}">
+                <a16:creationId xmlns:a16="http://schemas.microsoft.com/office/drawing/2014/main" id="{9AC8A7BE-7D99-48A5-8A96-DBB796CDD735}"/>
+              </a:ext>
+            </a:extLst>
+          </p:cNvPr>
+          <p:cNvPicPr>
+            <a:picLocks noChangeAspect="1"/>
+          </p:cNvPicPr>
+          <p:nvPr/>
+        </p:nvPicPr>
+        <p:blipFill>
+          <a:blip r:embed="rId4"/>
+          <a:stretch>
+            <a:fillRect/>
+          </a:stretch>
+        </p:blipFill>
+        <p:spPr>
+          <a:xfrm>
+            <a:off x="126898" y="2757206"/>
+            <a:ext cx="5425318" cy="2460969"/>
+          </a:xfrm>
+          <a:prstGeom prst="rect">
+            <a:avLst/>
+          </a:prstGeom>
+        </p:spPr>
+      </p:pic>
+    </p:spTree>
+    <p:extLst>
+      <p:ext uri="{BB962C8B-B14F-4D97-AF65-F5344CB8AC3E}">
+        <p14:creationId xmlns:p14="http://schemas.microsoft.com/office/powerpoint/2010/main" val="3881232979"/>
+      </p:ext>
+    </p:extLst>
+  </p:cSld>
+  <p:clrMapOvr>
+    <a:masterClrMapping/>
+  </p:clrMapOvr>
+</p:sld>
+</file>
+
+<file path=ppt/slides/slide16.xml><?xml version="1.0" encoding="utf-8"?>
+<p:sld xmlns:a="http://schemas.openxmlformats.org/drawingml/2006/main" xmlns:r="http://schemas.openxmlformats.org/officeDocument/2006/relationships" xmlns:p="http://schemas.openxmlformats.org/presentationml/2006/main">
+  <p:cSld>
+    <p:spTree>
+      <p:nvGrpSpPr>
+        <p:cNvPr id="1" name=""/>
+        <p:cNvGrpSpPr/>
+        <p:nvPr/>
+      </p:nvGrpSpPr>
+      <p:grpSpPr>
+        <a:xfrm>
+          <a:off x="0" y="0"/>
+          <a:ext cx="0" cy="0"/>
+          <a:chOff x="0" y="0"/>
+          <a:chExt cx="0" cy="0"/>
+        </a:xfrm>
+      </p:grpSpPr>
+      <p:pic>
+        <p:nvPicPr>
+          <p:cNvPr id="4" name="Picture 3">
+            <a:extLst>
+              <a:ext uri="{FF2B5EF4-FFF2-40B4-BE49-F238E27FC236}">
+                <a16:creationId xmlns:a16="http://schemas.microsoft.com/office/drawing/2014/main" id="{085D7F70-638A-4BD5-8F0C-9809FC068619}"/>
+              </a:ext>
+            </a:extLst>
+          </p:cNvPr>
+          <p:cNvPicPr>
+            <a:picLocks noChangeAspect="1"/>
+          </p:cNvPicPr>
+          <p:nvPr/>
+        </p:nvPicPr>
+        <p:blipFill>
+          <a:blip r:embed="rId2"/>
+          <a:stretch>
+            <a:fillRect/>
+          </a:stretch>
+        </p:blipFill>
+        <p:spPr>
+          <a:xfrm>
+            <a:off x="4796403" y="219456"/>
+            <a:ext cx="6534487" cy="3278510"/>
+          </a:xfrm>
+          <a:prstGeom prst="rect">
+            <a:avLst/>
+          </a:prstGeom>
+        </p:spPr>
+      </p:pic>
+      <p:sp>
+        <p:nvSpPr>
+          <p:cNvPr id="5" name="TextBox 4">
+            <a:extLst>
+              <a:ext uri="{FF2B5EF4-FFF2-40B4-BE49-F238E27FC236}">
+                <a16:creationId xmlns:a16="http://schemas.microsoft.com/office/drawing/2014/main" id="{D6F8B747-71B7-4F7A-945A-D277413F4DFA}"/>
+              </a:ext>
+            </a:extLst>
+          </p:cNvPr>
+          <p:cNvSpPr txBox="1"/>
+          <p:nvPr/>
+        </p:nvSpPr>
+        <p:spPr>
+          <a:xfrm>
+            <a:off x="861110" y="935381"/>
+            <a:ext cx="2438400" cy="1754326"/>
+          </a:xfrm>
+          <a:prstGeom prst="rect">
+            <a:avLst/>
+          </a:prstGeom>
+          <a:noFill/>
+        </p:spPr>
+        <p:txBody>
+          <a:bodyPr wrap="square" rtlCol="0">
+            <a:spAutoFit/>
+          </a:bodyPr>
+          <a:lstStyle/>
+          <a:p>
+            <a:r>
+              <a:rPr lang="en-US" dirty="0"/>
+              <a:t>Open file</a:t>
+            </a:r>
+          </a:p>
+          <a:p>
+            <a:r>
+              <a:rPr lang="en-US" dirty="0"/>
+              <a:t>Make a change</a:t>
+            </a:r>
+          </a:p>
+          <a:p>
+            <a:endParaRPr lang="en-US" dirty="0"/>
+          </a:p>
+          <a:p>
+            <a:r>
+              <a:rPr lang="en-US" dirty="0"/>
+              <a:t>Check the status of the file, not it is “not staged”</a:t>
+            </a:r>
+          </a:p>
+        </p:txBody>
+      </p:sp>
+      <p:pic>
+        <p:nvPicPr>
+          <p:cNvPr id="6" name="Picture 5">
+            <a:extLst>
+              <a:ext uri="{FF2B5EF4-FFF2-40B4-BE49-F238E27FC236}">
+                <a16:creationId xmlns:a16="http://schemas.microsoft.com/office/drawing/2014/main" id="{4860EB83-C271-4B28-AAE4-8D7398D76708}"/>
+              </a:ext>
+            </a:extLst>
+          </p:cNvPr>
+          <p:cNvPicPr>
+            <a:picLocks noChangeAspect="1"/>
+          </p:cNvPicPr>
+          <p:nvPr/>
+        </p:nvPicPr>
+        <p:blipFill>
+          <a:blip r:embed="rId3"/>
+          <a:stretch>
+            <a:fillRect/>
+          </a:stretch>
+        </p:blipFill>
+        <p:spPr>
+          <a:xfrm>
+            <a:off x="4796404" y="3579490"/>
+            <a:ext cx="6591053" cy="3278510"/>
+          </a:xfrm>
+          <a:prstGeom prst="rect">
+            <a:avLst/>
+          </a:prstGeom>
+        </p:spPr>
+      </p:pic>
+      <p:sp>
+        <p:nvSpPr>
+          <p:cNvPr id="7" name="TextBox 6">
+            <a:extLst>
+              <a:ext uri="{FF2B5EF4-FFF2-40B4-BE49-F238E27FC236}">
+                <a16:creationId xmlns:a16="http://schemas.microsoft.com/office/drawing/2014/main" id="{E22D074E-EC39-47B1-9086-BFEA9018FDFC}"/>
+              </a:ext>
+            </a:extLst>
+          </p:cNvPr>
+          <p:cNvSpPr txBox="1"/>
+          <p:nvPr/>
+        </p:nvSpPr>
+        <p:spPr>
+          <a:xfrm>
+            <a:off x="861110" y="3794405"/>
+            <a:ext cx="2438400" cy="1200329"/>
+          </a:xfrm>
+          <a:prstGeom prst="rect">
+            <a:avLst/>
+          </a:prstGeom>
+          <a:noFill/>
+        </p:spPr>
+        <p:txBody>
+          <a:bodyPr wrap="square" rtlCol="0">
+            <a:spAutoFit/>
+          </a:bodyPr>
+          <a:lstStyle/>
+          <a:p>
+            <a:r>
+              <a:rPr lang="en-US" dirty="0"/>
+              <a:t>Add to the stage</a:t>
+            </a:r>
+          </a:p>
+          <a:p>
+            <a:r>
+              <a:rPr lang="en-US" dirty="0"/>
+              <a:t>Check the status of the file, it is not staged! </a:t>
+            </a:r>
+          </a:p>
+        </p:txBody>
+      </p:sp>
+    </p:spTree>
+    <p:extLst>
+      <p:ext uri="{BB962C8B-B14F-4D97-AF65-F5344CB8AC3E}">
+        <p14:creationId xmlns:p14="http://schemas.microsoft.com/office/powerpoint/2010/main" val="1892016750"/>
+      </p:ext>
+    </p:extLst>
+  </p:cSld>
+  <p:clrMapOvr>
+    <a:masterClrMapping/>
+  </p:clrMapOvr>
+</p:sld>
+</file>
+
+<file path=ppt/slides/slide17.xml><?xml version="1.0" encoding="utf-8"?>
+<p:sld xmlns:a="http://schemas.openxmlformats.org/drawingml/2006/main" xmlns:r="http://schemas.openxmlformats.org/officeDocument/2006/relationships" xmlns:p="http://schemas.openxmlformats.org/presentationml/2006/main">
+  <p:cSld>
+    <p:spTree>
+      <p:nvGrpSpPr>
+        <p:cNvPr id="1" name=""/>
+        <p:cNvGrpSpPr/>
+        <p:nvPr/>
+      </p:nvGrpSpPr>
+      <p:grpSpPr>
+        <a:xfrm>
+          <a:off x="0" y="0"/>
+          <a:ext cx="0" cy="0"/>
+          <a:chOff x="0" y="0"/>
+          <a:chExt cx="0" cy="0"/>
+        </a:xfrm>
+      </p:grpSpPr>
+      <p:sp>
+        <p:nvSpPr>
+          <p:cNvPr id="2" name="Title 1">
+            <a:extLst>
+              <a:ext uri="{FF2B5EF4-FFF2-40B4-BE49-F238E27FC236}">
+                <a16:creationId xmlns:a16="http://schemas.microsoft.com/office/drawing/2014/main" id="{24546233-FCC4-42C3-B9C4-967973F84007}"/>
+              </a:ext>
+            </a:extLst>
+          </p:cNvPr>
+          <p:cNvSpPr>
+            <a:spLocks noGrp="1"/>
+          </p:cNvSpPr>
+          <p:nvPr>
+            <p:ph type="title"/>
+          </p:nvPr>
+        </p:nvSpPr>
+        <p:spPr/>
+        <p:txBody>
+          <a:bodyPr/>
+          <a:lstStyle/>
+          <a:p>
+            <a:endParaRPr lang="en-US"/>
+          </a:p>
+        </p:txBody>
+      </p:sp>
+      <p:pic>
+        <p:nvPicPr>
+          <p:cNvPr id="3" name="Picture 2">
+            <a:extLst>
+              <a:ext uri="{FF2B5EF4-FFF2-40B4-BE49-F238E27FC236}">
+                <a16:creationId xmlns:a16="http://schemas.microsoft.com/office/drawing/2014/main" id="{FD71C525-EC69-4DDF-BCCF-C62585E31579}"/>
+              </a:ext>
+            </a:extLst>
+          </p:cNvPr>
+          <p:cNvPicPr>
+            <a:picLocks noChangeAspect="1"/>
+          </p:cNvPicPr>
+          <p:nvPr/>
+        </p:nvPicPr>
+        <p:blipFill>
+          <a:blip r:embed="rId3"/>
+          <a:stretch>
+            <a:fillRect/>
+          </a:stretch>
+        </p:blipFill>
+        <p:spPr>
+          <a:xfrm>
+            <a:off x="4869556" y="2009291"/>
+            <a:ext cx="6610718" cy="889028"/>
+          </a:xfrm>
+          <a:prstGeom prst="rect">
+            <a:avLst/>
+          </a:prstGeom>
+        </p:spPr>
+      </p:pic>
+      <p:pic>
+        <p:nvPicPr>
+          <p:cNvPr id="4" name="Picture 3">
+            <a:extLst>
+              <a:ext uri="{FF2B5EF4-FFF2-40B4-BE49-F238E27FC236}">
+                <a16:creationId xmlns:a16="http://schemas.microsoft.com/office/drawing/2014/main" id="{B2A6A7D8-A4C0-4E59-AE04-B2C354F53DF2}"/>
+              </a:ext>
+            </a:extLst>
+          </p:cNvPr>
+          <p:cNvPicPr>
+            <a:picLocks noChangeAspect="1"/>
+          </p:cNvPicPr>
+          <p:nvPr/>
+        </p:nvPicPr>
+        <p:blipFill>
+          <a:blip r:embed="rId4"/>
+          <a:stretch>
+            <a:fillRect/>
+          </a:stretch>
+        </p:blipFill>
+        <p:spPr>
+          <a:xfrm>
+            <a:off x="4831450" y="3170908"/>
+            <a:ext cx="6656309" cy="889028"/>
+          </a:xfrm>
+          <a:prstGeom prst="rect">
+            <a:avLst/>
+          </a:prstGeom>
+        </p:spPr>
+      </p:pic>
+      <p:pic>
+        <p:nvPicPr>
+          <p:cNvPr id="5" name="Picture 4">
+            <a:extLst>
+              <a:ext uri="{FF2B5EF4-FFF2-40B4-BE49-F238E27FC236}">
+                <a16:creationId xmlns:a16="http://schemas.microsoft.com/office/drawing/2014/main" id="{168F4D8A-45FE-48AC-BA8E-5E5C04F48287}"/>
+              </a:ext>
+            </a:extLst>
+          </p:cNvPr>
+          <p:cNvPicPr>
+            <a:picLocks noChangeAspect="1"/>
+          </p:cNvPicPr>
+          <p:nvPr/>
+        </p:nvPicPr>
+        <p:blipFill>
+          <a:blip r:embed="rId5"/>
+          <a:stretch>
+            <a:fillRect/>
+          </a:stretch>
+        </p:blipFill>
+        <p:spPr>
+          <a:xfrm>
+            <a:off x="4831450" y="4373310"/>
+            <a:ext cx="6665713" cy="1875089"/>
+          </a:xfrm>
+          <a:prstGeom prst="rect">
+            <a:avLst/>
+          </a:prstGeom>
+        </p:spPr>
+      </p:pic>
+      <p:sp>
+        <p:nvSpPr>
+          <p:cNvPr id="6" name="TextBox 5">
+            <a:extLst>
+              <a:ext uri="{FF2B5EF4-FFF2-40B4-BE49-F238E27FC236}">
+                <a16:creationId xmlns:a16="http://schemas.microsoft.com/office/drawing/2014/main" id="{099B3D42-99F9-4581-A945-D3DBD46F41FA}"/>
+              </a:ext>
+            </a:extLst>
+          </p:cNvPr>
+          <p:cNvSpPr txBox="1"/>
+          <p:nvPr/>
+        </p:nvSpPr>
+        <p:spPr>
+          <a:xfrm>
+            <a:off x="1360494" y="4559808"/>
+            <a:ext cx="3223959" cy="1477328"/>
+          </a:xfrm>
+          <a:prstGeom prst="rect">
+            <a:avLst/>
+          </a:prstGeom>
+          <a:noFill/>
+        </p:spPr>
+        <p:txBody>
+          <a:bodyPr wrap="none" rtlCol="0">
+            <a:spAutoFit/>
+          </a:bodyPr>
+          <a:lstStyle/>
+          <a:p>
+            <a:pPr algn="r"/>
+            <a:r>
+              <a:rPr lang="en-US" dirty="0"/>
+              <a:t>Compared files</a:t>
+            </a:r>
+          </a:p>
+          <a:p>
+            <a:pPr algn="r"/>
+            <a:r>
+              <a:rPr lang="en-US" dirty="0"/>
+              <a:t>File metadata</a:t>
+            </a:r>
+          </a:p>
+          <a:p>
+            <a:pPr algn="r"/>
+            <a:r>
+              <a:rPr lang="en-US" dirty="0"/>
+              <a:t>Change markers for file a/b</a:t>
+            </a:r>
+          </a:p>
+          <a:p>
+            <a:pPr algn="r"/>
+            <a:r>
+              <a:rPr lang="en-US" dirty="0"/>
+              <a:t>Chunk header</a:t>
+            </a:r>
+          </a:p>
+          <a:p>
+            <a:pPr algn="r"/>
+            <a:r>
+              <a:rPr lang="en-US" dirty="0"/>
+              <a:t>Chunk changes (add/remove)</a:t>
+            </a:r>
+          </a:p>
+        </p:txBody>
+      </p:sp>
+      <p:cxnSp>
+        <p:nvCxnSpPr>
+          <p:cNvPr id="8" name="Straight Connector 7">
+            <a:extLst>
+              <a:ext uri="{FF2B5EF4-FFF2-40B4-BE49-F238E27FC236}">
+                <a16:creationId xmlns:a16="http://schemas.microsoft.com/office/drawing/2014/main" id="{A9392E40-CB44-49E2-8B93-14261E836820}"/>
+              </a:ext>
+            </a:extLst>
+          </p:cNvPr>
+          <p:cNvCxnSpPr/>
+          <p:nvPr/>
+        </p:nvCxnSpPr>
+        <p:spPr>
+          <a:xfrm>
+            <a:off x="4450080" y="4767072"/>
+            <a:ext cx="369178" cy="0"/>
+          </a:xfrm>
+          <a:prstGeom prst="line">
+            <a:avLst/>
+          </a:prstGeom>
+        </p:spPr>
+        <p:style>
+          <a:lnRef idx="1">
+            <a:schemeClr val="accent1"/>
+          </a:lnRef>
+          <a:fillRef idx="0">
+            <a:schemeClr val="accent1"/>
+          </a:fillRef>
+          <a:effectRef idx="0">
+            <a:schemeClr val="accent1"/>
+          </a:effectRef>
+          <a:fontRef idx="minor">
+            <a:schemeClr val="tx1"/>
+          </a:fontRef>
+        </p:style>
+      </p:cxnSp>
+      <p:cxnSp>
+        <p:nvCxnSpPr>
+          <p:cNvPr id="9" name="Straight Connector 8">
+            <a:extLst>
+              <a:ext uri="{FF2B5EF4-FFF2-40B4-BE49-F238E27FC236}">
+                <a16:creationId xmlns:a16="http://schemas.microsoft.com/office/drawing/2014/main" id="{89739B26-EE31-4BCC-8D8A-F087C47B5F6D}"/>
+              </a:ext>
+            </a:extLst>
+          </p:cNvPr>
+          <p:cNvCxnSpPr>
+            <a:cxnSpLocks/>
+          </p:cNvCxnSpPr>
+          <p:nvPr/>
+        </p:nvCxnSpPr>
+        <p:spPr>
+          <a:xfrm>
+            <a:off x="4468629" y="5053584"/>
+            <a:ext cx="261867" cy="0"/>
+          </a:xfrm>
+          <a:prstGeom prst="line">
+            <a:avLst/>
+          </a:prstGeom>
+        </p:spPr>
+        <p:style>
+          <a:lnRef idx="1">
+            <a:schemeClr val="accent1"/>
+          </a:lnRef>
+          <a:fillRef idx="0">
+            <a:schemeClr val="accent1"/>
+          </a:fillRef>
+          <a:effectRef idx="0">
+            <a:schemeClr val="accent1"/>
+          </a:effectRef>
+          <a:fontRef idx="minor">
+            <a:schemeClr val="tx1"/>
+          </a:fontRef>
+        </p:style>
+      </p:cxnSp>
+      <p:cxnSp>
+        <p:nvCxnSpPr>
+          <p:cNvPr id="11" name="Straight Connector 10">
+            <a:extLst>
+              <a:ext uri="{FF2B5EF4-FFF2-40B4-BE49-F238E27FC236}">
+                <a16:creationId xmlns:a16="http://schemas.microsoft.com/office/drawing/2014/main" id="{F90C8E47-629D-46DA-BB11-C477FDE07AF4}"/>
+              </a:ext>
+            </a:extLst>
+          </p:cNvPr>
+          <p:cNvCxnSpPr>
+            <a:cxnSpLocks/>
+          </p:cNvCxnSpPr>
+          <p:nvPr/>
+        </p:nvCxnSpPr>
+        <p:spPr>
+          <a:xfrm>
+            <a:off x="4467159" y="5310854"/>
+            <a:ext cx="261867" cy="0"/>
+          </a:xfrm>
+          <a:prstGeom prst="line">
+            <a:avLst/>
+          </a:prstGeom>
+        </p:spPr>
+        <p:style>
+          <a:lnRef idx="1">
+            <a:schemeClr val="accent1"/>
+          </a:lnRef>
+          <a:fillRef idx="0">
+            <a:schemeClr val="accent1"/>
+          </a:fillRef>
+          <a:effectRef idx="0">
+            <a:schemeClr val="accent1"/>
+          </a:effectRef>
+          <a:fontRef idx="minor">
+            <a:schemeClr val="tx1"/>
+          </a:fontRef>
+        </p:style>
+      </p:cxnSp>
+      <p:cxnSp>
+        <p:nvCxnSpPr>
+          <p:cNvPr id="12" name="Straight Connector 11">
+            <a:extLst>
+              <a:ext uri="{FF2B5EF4-FFF2-40B4-BE49-F238E27FC236}">
+                <a16:creationId xmlns:a16="http://schemas.microsoft.com/office/drawing/2014/main" id="{A7C3D7A6-FE2C-49CA-9627-96B85508D062}"/>
+              </a:ext>
+            </a:extLst>
+          </p:cNvPr>
+          <p:cNvCxnSpPr>
+            <a:cxnSpLocks/>
+          </p:cNvCxnSpPr>
+          <p:nvPr/>
+        </p:nvCxnSpPr>
+        <p:spPr>
+          <a:xfrm>
+            <a:off x="4503735" y="5585174"/>
+            <a:ext cx="261867" cy="0"/>
+          </a:xfrm>
+          <a:prstGeom prst="line">
+            <a:avLst/>
+          </a:prstGeom>
+        </p:spPr>
+        <p:style>
+          <a:lnRef idx="1">
+            <a:schemeClr val="accent1"/>
+          </a:lnRef>
+          <a:fillRef idx="0">
+            <a:schemeClr val="accent1"/>
+          </a:fillRef>
+          <a:effectRef idx="0">
+            <a:schemeClr val="accent1"/>
+          </a:effectRef>
+          <a:fontRef idx="minor">
+            <a:schemeClr val="tx1"/>
+          </a:fontRef>
+        </p:style>
+      </p:cxnSp>
+      <p:sp>
+        <p:nvSpPr>
+          <p:cNvPr id="13" name="TextBox 12">
+            <a:extLst>
+              <a:ext uri="{FF2B5EF4-FFF2-40B4-BE49-F238E27FC236}">
+                <a16:creationId xmlns:a16="http://schemas.microsoft.com/office/drawing/2014/main" id="{246AC49F-3ED7-4C05-AE1C-27EE61A13216}"/>
+              </a:ext>
+            </a:extLst>
+          </p:cNvPr>
+          <p:cNvSpPr txBox="1"/>
+          <p:nvPr/>
+        </p:nvSpPr>
+        <p:spPr>
+          <a:xfrm>
+            <a:off x="1341120" y="2413191"/>
+            <a:ext cx="3191899" cy="1200329"/>
+          </a:xfrm>
+          <a:prstGeom prst="rect">
+            <a:avLst/>
+          </a:prstGeom>
+          <a:noFill/>
+        </p:spPr>
+        <p:txBody>
+          <a:bodyPr wrap="none" rtlCol="0">
+            <a:spAutoFit/>
+          </a:bodyPr>
+          <a:lstStyle/>
+          <a:p>
+            <a:r>
+              <a:rPr lang="en-US" dirty="0"/>
+              <a:t>Short status “-s” or “—short”</a:t>
+            </a:r>
+          </a:p>
+          <a:p>
+            <a:r>
+              <a:rPr lang="en-US" dirty="0"/>
+              <a:t>M = modified</a:t>
+            </a:r>
+          </a:p>
+          <a:p>
+            <a:r>
+              <a:rPr lang="en-US" dirty="0"/>
+              <a:t>A = will be added</a:t>
+            </a:r>
+          </a:p>
+          <a:p>
+            <a:r>
+              <a:rPr lang="en-US" dirty="0"/>
+              <a:t>?? = not tracked</a:t>
+            </a:r>
+          </a:p>
+        </p:txBody>
+      </p:sp>
+    </p:spTree>
+    <p:extLst>
+      <p:ext uri="{BB962C8B-B14F-4D97-AF65-F5344CB8AC3E}">
+        <p14:creationId xmlns:p14="http://schemas.microsoft.com/office/powerpoint/2010/main" val="565676457"/>
       </p:ext>
     </p:extLst>
   </p:cSld>
@@ -4262,7 +8292,7 @@
           <p:cNvPr id="2" name="Title 1">
             <a:extLst>
               <a:ext uri="{FF2B5EF4-FFF2-40B4-BE49-F238E27FC236}">
-                <a16:creationId xmlns:a16="http://schemas.microsoft.com/office/drawing/2014/main" id="{11E2A693-E6AC-4AD3-9B23-4CD2AB8DC6B3}"/>
+                <a16:creationId xmlns:a16="http://schemas.microsoft.com/office/drawing/2014/main" id="{593C6EBE-596B-447B-9F78-400C66CEA0F0}"/>
               </a:ext>
             </a:extLst>
           </p:cNvPr>
@@ -4280,7 +8310,7 @@
           <a:p>
             <a:r>
               <a:rPr lang="en-US" dirty="0"/>
-              <a:t>Background</a:t>
+              <a:t>Contents</a:t>
             </a:r>
           </a:p>
         </p:txBody>
@@ -4290,7 +8320,7 @@
           <p:cNvPr id="3" name="Content Placeholder 2">
             <a:extLst>
               <a:ext uri="{FF2B5EF4-FFF2-40B4-BE49-F238E27FC236}">
-                <a16:creationId xmlns:a16="http://schemas.microsoft.com/office/drawing/2014/main" id="{199DAD68-4D2F-4E74-998C-CFCEB4E4DE66}"/>
+                <a16:creationId xmlns:a16="http://schemas.microsoft.com/office/drawing/2014/main" id="{324E5636-346C-4001-8D09-4AB7A84E705E}"/>
               </a:ext>
             </a:extLst>
           </p:cNvPr>
@@ -4306,21 +8336,47 @@
           <a:bodyPr/>
           <a:lstStyle/>
           <a:p>
+            <a:pPr>
+              <a:buSzPct val="100000"/>
+              <a:buFont typeface="+mj-lt"/>
+              <a:buAutoNum type="arabicPeriod"/>
+            </a:pPr>
             <a:r>
               <a:rPr lang="en-US" dirty="0"/>
-              <a:t>Version control</a:t>
-            </a:r>
-          </a:p>
-          <a:p>
+              <a:t>Background on version control and GIT</a:t>
+            </a:r>
+          </a:p>
+          <a:p>
+            <a:pPr>
+              <a:buSzPct val="100000"/>
+              <a:buFont typeface="+mj-lt"/>
+              <a:buAutoNum type="arabicPeriod"/>
+            </a:pPr>
             <a:r>
               <a:rPr lang="en-US" dirty="0"/>
-              <a:t>Collaboration with others and accessibility </a:t>
-            </a:r>
-          </a:p>
-          <a:p>
+              <a:t>Configure and initialize a repo</a:t>
+            </a:r>
+          </a:p>
+          <a:p>
+            <a:pPr>
+              <a:buSzPct val="100000"/>
+              <a:buFont typeface="+mj-lt"/>
+              <a:buAutoNum type="arabicPeriod"/>
+            </a:pPr>
             <a:r>
               <a:rPr lang="en-US" dirty="0"/>
-              <a:t>How GIT approaches version control</a:t>
+              <a:t>Creating a GitHub account and pushing local repo to online repo</a:t>
+            </a:r>
+          </a:p>
+          <a:p>
+            <a:pPr>
+              <a:buSzPct val="100000"/>
+              <a:buFont typeface="+mj-lt"/>
+              <a:buAutoNum type="arabicPeriod"/>
+            </a:pPr>
+            <a:r>
+              <a:rPr lang="en-US" dirty="0"/>
+              <a:t>Everyday-git-commands</a:t>
             </a:r>
           </a:p>
         </p:txBody>
@@ -4328,7 +8384,7 @@
     </p:spTree>
     <p:extLst>
       <p:ext uri="{BB962C8B-B14F-4D97-AF65-F5344CB8AC3E}">
-        <p14:creationId xmlns:p14="http://schemas.microsoft.com/office/powerpoint/2010/main" val="3960991475"/>
+        <p14:creationId xmlns:p14="http://schemas.microsoft.com/office/powerpoint/2010/main" val="3916930994"/>
       </p:ext>
     </p:extLst>
   </p:cSld>
@@ -4360,6 +8416,173 @@
           <p:cNvPr id="2" name="Title 1">
             <a:extLst>
               <a:ext uri="{FF2B5EF4-FFF2-40B4-BE49-F238E27FC236}">
+                <a16:creationId xmlns:a16="http://schemas.microsoft.com/office/drawing/2014/main" id="{11E2A693-E6AC-4AD3-9B23-4CD2AB8DC6B3}"/>
+              </a:ext>
+            </a:extLst>
+          </p:cNvPr>
+          <p:cNvSpPr>
+            <a:spLocks noGrp="1"/>
+          </p:cNvSpPr>
+          <p:nvPr>
+            <p:ph type="title"/>
+          </p:nvPr>
+        </p:nvSpPr>
+        <p:spPr/>
+        <p:txBody>
+          <a:bodyPr/>
+          <a:lstStyle/>
+          <a:p>
+            <a:r>
+              <a:rPr lang="en-US" dirty="0"/>
+              <a:t>1. Background</a:t>
+            </a:r>
+          </a:p>
+        </p:txBody>
+      </p:sp>
+      <p:sp>
+        <p:nvSpPr>
+          <p:cNvPr id="3" name="Content Placeholder 2">
+            <a:extLst>
+              <a:ext uri="{FF2B5EF4-FFF2-40B4-BE49-F238E27FC236}">
+                <a16:creationId xmlns:a16="http://schemas.microsoft.com/office/drawing/2014/main" id="{199DAD68-4D2F-4E74-998C-CFCEB4E4DE66}"/>
+              </a:ext>
+            </a:extLst>
+          </p:cNvPr>
+          <p:cNvSpPr>
+            <a:spLocks noGrp="1"/>
+          </p:cNvSpPr>
+          <p:nvPr>
+            <p:ph idx="1"/>
+          </p:nvPr>
+        </p:nvSpPr>
+        <p:spPr>
+          <a:xfrm>
+            <a:off x="677334" y="1572769"/>
+            <a:ext cx="8596668" cy="4468594"/>
+          </a:xfrm>
+        </p:spPr>
+        <p:txBody>
+          <a:bodyPr/>
+          <a:lstStyle/>
+          <a:p>
+            <a:r>
+              <a:rPr lang="en-US" dirty="0"/>
+              <a:t>Version control</a:t>
+            </a:r>
+          </a:p>
+          <a:p>
+            <a:r>
+              <a:rPr lang="en-US" dirty="0"/>
+              <a:t>Collaboration with others and accessibility </a:t>
+            </a:r>
+          </a:p>
+          <a:p>
+            <a:r>
+              <a:rPr lang="en-US" dirty="0"/>
+              <a:t>How GIT approaches version control</a:t>
+            </a:r>
+          </a:p>
+        </p:txBody>
+      </p:sp>
+      <p:sp>
+        <p:nvSpPr>
+          <p:cNvPr id="8" name="Rectangle 7">
+            <a:extLst>
+              <a:ext uri="{FF2B5EF4-FFF2-40B4-BE49-F238E27FC236}">
+                <a16:creationId xmlns:a16="http://schemas.microsoft.com/office/drawing/2014/main" id="{EEAA17C9-CC3C-41A1-A6D8-3CAA485B86EF}"/>
+              </a:ext>
+            </a:extLst>
+          </p:cNvPr>
+          <p:cNvSpPr/>
+          <p:nvPr/>
+        </p:nvSpPr>
+        <p:spPr>
+          <a:xfrm>
+            <a:off x="677334" y="6248400"/>
+            <a:ext cx="3783408" cy="369332"/>
+          </a:xfrm>
+          <a:prstGeom prst="rect">
+            <a:avLst/>
+          </a:prstGeom>
+        </p:spPr>
+        <p:txBody>
+          <a:bodyPr wrap="none">
+            <a:spAutoFit/>
+          </a:bodyPr>
+          <a:lstStyle/>
+          <a:p>
+            <a:r>
+              <a:rPr lang="en-US" dirty="0"/>
+              <a:t>https://git-scm.com/book/en/v2/</a:t>
+            </a:r>
+          </a:p>
+        </p:txBody>
+      </p:sp>
+      <p:pic>
+        <p:nvPicPr>
+          <p:cNvPr id="9" name="Picture 8">
+            <a:extLst>
+              <a:ext uri="{FF2B5EF4-FFF2-40B4-BE49-F238E27FC236}">
+                <a16:creationId xmlns:a16="http://schemas.microsoft.com/office/drawing/2014/main" id="{C09CA12A-D737-4057-8859-4E646A0CAD19}"/>
+              </a:ext>
+            </a:extLst>
+          </p:cNvPr>
+          <p:cNvPicPr>
+            <a:picLocks noChangeAspect="1"/>
+          </p:cNvPicPr>
+          <p:nvPr/>
+        </p:nvPicPr>
+        <p:blipFill>
+          <a:blip r:embed="rId2"/>
+          <a:stretch>
+            <a:fillRect/>
+          </a:stretch>
+        </p:blipFill>
+        <p:spPr>
+          <a:xfrm>
+            <a:off x="5237142" y="2377386"/>
+            <a:ext cx="6845130" cy="4240346"/>
+          </a:xfrm>
+          <a:prstGeom prst="rect">
+            <a:avLst/>
+          </a:prstGeom>
+        </p:spPr>
+      </p:pic>
+    </p:spTree>
+    <p:extLst>
+      <p:ext uri="{BB962C8B-B14F-4D97-AF65-F5344CB8AC3E}">
+        <p14:creationId xmlns:p14="http://schemas.microsoft.com/office/powerpoint/2010/main" val="3960991475"/>
+      </p:ext>
+    </p:extLst>
+  </p:cSld>
+  <p:clrMapOvr>
+    <a:masterClrMapping/>
+  </p:clrMapOvr>
+</p:sld>
+</file>
+
+<file path=ppt/slides/slide4.xml><?xml version="1.0" encoding="utf-8"?>
+<p:sld xmlns:a="http://schemas.openxmlformats.org/drawingml/2006/main" xmlns:r="http://schemas.openxmlformats.org/officeDocument/2006/relationships" xmlns:p="http://schemas.openxmlformats.org/presentationml/2006/main">
+  <p:cSld>
+    <p:spTree>
+      <p:nvGrpSpPr>
+        <p:cNvPr id="1" name=""/>
+        <p:cNvGrpSpPr/>
+        <p:nvPr/>
+      </p:nvGrpSpPr>
+      <p:grpSpPr>
+        <a:xfrm>
+          <a:off x="0" y="0"/>
+          <a:ext cx="0" cy="0"/>
+          <a:chOff x="0" y="0"/>
+          <a:chExt cx="0" cy="0"/>
+        </a:xfrm>
+      </p:grpSpPr>
+      <p:sp>
+        <p:nvSpPr>
+          <p:cNvPr id="2" name="Title 1">
+            <a:extLst>
+              <a:ext uri="{FF2B5EF4-FFF2-40B4-BE49-F238E27FC236}">
                 <a16:creationId xmlns:a16="http://schemas.microsoft.com/office/drawing/2014/main" id="{DF3C2C99-6A89-4E8F-AE95-92E85B01DF33}"/>
               </a:ext>
             </a:extLst>
@@ -4378,7 +8601,7 @@
           <a:p>
             <a:r>
               <a:rPr lang="en-US" dirty="0"/>
-              <a:t>Downloading</a:t>
+              <a:t>GIT</a:t>
             </a:r>
           </a:p>
         </p:txBody>
@@ -4437,7 +8660,10 @@
             <a:endParaRPr lang="en-US" dirty="0"/>
           </a:p>
           <a:p>
-            <a:endParaRPr lang="en-US" dirty="0"/>
+            <a:r>
+              <a:rPr lang="en-US" dirty="0"/>
+              <a:t>Feel free to rename “master” to “main” or other preferable names</a:t>
+            </a:r>
           </a:p>
         </p:txBody>
       </p:sp>
@@ -4454,7 +8680,7 @@
 </p:sld>
 </file>
 
-<file path=ppt/slides/slide4.xml><?xml version="1.0" encoding="utf-8"?>
+<file path=ppt/slides/slide5.xml><?xml version="1.0" encoding="utf-8"?>
 <p:sld xmlns:a="http://schemas.openxmlformats.org/drawingml/2006/main" xmlns:r="http://schemas.openxmlformats.org/officeDocument/2006/relationships" xmlns:p="http://schemas.openxmlformats.org/presentationml/2006/main">
   <p:cSld>
     <p:spTree>
@@ -4485,8 +8711,8 @@
         </p:nvGrpSpPr>
         <p:grpSpPr>
           <a:xfrm>
-            <a:off x="5156023" y="907605"/>
-            <a:ext cx="5820587" cy="4638367"/>
+            <a:off x="4392167" y="194722"/>
+            <a:ext cx="7331202" cy="6468555"/>
             <a:chOff x="275413" y="427545"/>
             <a:chExt cx="5820587" cy="4638367"/>
           </a:xfrm>
@@ -4613,42 +8839,103 @@
       </p:grpSp>
       <p:sp>
         <p:nvSpPr>
-          <p:cNvPr id="10" name="TextBox 9">
+          <p:cNvPr id="2" name="Title 1">
             <a:extLst>
               <a:ext uri="{FF2B5EF4-FFF2-40B4-BE49-F238E27FC236}">
-                <a16:creationId xmlns:a16="http://schemas.microsoft.com/office/drawing/2014/main" id="{0277481C-F3E2-45FC-B971-DEFA54BD98DE}"/>
+                <a16:creationId xmlns:a16="http://schemas.microsoft.com/office/drawing/2014/main" id="{A3AFC446-7F4A-4564-9EC3-94E3F322FD58}"/>
               </a:ext>
             </a:extLst>
           </p:cNvPr>
-          <p:cNvSpPr txBox="1"/>
-          <p:nvPr/>
+          <p:cNvSpPr>
+            <a:spLocks noGrp="1"/>
+          </p:cNvSpPr>
+          <p:nvPr>
+            <p:ph type="title"/>
+          </p:nvPr>
         </p:nvSpPr>
         <p:spPr>
           <a:xfrm>
-            <a:off x="468631" y="2114550"/>
-            <a:ext cx="4217669" cy="646331"/>
+            <a:off x="468631" y="609600"/>
+            <a:ext cx="3774185" cy="2048256"/>
+          </a:xfrm>
+        </p:spPr>
+        <p:txBody>
+          <a:bodyPr>
+            <a:normAutofit/>
+          </a:bodyPr>
+          <a:lstStyle/>
+          <a:p>
+            <a:r>
+              <a:rPr lang="en-US" dirty="0"/>
+              <a:t>2. Configure and initiate a repo</a:t>
+            </a:r>
+          </a:p>
+        </p:txBody>
+      </p:sp>
+      <p:sp>
+        <p:nvSpPr>
+          <p:cNvPr id="5" name="Rectangle 4">
+            <a:extLst>
+              <a:ext uri="{FF2B5EF4-FFF2-40B4-BE49-F238E27FC236}">
+                <a16:creationId xmlns:a16="http://schemas.microsoft.com/office/drawing/2014/main" id="{27C97762-BBFB-4787-8FD8-6D34672703BF}"/>
+              </a:ext>
+            </a:extLst>
+          </p:cNvPr>
+          <p:cNvSpPr/>
+          <p:nvPr/>
+        </p:nvSpPr>
+        <p:spPr>
+          <a:xfrm>
+            <a:off x="468619" y="2106457"/>
+            <a:ext cx="3565482" cy="2031325"/>
           </a:xfrm>
           <a:prstGeom prst="rect">
             <a:avLst/>
           </a:prstGeom>
-          <a:noFill/>
         </p:spPr>
         <p:txBody>
-          <a:bodyPr wrap="square" rtlCol="0">
+          <a:bodyPr wrap="square">
             <a:spAutoFit/>
           </a:bodyPr>
           <a:lstStyle/>
           <a:p>
             <a:r>
               <a:rPr lang="en-US" dirty="0"/>
-              <a:t>Setting global username and email</a:t>
+              <a:t>2.1 </a:t>
             </a:r>
           </a:p>
           <a:p>
             <a:r>
               <a:rPr lang="en-US" dirty="0"/>
-              <a:t>Checking all configuration</a:t>
-            </a:r>
+              <a:t>Set </a:t>
+            </a:r>
+            <a:br>
+              <a:rPr lang="en-US" dirty="0"/>
+            </a:br>
+            <a:r>
+              <a:rPr lang="en-US" dirty="0"/>
+              <a:t>&gt; global username</a:t>
+            </a:r>
+          </a:p>
+          <a:p>
+            <a:r>
+              <a:rPr lang="en-US" dirty="0"/>
+              <a:t>&gt; global email</a:t>
+            </a:r>
+            <a:br>
+              <a:rPr lang="en-US" dirty="0"/>
+            </a:br>
+            <a:br>
+              <a:rPr lang="en-US" dirty="0"/>
+            </a:br>
+            <a:r>
+              <a:rPr lang="en-US" dirty="0"/>
+              <a:t>Check the configuration</a:t>
+            </a:r>
+            <a:br>
+              <a:rPr lang="en-US" dirty="0"/>
+            </a:br>
+            <a:endParaRPr lang="en-US" dirty="0"/>
           </a:p>
         </p:txBody>
       </p:sp>
@@ -4665,7 +8952,7 @@
 </p:sld>
 </file>
 
-<file path=ppt/slides/slide5.xml><?xml version="1.0" encoding="utf-8"?>
+<file path=ppt/slides/slide6.xml><?xml version="1.0" encoding="utf-8"?>
 <p:sld xmlns:a="http://schemas.openxmlformats.org/drawingml/2006/main" xmlns:r="http://schemas.openxmlformats.org/officeDocument/2006/relationships" xmlns:p="http://schemas.openxmlformats.org/presentationml/2006/main">
   <p:cSld>
     <p:spTree>
@@ -4704,8 +8991,8 @@
         </p:blipFill>
         <p:spPr>
           <a:xfrm>
-            <a:off x="3724823" y="224990"/>
-            <a:ext cx="5087707" cy="6118659"/>
+            <a:off x="4255009" y="0"/>
+            <a:ext cx="5702474" cy="6858000"/>
           </a:xfrm>
           <a:prstGeom prst="rect">
             <a:avLst/>
@@ -4714,35 +9001,33 @@
       </p:pic>
       <p:sp>
         <p:nvSpPr>
-          <p:cNvPr id="3" name="TextBox 2">
+          <p:cNvPr id="4" name="Title 3">
             <a:extLst>
               <a:ext uri="{FF2B5EF4-FFF2-40B4-BE49-F238E27FC236}">
-                <a16:creationId xmlns:a16="http://schemas.microsoft.com/office/drawing/2014/main" id="{D13B9EE9-AD7E-4C42-BF00-D1F931C02065}"/>
+                <a16:creationId xmlns:a16="http://schemas.microsoft.com/office/drawing/2014/main" id="{08E6C0BE-E66B-4A35-9490-0FB0D02753CC}"/>
               </a:ext>
             </a:extLst>
           </p:cNvPr>
-          <p:cNvSpPr txBox="1"/>
-          <p:nvPr/>
+          <p:cNvSpPr>
+            <a:spLocks noGrp="1"/>
+          </p:cNvSpPr>
+          <p:nvPr>
+            <p:ph type="title"/>
+          </p:nvPr>
         </p:nvSpPr>
         <p:spPr>
           <a:xfrm>
-            <a:off x="1074420" y="2171700"/>
-            <a:ext cx="925253" cy="369332"/>
+            <a:off x="677334" y="609600"/>
+            <a:ext cx="3358218" cy="1320800"/>
           </a:xfrm>
-          <a:prstGeom prst="rect">
-            <a:avLst/>
-          </a:prstGeom>
-          <a:noFill/>
         </p:spPr>
         <p:txBody>
-          <a:bodyPr wrap="none" rtlCol="0">
-            <a:spAutoFit/>
-          </a:bodyPr>
+          <a:bodyPr/>
           <a:lstStyle/>
           <a:p>
             <a:r>
               <a:rPr lang="en-US" dirty="0"/>
-              <a:t>Git help</a:t>
+              <a:t>2.2 GIT Help!</a:t>
             </a:r>
           </a:p>
         </p:txBody>
@@ -4760,7 +9045,7 @@
 </p:sld>
 </file>
 
-<file path=ppt/slides/slide6.xml><?xml version="1.0" encoding="utf-8"?>
+<file path=ppt/slides/slide7.xml><?xml version="1.0" encoding="utf-8"?>
 <p:sld xmlns:a="http://schemas.openxmlformats.org/drawingml/2006/main" xmlns:r="http://schemas.openxmlformats.org/officeDocument/2006/relationships" xmlns:p="http://schemas.openxmlformats.org/presentationml/2006/main">
   <p:cSld>
     <p:spTree>
@@ -4800,7 +9085,7 @@
           <a:p>
             <a:r>
               <a:rPr lang="en-US" dirty="0"/>
-              <a:t>Initialize a new git repository</a:t>
+              <a:t>2.3 Initialize a new git repository</a:t>
             </a:r>
           </a:p>
         </p:txBody>
@@ -4819,7 +9104,7 @@
         </p:nvSpPr>
         <p:spPr>
           <a:xfrm>
-            <a:off x="838200" y="1781294"/>
+            <a:off x="677334" y="1344118"/>
             <a:ext cx="6965368" cy="923330"/>
           </a:xfrm>
           <a:prstGeom prst="rect">
@@ -4889,8 +9174,8 @@
         </p:blipFill>
         <p:spPr>
           <a:xfrm>
-            <a:off x="838200" y="2886375"/>
-            <a:ext cx="5792008" cy="1267002"/>
+            <a:off x="2290376" y="2349072"/>
+            <a:ext cx="7538316" cy="1649007"/>
           </a:xfrm>
           <a:prstGeom prst="rect">
             <a:avLst/>
@@ -4918,8 +9203,8 @@
         </p:blipFill>
         <p:spPr>
           <a:xfrm>
-            <a:off x="814383" y="4335128"/>
-            <a:ext cx="5801535" cy="1267002"/>
+            <a:off x="2308972" y="3613699"/>
+            <a:ext cx="7550716" cy="1649007"/>
           </a:xfrm>
           <a:prstGeom prst="rect">
             <a:avLst/>
@@ -4948,8 +9233,8 @@
         </p:blipFill>
         <p:spPr>
           <a:xfrm>
-            <a:off x="802953" y="5602130"/>
-            <a:ext cx="5830114" cy="847843"/>
+            <a:off x="2308972" y="5423863"/>
+            <a:ext cx="7587909" cy="1103470"/>
           </a:xfrm>
           <a:prstGeom prst="rect">
             <a:avLst/>
@@ -4960,108 +9245,6 @@
     <p:extLst>
       <p:ext uri="{BB962C8B-B14F-4D97-AF65-F5344CB8AC3E}">
         <p14:creationId xmlns:p14="http://schemas.microsoft.com/office/powerpoint/2010/main" val="2152529393"/>
-      </p:ext>
-    </p:extLst>
-  </p:cSld>
-  <p:clrMapOvr>
-    <a:masterClrMapping/>
-  </p:clrMapOvr>
-</p:sld>
-</file>
-
-<file path=ppt/slides/slide7.xml><?xml version="1.0" encoding="utf-8"?>
-<p:sld xmlns:a="http://schemas.openxmlformats.org/drawingml/2006/main" xmlns:r="http://schemas.openxmlformats.org/officeDocument/2006/relationships" xmlns:p="http://schemas.openxmlformats.org/presentationml/2006/main">
-  <p:cSld>
-    <p:spTree>
-      <p:nvGrpSpPr>
-        <p:cNvPr id="1" name=""/>
-        <p:cNvGrpSpPr/>
-        <p:nvPr/>
-      </p:nvGrpSpPr>
-      <p:grpSpPr>
-        <a:xfrm>
-          <a:off x="0" y="0"/>
-          <a:ext cx="0" cy="0"/>
-          <a:chOff x="0" y="0"/>
-          <a:chExt cx="0" cy="0"/>
-        </a:xfrm>
-      </p:grpSpPr>
-      <p:sp>
-        <p:nvSpPr>
-          <p:cNvPr id="2" name="Title 1">
-            <a:extLst>
-              <a:ext uri="{FF2B5EF4-FFF2-40B4-BE49-F238E27FC236}">
-                <a16:creationId xmlns:a16="http://schemas.microsoft.com/office/drawing/2014/main" id="{119CEDA1-2526-44A5-A6F0-1D76813A06B7}"/>
-              </a:ext>
-            </a:extLst>
-          </p:cNvPr>
-          <p:cNvSpPr>
-            <a:spLocks noGrp="1"/>
-          </p:cNvSpPr>
-          <p:nvPr>
-            <p:ph type="title"/>
-          </p:nvPr>
-        </p:nvSpPr>
-        <p:spPr/>
-        <p:txBody>
-          <a:bodyPr/>
-          <a:lstStyle/>
-          <a:p>
-            <a:r>
-              <a:rPr lang="en-US" dirty="0"/>
-              <a:t>Collaboration and Contribution</a:t>
-            </a:r>
-          </a:p>
-        </p:txBody>
-      </p:sp>
-      <p:sp>
-        <p:nvSpPr>
-          <p:cNvPr id="3" name="Content Placeholder 2">
-            <a:extLst>
-              <a:ext uri="{FF2B5EF4-FFF2-40B4-BE49-F238E27FC236}">
-                <a16:creationId xmlns:a16="http://schemas.microsoft.com/office/drawing/2014/main" id="{E682DB0B-1DB9-4CFF-86E8-2FB76F9D4F2F}"/>
-              </a:ext>
-            </a:extLst>
-          </p:cNvPr>
-          <p:cNvSpPr>
-            <a:spLocks noGrp="1"/>
-          </p:cNvSpPr>
-          <p:nvPr>
-            <p:ph idx="1"/>
-          </p:nvPr>
-        </p:nvSpPr>
-        <p:spPr>
-          <a:xfrm>
-            <a:off x="838200" y="1825625"/>
-            <a:ext cx="10515600" cy="1325563"/>
-          </a:xfrm>
-        </p:spPr>
-        <p:txBody>
-          <a:bodyPr/>
-          <a:lstStyle/>
-          <a:p>
-            <a:r>
-              <a:rPr lang="en-US" dirty="0"/>
-              <a:t>GIT Repo Hosting Services: GitHub, GitLab, </a:t>
-            </a:r>
-            <a:r>
-              <a:rPr lang="en-US" dirty="0" err="1"/>
-              <a:t>BitBucket</a:t>
-            </a:r>
-            <a:endParaRPr lang="en-US" dirty="0"/>
-          </a:p>
-          <a:p>
-            <a:r>
-              <a:rPr lang="en-US" dirty="0"/>
-              <a:t>Access anytime anywhere, and collaborate with others</a:t>
-            </a:r>
-          </a:p>
-        </p:txBody>
-      </p:sp>
-    </p:spTree>
-    <p:extLst>
-      <p:ext uri="{BB962C8B-B14F-4D97-AF65-F5344CB8AC3E}">
-        <p14:creationId xmlns:p14="http://schemas.microsoft.com/office/powerpoint/2010/main" val="630968770"/>
       </p:ext>
     </p:extLst>
   </p:cSld>
@@ -5093,7 +9276,7 @@
           <p:cNvPr id="2" name="Title 1">
             <a:extLst>
               <a:ext uri="{FF2B5EF4-FFF2-40B4-BE49-F238E27FC236}">
-                <a16:creationId xmlns:a16="http://schemas.microsoft.com/office/drawing/2014/main" id="{19E263DD-4662-4C16-98F2-1F50F649990B}"/>
+                <a16:creationId xmlns:a16="http://schemas.microsoft.com/office/drawing/2014/main" id="{119CEDA1-2526-44A5-A6F0-1D76813A06B7}"/>
               </a:ext>
             </a:extLst>
           </p:cNvPr>
@@ -5106,12 +9289,14 @@
         </p:nvSpPr>
         <p:spPr/>
         <p:txBody>
-          <a:bodyPr/>
+          <a:bodyPr>
+            <a:normAutofit/>
+          </a:bodyPr>
           <a:lstStyle/>
           <a:p>
             <a:r>
               <a:rPr lang="en-US" dirty="0"/>
-              <a:t>Creating an account</a:t>
+              <a:t>3. Creating a GitHub account and pushing local repo to online repo</a:t>
             </a:r>
           </a:p>
         </p:txBody>
@@ -5121,7 +9306,7 @@
           <p:cNvPr id="3" name="Content Placeholder 2">
             <a:extLst>
               <a:ext uri="{FF2B5EF4-FFF2-40B4-BE49-F238E27FC236}">
-                <a16:creationId xmlns:a16="http://schemas.microsoft.com/office/drawing/2014/main" id="{30187A0B-AFDE-492D-B79E-7EC048BF30AB}"/>
+                <a16:creationId xmlns:a16="http://schemas.microsoft.com/office/drawing/2014/main" id="{E682DB0B-1DB9-4CFF-86E8-2FB76F9D4F2F}"/>
               </a:ext>
             </a:extLst>
           </p:cNvPr>
@@ -5132,82 +9317,32 @@
             <p:ph idx="1"/>
           </p:nvPr>
         </p:nvSpPr>
-        <p:spPr/>
-        <p:txBody>
-          <a:bodyPr/>
-          <a:lstStyle/>
-          <a:p>
-            <a:pPr marL="0" indent="0">
-              <a:buNone/>
-            </a:pPr>
-            <a:r>
-              <a:rPr lang="en-US" dirty="0"/>
-              <a:t>https://github.com/join</a:t>
-            </a:r>
-          </a:p>
-        </p:txBody>
-      </p:sp>
-      <p:pic>
-        <p:nvPicPr>
-          <p:cNvPr id="4" name="Picture 3">
-            <a:extLst>
-              <a:ext uri="{FF2B5EF4-FFF2-40B4-BE49-F238E27FC236}">
-                <a16:creationId xmlns:a16="http://schemas.microsoft.com/office/drawing/2014/main" id="{FCCA4C2A-B022-4B07-A901-7F9EAB72AA1B}"/>
-              </a:ext>
-            </a:extLst>
-          </p:cNvPr>
-          <p:cNvPicPr>
-            <a:picLocks noChangeAspect="1"/>
-          </p:cNvPicPr>
-          <p:nvPr/>
-        </p:nvPicPr>
-        <p:blipFill>
-          <a:blip r:embed="rId2"/>
-          <a:stretch>
-            <a:fillRect/>
-          </a:stretch>
-        </p:blipFill>
         <p:spPr>
           <a:xfrm>
-            <a:off x="1016135" y="2414709"/>
-            <a:ext cx="6830378" cy="3505689"/>
+            <a:off x="838200" y="1825625"/>
+            <a:ext cx="10515600" cy="1325563"/>
           </a:xfrm>
-          <a:prstGeom prst="rect">
-            <a:avLst/>
-          </a:prstGeom>
         </p:spPr>
-      </p:pic>
-      <p:sp>
-        <p:nvSpPr>
-          <p:cNvPr id="5" name="TextBox 4">
-            <a:extLst>
-              <a:ext uri="{FF2B5EF4-FFF2-40B4-BE49-F238E27FC236}">
-                <a16:creationId xmlns:a16="http://schemas.microsoft.com/office/drawing/2014/main" id="{4E4F78B3-DB13-42FB-BB33-CDBFA44D197E}"/>
-              </a:ext>
-            </a:extLst>
-          </p:cNvPr>
-          <p:cNvSpPr txBox="1"/>
-          <p:nvPr/>
-        </p:nvSpPr>
-        <p:spPr>
-          <a:xfrm>
-            <a:off x="8768862" y="5673969"/>
-            <a:ext cx="2876237" cy="369332"/>
-          </a:xfrm>
-          <a:prstGeom prst="rect">
-            <a:avLst/>
-          </a:prstGeom>
-          <a:noFill/>
-        </p:spPr>
-        <p:txBody>
-          <a:bodyPr wrap="none" rtlCol="0">
-            <a:spAutoFit/>
+        <p:txBody>
+          <a:bodyPr>
+            <a:normAutofit/>
           </a:bodyPr>
           <a:lstStyle/>
           <a:p>
             <a:r>
               <a:rPr lang="en-US" dirty="0"/>
-              <a:t>Email verification, and done!</a:t>
+              <a:t>GIT Repo Hosting Services: GitHub, GitLab, </a:t>
+            </a:r>
+            <a:r>
+              <a:rPr lang="en-US" dirty="0" err="1"/>
+              <a:t>BitBucket</a:t>
+            </a:r>
+            <a:endParaRPr lang="en-US" dirty="0"/>
+          </a:p>
+          <a:p>
+            <a:r>
+              <a:rPr lang="en-US" dirty="0"/>
+              <a:t>Access anytime anywhere, collaboration and contribution</a:t>
             </a:r>
           </a:p>
         </p:txBody>
@@ -5215,7 +9350,7 @@
     </p:spTree>
     <p:extLst>
       <p:ext uri="{BB962C8B-B14F-4D97-AF65-F5344CB8AC3E}">
-        <p14:creationId xmlns:p14="http://schemas.microsoft.com/office/powerpoint/2010/main" val="3939688657"/>
+        <p14:creationId xmlns:p14="http://schemas.microsoft.com/office/powerpoint/2010/main" val="630968770"/>
       </p:ext>
     </p:extLst>
   </p:cSld>
@@ -5242,12 +9377,71 @@
           <a:chExt cx="0" cy="0"/>
         </a:xfrm>
       </p:grpSpPr>
+      <p:sp>
+        <p:nvSpPr>
+          <p:cNvPr id="2" name="Title 1">
+            <a:extLst>
+              <a:ext uri="{FF2B5EF4-FFF2-40B4-BE49-F238E27FC236}">
+                <a16:creationId xmlns:a16="http://schemas.microsoft.com/office/drawing/2014/main" id="{19E263DD-4662-4C16-98F2-1F50F649990B}"/>
+              </a:ext>
+            </a:extLst>
+          </p:cNvPr>
+          <p:cNvSpPr>
+            <a:spLocks noGrp="1"/>
+          </p:cNvSpPr>
+          <p:nvPr>
+            <p:ph type="title"/>
+          </p:nvPr>
+        </p:nvSpPr>
+        <p:spPr/>
+        <p:txBody>
+          <a:bodyPr/>
+          <a:lstStyle/>
+          <a:p>
+            <a:r>
+              <a:rPr lang="en-US" dirty="0"/>
+              <a:t>3.1 Creating an account</a:t>
+            </a:r>
+          </a:p>
+        </p:txBody>
+      </p:sp>
+      <p:sp>
+        <p:nvSpPr>
+          <p:cNvPr id="3" name="Content Placeholder 2">
+            <a:extLst>
+              <a:ext uri="{FF2B5EF4-FFF2-40B4-BE49-F238E27FC236}">
+                <a16:creationId xmlns:a16="http://schemas.microsoft.com/office/drawing/2014/main" id="{30187A0B-AFDE-492D-B79E-7EC048BF30AB}"/>
+              </a:ext>
+            </a:extLst>
+          </p:cNvPr>
+          <p:cNvSpPr>
+            <a:spLocks noGrp="1"/>
+          </p:cNvSpPr>
+          <p:nvPr>
+            <p:ph idx="1"/>
+          </p:nvPr>
+        </p:nvSpPr>
+        <p:spPr/>
+        <p:txBody>
+          <a:bodyPr/>
+          <a:lstStyle/>
+          <a:p>
+            <a:pPr marL="0" indent="0">
+              <a:buNone/>
+            </a:pPr>
+            <a:r>
+              <a:rPr lang="en-US" dirty="0"/>
+              <a:t>https://github.com/join</a:t>
+            </a:r>
+          </a:p>
+        </p:txBody>
+      </p:sp>
       <p:pic>
         <p:nvPicPr>
-          <p:cNvPr id="5" name="Picture 4">
+          <p:cNvPr id="4" name="Picture 3">
             <a:extLst>
               <a:ext uri="{FF2B5EF4-FFF2-40B4-BE49-F238E27FC236}">
-                <a16:creationId xmlns:a16="http://schemas.microsoft.com/office/drawing/2014/main" id="{2B516ED5-5D8E-49EC-B49D-D24FE6A35E08}"/>
+                <a16:creationId xmlns:a16="http://schemas.microsoft.com/office/drawing/2014/main" id="{FCCA4C2A-B022-4B07-A901-7F9EAB72AA1B}"/>
               </a:ext>
             </a:extLst>
           </p:cNvPr>
@@ -5264,18 +9458,53 @@
         </p:blipFill>
         <p:spPr>
           <a:xfrm>
-            <a:off x="246834" y="275194"/>
-            <a:ext cx="5849166" cy="4267796"/>
+            <a:off x="1560479" y="2742711"/>
+            <a:ext cx="6830378" cy="3505689"/>
           </a:xfrm>
           <a:prstGeom prst="rect">
             <a:avLst/>
           </a:prstGeom>
         </p:spPr>
       </p:pic>
+      <p:sp>
+        <p:nvSpPr>
+          <p:cNvPr id="5" name="TextBox 4">
+            <a:extLst>
+              <a:ext uri="{FF2B5EF4-FFF2-40B4-BE49-F238E27FC236}">
+                <a16:creationId xmlns:a16="http://schemas.microsoft.com/office/drawing/2014/main" id="{4E4F78B3-DB13-42FB-BB33-CDBFA44D197E}"/>
+              </a:ext>
+            </a:extLst>
+          </p:cNvPr>
+          <p:cNvSpPr txBox="1"/>
+          <p:nvPr/>
+        </p:nvSpPr>
+        <p:spPr>
+          <a:xfrm>
+            <a:off x="1685310" y="6271551"/>
+            <a:ext cx="3125727" cy="369332"/>
+          </a:xfrm>
+          <a:prstGeom prst="rect">
+            <a:avLst/>
+          </a:prstGeom>
+          <a:noFill/>
+        </p:spPr>
+        <p:txBody>
+          <a:bodyPr wrap="none" rtlCol="0">
+            <a:spAutoFit/>
+          </a:bodyPr>
+          <a:lstStyle/>
+          <a:p>
+            <a:r>
+              <a:rPr lang="en-US" dirty="0"/>
+              <a:t>Verify your email, and done!</a:t>
+            </a:r>
+          </a:p>
+        </p:txBody>
+      </p:sp>
     </p:spTree>
     <p:extLst>
       <p:ext uri="{BB962C8B-B14F-4D97-AF65-F5344CB8AC3E}">
-        <p14:creationId xmlns:p14="http://schemas.microsoft.com/office/powerpoint/2010/main" val="622779019"/>
+        <p14:creationId xmlns:p14="http://schemas.microsoft.com/office/powerpoint/2010/main" val="3939688657"/>
       </p:ext>
     </p:extLst>
   </p:cSld>
@@ -5286,9 +9515,9 @@
 </file>
 
 <file path=ppt/theme/theme1.xml><?xml version="1.0" encoding="utf-8"?>
-<a:theme xmlns:a="http://schemas.openxmlformats.org/drawingml/2006/main" name="Office Theme">
+<a:theme xmlns:a="http://schemas.openxmlformats.org/drawingml/2006/main" name="Facet">
   <a:themeElements>
-    <a:clrScheme name="Office">
+    <a:clrScheme name="Facet">
       <a:dk1>
         <a:sysClr val="windowText" lastClr="000000"/>
       </a:dk1>
@@ -5296,52 +9525,52 @@
         <a:sysClr val="window" lastClr="FFFFFF"/>
       </a:lt1>
       <a:dk2>
-        <a:srgbClr val="44546A"/>
+        <a:srgbClr val="2C3C43"/>
       </a:dk2>
       <a:lt2>
-        <a:srgbClr val="E7E6E6"/>
+        <a:srgbClr val="EBEBEB"/>
       </a:lt2>
       <a:accent1>
-        <a:srgbClr val="4472C4"/>
+        <a:srgbClr val="90C226"/>
       </a:accent1>
       <a:accent2>
-        <a:srgbClr val="ED7D31"/>
+        <a:srgbClr val="54A021"/>
       </a:accent2>
       <a:accent3>
-        <a:srgbClr val="A5A5A5"/>
+        <a:srgbClr val="E6B91E"/>
       </a:accent3>
       <a:accent4>
-        <a:srgbClr val="FFC000"/>
+        <a:srgbClr val="E76618"/>
       </a:accent4>
       <a:accent5>
-        <a:srgbClr val="5B9BD5"/>
+        <a:srgbClr val="C42F1A"/>
       </a:accent5>
       <a:accent6>
-        <a:srgbClr val="70AD47"/>
+        <a:srgbClr val="918655"/>
       </a:accent6>
       <a:hlink>
-        <a:srgbClr val="0563C1"/>
+        <a:srgbClr val="99CA3C"/>
       </a:hlink>
       <a:folHlink>
-        <a:srgbClr val="954F72"/>
+        <a:srgbClr val="B9D181"/>
       </a:folHlink>
     </a:clrScheme>
-    <a:fontScheme name="Office">
+    <a:fontScheme name="Facet">
       <a:majorFont>
-        <a:latin typeface="Calibri Light" panose="020F0302020204030204"/>
+        <a:latin typeface="Trebuchet MS" panose="020B0603020202020204"/>
         <a:ea typeface=""/>
         <a:cs typeface=""/>
-        <a:font script="Jpan" typeface="游ゴシック Light"/>
+        <a:font script="Jpan" typeface="メイリオ"/>
         <a:font script="Hang" typeface="맑은 고딕"/>
-        <a:font script="Hans" typeface="等线 Light"/>
-        <a:font script="Hant" typeface="新細明體"/>
-        <a:font script="Arab" typeface="Times New Roman"/>
-        <a:font script="Hebr" typeface="Times New Roman"/>
-        <a:font script="Thai" typeface="Angsana New"/>
+        <a:font script="Hans" typeface="方正姚体"/>
+        <a:font script="Hant" typeface="微軟正黑體"/>
+        <a:font script="Arab" typeface="Tahoma"/>
+        <a:font script="Hebr" typeface="Arial"/>
+        <a:font script="Thai" typeface="Cordia New"/>
         <a:font script="Ethi" typeface="Nyala"/>
         <a:font script="Beng" typeface="Vrinda"/>
         <a:font script="Gujr" typeface="Shruti"/>
-        <a:font script="Khmr" typeface="MoolBoran"/>
+        <a:font script="Khmr" typeface="DaunPenh"/>
         <a:font script="Knda" typeface="Tunga"/>
         <a:font script="Guru" typeface="Raavi"/>
         <a:font script="Cans" typeface="Euphemia"/>
@@ -5358,38 +9587,21 @@
         <a:font script="Laoo" typeface="DokChampa"/>
         <a:font script="Sinh" typeface="Iskoola Pota"/>
         <a:font script="Mong" typeface="Mongolian Baiti"/>
-        <a:font script="Viet" typeface="Times New Roman"/>
+        <a:font script="Viet" typeface="Tahoma"/>
         <a:font script="Uigh" typeface="Microsoft Uighur"/>
         <a:font script="Geor" typeface="Sylfaen"/>
-        <a:font script="Armn" typeface="Arial"/>
-        <a:font script="Bugi" typeface="Leelawadee UI"/>
-        <a:font script="Bopo" typeface="Microsoft JhengHei"/>
-        <a:font script="Java" typeface="Javanese Text"/>
-        <a:font script="Lisu" typeface="Segoe UI"/>
-        <a:font script="Mymr" typeface="Myanmar Text"/>
-        <a:font script="Nkoo" typeface="Ebrima"/>
-        <a:font script="Olck" typeface="Nirmala UI"/>
-        <a:font script="Osma" typeface="Ebrima"/>
-        <a:font script="Phag" typeface="Phagspa"/>
-        <a:font script="Syrn" typeface="Estrangelo Edessa"/>
-        <a:font script="Syrj" typeface="Estrangelo Edessa"/>
-        <a:font script="Syre" typeface="Estrangelo Edessa"/>
-        <a:font script="Sora" typeface="Nirmala UI"/>
-        <a:font script="Tale" typeface="Microsoft Tai Le"/>
-        <a:font script="Talu" typeface="Microsoft New Tai Lue"/>
-        <a:font script="Tfng" typeface="Ebrima"/>
       </a:majorFont>
       <a:minorFont>
-        <a:latin typeface="Calibri" panose="020F0502020204030204"/>
+        <a:latin typeface="Trebuchet MS" panose="020B0603020202020204"/>
         <a:ea typeface=""/>
         <a:cs typeface=""/>
-        <a:font script="Jpan" typeface="游ゴシック"/>
-        <a:font script="Hang" typeface="맑은 고딕"/>
-        <a:font script="Hans" typeface="等线"/>
-        <a:font script="Hant" typeface="新細明體"/>
-        <a:font script="Arab" typeface="Arial"/>
-        <a:font script="Hebr" typeface="Arial"/>
-        <a:font script="Thai" typeface="Cordia New"/>
+        <a:font script="Jpan" typeface="メイリオ"/>
+        <a:font script="Hang" typeface="HY그래픽M"/>
+        <a:font script="Hans" typeface="华文新魏"/>
+        <a:font script="Hant" typeface="微軟正黑體"/>
+        <a:font script="Arab" typeface="Tahoma"/>
+        <a:font script="Hebr" typeface="Gisha"/>
+        <a:font script="Thai" typeface="IrisUPC"/>
         <a:font script="Ethi" typeface="Nyala"/>
         <a:font script="Beng" typeface="Vrinda"/>
         <a:font script="Gujr" typeface="Shruti"/>
@@ -5413,26 +9625,9 @@
         <a:font script="Viet" typeface="Arial"/>
         <a:font script="Uigh" typeface="Microsoft Uighur"/>
         <a:font script="Geor" typeface="Sylfaen"/>
-        <a:font script="Armn" typeface="Arial"/>
-        <a:font script="Bugi" typeface="Leelawadee UI"/>
-        <a:font script="Bopo" typeface="Microsoft JhengHei"/>
-        <a:font script="Java" typeface="Javanese Text"/>
-        <a:font script="Lisu" typeface="Segoe UI"/>
-        <a:font script="Mymr" typeface="Myanmar Text"/>
-        <a:font script="Nkoo" typeface="Ebrima"/>
-        <a:font script="Olck" typeface="Nirmala UI"/>
-        <a:font script="Osma" typeface="Ebrima"/>
-        <a:font script="Phag" typeface="Phagspa"/>
-        <a:font script="Syrn" typeface="Estrangelo Edessa"/>
-        <a:font script="Syrj" typeface="Estrangelo Edessa"/>
-        <a:font script="Syre" typeface="Estrangelo Edessa"/>
-        <a:font script="Sora" typeface="Nirmala UI"/>
-        <a:font script="Tale" typeface="Microsoft Tai Le"/>
-        <a:font script="Talu" typeface="Microsoft New Tai Lue"/>
-        <a:font script="Tfng" typeface="Ebrima"/>
       </a:minorFont>
     </a:fontScheme>
-    <a:fmtScheme name="Office">
+    <a:fmtScheme name="Facet">
       <a:fillStyleLst>
         <a:solidFill>
           <a:schemeClr val="phClr"/>
@@ -5441,23 +9636,13 @@
           <a:gsLst>
             <a:gs pos="0">
               <a:schemeClr val="phClr">
+                <a:tint val="65000"/>
                 <a:lumMod val="110000"/>
-                <a:satMod val="105000"/>
-                <a:tint val="67000"/>
               </a:schemeClr>
             </a:gs>
-            <a:gs pos="50000">
+            <a:gs pos="88000">
               <a:schemeClr val="phClr">
-                <a:lumMod val="105000"/>
-                <a:satMod val="103000"/>
-                <a:tint val="73000"/>
-              </a:schemeClr>
-            </a:gs>
-            <a:gs pos="100000">
-              <a:schemeClr val="phClr">
-                <a:lumMod val="105000"/>
-                <a:satMod val="109000"/>
-                <a:tint val="81000"/>
+                <a:tint val="90000"/>
               </a:schemeClr>
             </a:gs>
           </a:gsLst>
@@ -5467,23 +9652,14 @@
           <a:gsLst>
             <a:gs pos="0">
               <a:schemeClr val="phClr">
-                <a:satMod val="103000"/>
-                <a:lumMod val="102000"/>
-                <a:tint val="94000"/>
+                <a:tint val="96000"/>
+                <a:lumMod val="100000"/>
               </a:schemeClr>
             </a:gs>
-            <a:gs pos="50000">
+            <a:gs pos="78000">
               <a:schemeClr val="phClr">
-                <a:satMod val="110000"/>
-                <a:lumMod val="100000"/>
-                <a:shade val="100000"/>
-              </a:schemeClr>
-            </a:gs>
-            <a:gs pos="100000">
-              <a:schemeClr val="phClr">
-                <a:lumMod val="99000"/>
-                <a:satMod val="120000"/>
-                <a:shade val="78000"/>
+                <a:shade val="94000"/>
+                <a:lumMod val="94000"/>
               </a:schemeClr>
             </a:gs>
           </a:gsLst>
@@ -5491,26 +9667,23 @@
         </a:gradFill>
       </a:fillStyleLst>
       <a:lnStyleLst>
-        <a:ln w="6350" cap="flat" cmpd="sng" algn="ctr">
+        <a:ln w="12700" cap="rnd" cmpd="sng" algn="ctr">
           <a:solidFill>
             <a:schemeClr val="phClr"/>
           </a:solidFill>
           <a:prstDash val="solid"/>
-          <a:miter lim="800000"/>
         </a:ln>
-        <a:ln w="12700" cap="flat" cmpd="sng" algn="ctr">
+        <a:ln w="19050" cap="rnd" cmpd="sng" algn="ctr">
           <a:solidFill>
             <a:schemeClr val="phClr"/>
           </a:solidFill>
           <a:prstDash val="solid"/>
-          <a:miter lim="800000"/>
         </a:ln>
-        <a:ln w="19050" cap="flat" cmpd="sng" algn="ctr">
+        <a:ln w="25400" cap="rnd" cmpd="sng" algn="ctr">
           <a:solidFill>
             <a:schemeClr val="phClr"/>
           </a:solidFill>
           <a:prstDash val="solid"/>
-          <a:miter lim="800000"/>
         </a:ln>
       </a:lnStyleLst>
       <a:effectStyleLst>
@@ -5518,54 +9691,72 @@
           <a:effectLst/>
         </a:effectStyle>
         <a:effectStyle>
-          <a:effectLst/>
+          <a:effectLst>
+            <a:outerShdw blurRad="38100" dist="25400" dir="5400000" rotWithShape="0">
+              <a:srgbClr val="000000">
+                <a:alpha val="35000"/>
+              </a:srgbClr>
+            </a:outerShdw>
+          </a:effectLst>
         </a:effectStyle>
         <a:effectStyle>
           <a:effectLst>
-            <a:outerShdw blurRad="57150" dist="19050" dir="5400000" algn="ctr" rotWithShape="0">
+            <a:outerShdw blurRad="50800" dist="38100" dir="5400000" rotWithShape="0">
               <a:srgbClr val="000000">
-                <a:alpha val="63000"/>
+                <a:alpha val="35000"/>
               </a:srgbClr>
             </a:outerShdw>
           </a:effectLst>
+          <a:scene3d>
+            <a:camera prst="orthographicFront">
+              <a:rot lat="0" lon="0" rev="0"/>
+            </a:camera>
+            <a:lightRig rig="threePt" dir="tl"/>
+          </a:scene3d>
+          <a:sp3d prstMaterial="plastic">
+            <a:bevelT w="0" h="0"/>
+          </a:sp3d>
         </a:effectStyle>
       </a:effectStyleLst>
       <a:bgFillStyleLst>
         <a:solidFill>
           <a:schemeClr val="phClr"/>
         </a:solidFill>
-        <a:solidFill>
-          <a:schemeClr val="phClr">
-            <a:tint val="95000"/>
-            <a:satMod val="170000"/>
-          </a:schemeClr>
-        </a:solidFill>
         <a:gradFill rotWithShape="1">
           <a:gsLst>
             <a:gs pos="0">
               <a:schemeClr val="phClr">
-                <a:tint val="93000"/>
-                <a:satMod val="150000"/>
-                <a:shade val="98000"/>
-                <a:lumMod val="102000"/>
+                <a:tint val="90000"/>
+                <a:lumMod val="104000"/>
               </a:schemeClr>
             </a:gs>
-            <a:gs pos="50000">
+            <a:gs pos="94000">
               <a:schemeClr val="phClr">
-                <a:tint val="98000"/>
-                <a:satMod val="130000"/>
-                <a:shade val="90000"/>
-                <a:lumMod val="103000"/>
+                <a:shade val="96000"/>
+                <a:lumMod val="82000"/>
+              </a:schemeClr>
+            </a:gs>
+          </a:gsLst>
+          <a:lin ang="5400000" scaled="0"/>
+        </a:gradFill>
+        <a:gradFill rotWithShape="1">
+          <a:gsLst>
+            <a:gs pos="0">
+              <a:schemeClr val="phClr">
+                <a:tint val="90000"/>
+                <a:lumMod val="110000"/>
               </a:schemeClr>
             </a:gs>
             <a:gs pos="100000">
               <a:schemeClr val="phClr">
-                <a:shade val="63000"/>
-                <a:satMod val="120000"/>
+                <a:shade val="94000"/>
+                <a:lumMod val="96000"/>
               </a:schemeClr>
             </a:gs>
           </a:gsLst>
-          <a:lin ang="5400000" scaled="0"/>
+          <a:path path="circle">
+            <a:fillToRect l="50000" t="50000" r="100000" b="100000"/>
+          </a:path>
         </a:gradFill>
       </a:bgFillStyleLst>
     </a:fmtScheme>
@@ -5574,7 +9765,7 @@
   <a:extraClrSchemeLst/>
   <a:extLst>
     <a:ext uri="{05A4C25C-085E-4340-85A3-A5531E510DB2}">
-      <thm15:themeFamily xmlns:thm15="http://schemas.microsoft.com/office/thememl/2012/main" name="Office Theme" id="{62F939B6-93AF-4DB8-9C6B-D6C7DFDC589F}" vid="{4A3C46E8-61CC-4603-A589-7422A47A8E4A}"/>
+      <thm15:themeFamily xmlns:thm15="http://schemas.microsoft.com/office/thememl/2012/main" name="Facet" id="{C0C680CD-088A-49FC-A102-D699147F32B2}" vid="{CFBC31BA-B70F-4F30-BCAA-4F3011E16C4D}"/>
     </a:ext>
   </a:extLst>
 </a:theme>
